--- a/flowchart.pptx
+++ b/flowchart.pptx
@@ -104,6 +104,11 @@
       </a:defRPr>
     </a:lvl9pPr>
   </p:defaultTextStyle>
+  <p:extLst>
+    <p:ext uri="{EFAFB233-063F-42B5-8137-9DF3F51BA10A}">
+      <p15:sldGuideLst xmlns:p15="http://schemas.microsoft.com/office/powerpoint/2012/main"/>
+    </p:ext>
+  </p:extLst>
 </p:presentation>
 </file>
 
@@ -254,7 +259,7 @@
           <a:p>
             <a:fld id="{0B4AEF4D-8755-084C-8803-BB0F3813E80F}" type="datetimeFigureOut">
               <a:rPr lang="en-US" smtClean="0"/>
-              <a:t>7/14/20</a:t>
+              <a:t>8/24/20</a:t>
             </a:fld>
             <a:endParaRPr lang="en-US"/>
           </a:p>
@@ -452,7 +457,7 @@
           <a:p>
             <a:fld id="{0B4AEF4D-8755-084C-8803-BB0F3813E80F}" type="datetimeFigureOut">
               <a:rPr lang="en-US" smtClean="0"/>
-              <a:t>7/14/20</a:t>
+              <a:t>8/24/20</a:t>
             </a:fld>
             <a:endParaRPr lang="en-US"/>
           </a:p>
@@ -660,7 +665,7 @@
           <a:p>
             <a:fld id="{0B4AEF4D-8755-084C-8803-BB0F3813E80F}" type="datetimeFigureOut">
               <a:rPr lang="en-US" smtClean="0"/>
-              <a:t>7/14/20</a:t>
+              <a:t>8/24/20</a:t>
             </a:fld>
             <a:endParaRPr lang="en-US"/>
           </a:p>
@@ -858,7 +863,7 @@
           <a:p>
             <a:fld id="{0B4AEF4D-8755-084C-8803-BB0F3813E80F}" type="datetimeFigureOut">
               <a:rPr lang="en-US" smtClean="0"/>
-              <a:t>7/14/20</a:t>
+              <a:t>8/24/20</a:t>
             </a:fld>
             <a:endParaRPr lang="en-US"/>
           </a:p>
@@ -1133,7 +1138,7 @@
           <a:p>
             <a:fld id="{0B4AEF4D-8755-084C-8803-BB0F3813E80F}" type="datetimeFigureOut">
               <a:rPr lang="en-US" smtClean="0"/>
-              <a:t>7/14/20</a:t>
+              <a:t>8/24/20</a:t>
             </a:fld>
             <a:endParaRPr lang="en-US"/>
           </a:p>
@@ -1398,7 +1403,7 @@
           <a:p>
             <a:fld id="{0B4AEF4D-8755-084C-8803-BB0F3813E80F}" type="datetimeFigureOut">
               <a:rPr lang="en-US" smtClean="0"/>
-              <a:t>7/14/20</a:t>
+              <a:t>8/24/20</a:t>
             </a:fld>
             <a:endParaRPr lang="en-US"/>
           </a:p>
@@ -1810,7 +1815,7 @@
           <a:p>
             <a:fld id="{0B4AEF4D-8755-084C-8803-BB0F3813E80F}" type="datetimeFigureOut">
               <a:rPr lang="en-US" smtClean="0"/>
-              <a:t>7/14/20</a:t>
+              <a:t>8/24/20</a:t>
             </a:fld>
             <a:endParaRPr lang="en-US"/>
           </a:p>
@@ -1951,7 +1956,7 @@
           <a:p>
             <a:fld id="{0B4AEF4D-8755-084C-8803-BB0F3813E80F}" type="datetimeFigureOut">
               <a:rPr lang="en-US" smtClean="0"/>
-              <a:t>7/14/20</a:t>
+              <a:t>8/24/20</a:t>
             </a:fld>
             <a:endParaRPr lang="en-US"/>
           </a:p>
@@ -2064,7 +2069,7 @@
           <a:p>
             <a:fld id="{0B4AEF4D-8755-084C-8803-BB0F3813E80F}" type="datetimeFigureOut">
               <a:rPr lang="en-US" smtClean="0"/>
-              <a:t>7/14/20</a:t>
+              <a:t>8/24/20</a:t>
             </a:fld>
             <a:endParaRPr lang="en-US"/>
           </a:p>
@@ -2375,7 +2380,7 @@
           <a:p>
             <a:fld id="{0B4AEF4D-8755-084C-8803-BB0F3813E80F}" type="datetimeFigureOut">
               <a:rPr lang="en-US" smtClean="0"/>
-              <a:t>7/14/20</a:t>
+              <a:t>8/24/20</a:t>
             </a:fld>
             <a:endParaRPr lang="en-US"/>
           </a:p>
@@ -2663,7 +2668,7 @@
           <a:p>
             <a:fld id="{0B4AEF4D-8755-084C-8803-BB0F3813E80F}" type="datetimeFigureOut">
               <a:rPr lang="en-US" smtClean="0"/>
-              <a:t>7/14/20</a:t>
+              <a:t>8/24/20</a:t>
             </a:fld>
             <a:endParaRPr lang="en-US"/>
           </a:p>
@@ -2904,7 +2909,7 @@
           <a:p>
             <a:fld id="{0B4AEF4D-8755-084C-8803-BB0F3813E80F}" type="datetimeFigureOut">
               <a:rPr lang="en-US" smtClean="0"/>
-              <a:t>7/14/20</a:t>
+              <a:t>8/24/20</a:t>
             </a:fld>
             <a:endParaRPr lang="en-US"/>
           </a:p>
@@ -3323,10 +3328,10 @@
       </p:grpSpPr>
       <p:sp>
         <p:nvSpPr>
-          <p:cNvPr id="4" name="Rectangle 3">
-            <a:extLst>
-              <a:ext uri="{FF2B5EF4-FFF2-40B4-BE49-F238E27FC236}">
-                <a16:creationId xmlns:a16="http://schemas.microsoft.com/office/drawing/2014/main" id="{65A3C752-E4B7-194C-BAF8-80DAD483ACEA}"/>
+          <p:cNvPr id="5" name="Diamond 4">
+            <a:extLst>
+              <a:ext uri="{FF2B5EF4-FFF2-40B4-BE49-F238E27FC236}">
+                <a16:creationId xmlns:a16="http://schemas.microsoft.com/office/drawing/2014/main" id="{2E366214-E6A9-E64F-936E-743CD9211B85}"/>
               </a:ext>
             </a:extLst>
           </p:cNvPr>
@@ -3335,8 +3340,82 @@
         </p:nvSpPr>
         <p:spPr>
           <a:xfrm>
-            <a:off x="323107" y="540912"/>
-            <a:ext cx="2009106" cy="1017433"/>
+            <a:off x="8645780" y="269307"/>
+            <a:ext cx="2017334" cy="1258200"/>
+          </a:xfrm>
+          <a:prstGeom prst="diamond">
+            <a:avLst/>
+          </a:prstGeom>
+          <a:solidFill>
+            <a:srgbClr val="FFFF00"/>
+          </a:solidFill>
+          <a:ln>
+            <a:solidFill>
+              <a:schemeClr val="accent1">
+                <a:lumMod val="75000"/>
+              </a:schemeClr>
+            </a:solidFill>
+          </a:ln>
+        </p:spPr>
+        <p:style>
+          <a:lnRef idx="2">
+            <a:schemeClr val="accent1">
+              <a:shade val="50000"/>
+            </a:schemeClr>
+          </a:lnRef>
+          <a:fillRef idx="1">
+            <a:schemeClr val="accent1"/>
+          </a:fillRef>
+          <a:effectRef idx="0">
+            <a:schemeClr val="accent1"/>
+          </a:effectRef>
+          <a:fontRef idx="minor">
+            <a:schemeClr val="lt1"/>
+          </a:fontRef>
+        </p:style>
+        <p:txBody>
+          <a:bodyPr rtlCol="0" anchor="ctr"/>
+          <a:lstStyle/>
+          <a:p>
+            <a:pPr algn="ctr"/>
+            <a:r>
+              <a:rPr lang="en-US" sz="1600" dirty="0">
+                <a:solidFill>
+                  <a:sysClr val="windowText" lastClr="000000"/>
+                </a:solidFill>
+              </a:rPr>
+              <a:t>Fades </a:t>
+            </a:r>
+          </a:p>
+          <a:p>
+            <a:pPr algn="ctr"/>
+            <a:r>
+              <a:rPr lang="en-US" sz="1600" dirty="0">
+                <a:solidFill>
+                  <a:sysClr val="windowText" lastClr="000000"/>
+                </a:solidFill>
+              </a:rPr>
+              <a:t>&lt; 0.3 mag/d? </a:t>
+            </a:r>
+          </a:p>
+        </p:txBody>
+      </p:sp>
+      <p:sp>
+        <p:nvSpPr>
+          <p:cNvPr id="6" name="Rectangle 5">
+            <a:extLst>
+              <a:ext uri="{FF2B5EF4-FFF2-40B4-BE49-F238E27FC236}">
+                <a16:creationId xmlns:a16="http://schemas.microsoft.com/office/drawing/2014/main" id="{8EC6DA02-5AEC-674C-995A-6CBE5382A128}"/>
+              </a:ext>
+            </a:extLst>
+          </p:cNvPr>
+          <p:cNvSpPr/>
+          <p:nvPr/>
+        </p:nvSpPr>
+        <p:spPr>
+          <a:xfrm>
+            <a:off x="6195855" y="395769"/>
+            <a:ext cx="2152920" cy="991674"/>
           </a:xfrm>
           <a:prstGeom prst="rect">
             <a:avLst/>
@@ -3379,154 +3458,6 @@
                   <a:sysClr val="windowText" lastClr="000000"/>
                 </a:solidFill>
               </a:rPr>
-              <a:t>Kowalski query</a:t>
-            </a:r>
-          </a:p>
-          <a:p>
-            <a:pPr algn="ctr"/>
-            <a:r>
-              <a:rPr lang="en-US" sz="1600" dirty="0">
-                <a:solidFill>
-                  <a:sysClr val="windowText" lastClr="000000"/>
-                </a:solidFill>
-              </a:rPr>
-              <a:t>Alerts from last night</a:t>
-            </a:r>
-          </a:p>
-          <a:p>
-            <a:pPr algn="ctr"/>
-            <a:r>
-              <a:rPr lang="en-US" sz="1600" dirty="0">
-                <a:solidFill>
-                  <a:sysClr val="windowText" lastClr="000000"/>
-                </a:solidFill>
-              </a:rPr>
-              <a:t>max 7 days of history</a:t>
-            </a:r>
-          </a:p>
-        </p:txBody>
-      </p:sp>
-      <p:sp>
-        <p:nvSpPr>
-          <p:cNvPr id="5" name="Diamond 4">
-            <a:extLst>
-              <a:ext uri="{FF2B5EF4-FFF2-40B4-BE49-F238E27FC236}">
-                <a16:creationId xmlns:a16="http://schemas.microsoft.com/office/drawing/2014/main" id="{2E366214-E6A9-E64F-936E-743CD9211B85}"/>
-              </a:ext>
-            </a:extLst>
-          </p:cNvPr>
-          <p:cNvSpPr/>
-          <p:nvPr/>
-        </p:nvSpPr>
-        <p:spPr>
-          <a:xfrm>
-            <a:off x="6958375" y="462837"/>
-            <a:ext cx="2744272" cy="1173582"/>
-          </a:xfrm>
-          <a:prstGeom prst="diamond">
-            <a:avLst/>
-          </a:prstGeom>
-          <a:solidFill>
-            <a:srgbClr val="FFFF00"/>
-          </a:solidFill>
-          <a:ln>
-            <a:solidFill>
-              <a:schemeClr val="accent1">
-                <a:lumMod val="75000"/>
-              </a:schemeClr>
-            </a:solidFill>
-          </a:ln>
-        </p:spPr>
-        <p:style>
-          <a:lnRef idx="2">
-            <a:schemeClr val="accent1">
-              <a:shade val="50000"/>
-            </a:schemeClr>
-          </a:lnRef>
-          <a:fillRef idx="1">
-            <a:schemeClr val="accent1"/>
-          </a:fillRef>
-          <a:effectRef idx="0">
-            <a:schemeClr val="accent1"/>
-          </a:effectRef>
-          <a:fontRef idx="minor">
-            <a:schemeClr val="lt1"/>
-          </a:fontRef>
-        </p:style>
-        <p:txBody>
-          <a:bodyPr rtlCol="0" anchor="ctr"/>
-          <a:lstStyle/>
-          <a:p>
-            <a:pPr algn="ctr"/>
-            <a:r>
-              <a:rPr lang="en-US" sz="1600" dirty="0">
-                <a:solidFill>
-                  <a:sysClr val="windowText" lastClr="000000"/>
-                </a:solidFill>
-              </a:rPr>
-              <a:t>Evolution slower than 0.5 mag/day? </a:t>
-            </a:r>
-          </a:p>
-        </p:txBody>
-      </p:sp>
-      <p:sp>
-        <p:nvSpPr>
-          <p:cNvPr id="6" name="Rectangle 5">
-            <a:extLst>
-              <a:ext uri="{FF2B5EF4-FFF2-40B4-BE49-F238E27FC236}">
-                <a16:creationId xmlns:a16="http://schemas.microsoft.com/office/drawing/2014/main" id="{8EC6DA02-5AEC-674C-995A-6CBE5382A128}"/>
-              </a:ext>
-            </a:extLst>
-          </p:cNvPr>
-          <p:cNvSpPr/>
-          <p:nvPr/>
-        </p:nvSpPr>
-        <p:spPr>
-          <a:xfrm>
-            <a:off x="4573386" y="540912"/>
-            <a:ext cx="2152920" cy="991674"/>
-          </a:xfrm>
-          <a:prstGeom prst="rect">
-            <a:avLst/>
-          </a:prstGeom>
-          <a:solidFill>
-            <a:schemeClr val="bg2"/>
-          </a:solidFill>
-          <a:ln>
-            <a:solidFill>
-              <a:schemeClr val="accent1">
-                <a:lumMod val="75000"/>
-              </a:schemeClr>
-            </a:solidFill>
-          </a:ln>
-        </p:spPr>
-        <p:style>
-          <a:lnRef idx="2">
-            <a:schemeClr val="accent1">
-              <a:shade val="50000"/>
-            </a:schemeClr>
-          </a:lnRef>
-          <a:fillRef idx="1">
-            <a:schemeClr val="accent1"/>
-          </a:fillRef>
-          <a:effectRef idx="0">
-            <a:schemeClr val="accent1"/>
-          </a:effectRef>
-          <a:fontRef idx="minor">
-            <a:schemeClr val="lt1"/>
-          </a:fontRef>
-        </p:style>
-        <p:txBody>
-          <a:bodyPr rtlCol="0" anchor="ctr"/>
-          <a:lstStyle/>
-          <a:p>
-            <a:pPr algn="ctr"/>
-            <a:r>
-              <a:rPr lang="en-US" sz="1600" b="1" dirty="0">
-                <a:solidFill>
-                  <a:sysClr val="windowText" lastClr="000000"/>
-                </a:solidFill>
-              </a:rPr>
               <a:t>Light curve fitting</a:t>
             </a:r>
           </a:p>
@@ -3557,7 +3488,7 @@
         </p:nvSpPr>
         <p:spPr>
           <a:xfrm>
-            <a:off x="10336434" y="880594"/>
+            <a:off x="10919765" y="1183986"/>
             <a:ext cx="891859" cy="363827"/>
           </a:xfrm>
           <a:prstGeom prst="rect">
@@ -3623,7 +3554,7 @@
         </p:nvSpPr>
         <p:spPr>
           <a:xfrm>
-            <a:off x="323107" y="3597480"/>
+            <a:off x="236021" y="3452337"/>
             <a:ext cx="2412644" cy="510881"/>
           </a:xfrm>
           <a:prstGeom prst="rect">
@@ -3674,10 +3605,10 @@
       </p:sp>
       <p:sp>
         <p:nvSpPr>
-          <p:cNvPr id="10" name="Diamond 9">
-            <a:extLst>
-              <a:ext uri="{FF2B5EF4-FFF2-40B4-BE49-F238E27FC236}">
-                <a16:creationId xmlns:a16="http://schemas.microsoft.com/office/drawing/2014/main" id="{39DA6031-D4B5-C749-9866-736E90384767}"/>
+          <p:cNvPr id="11" name="Can 10">
+            <a:extLst>
+              <a:ext uri="{FF2B5EF4-FFF2-40B4-BE49-F238E27FC236}">
+                <a16:creationId xmlns:a16="http://schemas.microsoft.com/office/drawing/2014/main" id="{A9DEE27F-DA34-5443-A7D1-17E58B33495F}"/>
               </a:ext>
             </a:extLst>
           </p:cNvPr>
@@ -3686,8 +3617,3042 @@
         </p:nvSpPr>
         <p:spPr>
           <a:xfrm>
-            <a:off x="9675855" y="1513531"/>
-            <a:ext cx="2213015" cy="973430"/>
+            <a:off x="10737057" y="1824999"/>
+            <a:ext cx="1257274" cy="842984"/>
+          </a:xfrm>
+          <a:prstGeom prst="can">
+            <a:avLst>
+              <a:gd name="adj" fmla="val 14692"/>
+            </a:avLst>
+          </a:prstGeom>
+          <a:solidFill>
+            <a:schemeClr val="accent1">
+              <a:lumMod val="20000"/>
+              <a:lumOff val="80000"/>
+            </a:schemeClr>
+          </a:solidFill>
+        </p:spPr>
+        <p:style>
+          <a:lnRef idx="2">
+            <a:schemeClr val="accent1">
+              <a:shade val="50000"/>
+            </a:schemeClr>
+          </a:lnRef>
+          <a:fillRef idx="1">
+            <a:schemeClr val="accent1"/>
+          </a:fillRef>
+          <a:effectRef idx="0">
+            <a:schemeClr val="accent1"/>
+          </a:effectRef>
+          <a:fontRef idx="minor">
+            <a:schemeClr val="lt1"/>
+          </a:fontRef>
+        </p:style>
+        <p:txBody>
+          <a:bodyPr rtlCol="0" anchor="ctr"/>
+          <a:lstStyle/>
+          <a:p>
+            <a:pPr algn="ctr"/>
+            <a:endParaRPr lang="en-US" sz="1600" dirty="0">
+              <a:solidFill>
+                <a:sysClr val="windowText" lastClr="000000"/>
+              </a:solidFill>
+            </a:endParaRPr>
+          </a:p>
+          <a:p>
+            <a:pPr algn="ctr"/>
+            <a:r>
+              <a:rPr lang="en-US" sz="1600" dirty="0">
+                <a:solidFill>
+                  <a:sysClr val="windowText" lastClr="000000"/>
+                </a:solidFill>
+              </a:rPr>
+              <a:t>Update database</a:t>
+            </a:r>
+          </a:p>
+          <a:p>
+            <a:pPr algn="ctr"/>
+            <a:endParaRPr lang="en-US" sz="1600" dirty="0"/>
+          </a:p>
+        </p:txBody>
+      </p:sp>
+      <p:sp>
+        <p:nvSpPr>
+          <p:cNvPr id="13" name="Can 12">
+            <a:extLst>
+              <a:ext uri="{FF2B5EF4-FFF2-40B4-BE49-F238E27FC236}">
+                <a16:creationId xmlns:a16="http://schemas.microsoft.com/office/drawing/2014/main" id="{BA6FEC56-46DF-BD41-A9A6-0E4425075684}"/>
+              </a:ext>
+            </a:extLst>
+          </p:cNvPr>
+          <p:cNvSpPr/>
+          <p:nvPr/>
+        </p:nvSpPr>
+        <p:spPr>
+          <a:xfrm>
+            <a:off x="5997860" y="1942495"/>
+            <a:ext cx="2152921" cy="989534"/>
+          </a:xfrm>
+          <a:prstGeom prst="can">
+            <a:avLst>
+              <a:gd name="adj" fmla="val 14692"/>
+            </a:avLst>
+          </a:prstGeom>
+          <a:solidFill>
+            <a:schemeClr val="accent1">
+              <a:lumMod val="20000"/>
+              <a:lumOff val="80000"/>
+            </a:schemeClr>
+          </a:solidFill>
+        </p:spPr>
+        <p:style>
+          <a:lnRef idx="2">
+            <a:schemeClr val="accent1">
+              <a:shade val="50000"/>
+            </a:schemeClr>
+          </a:lnRef>
+          <a:fillRef idx="1">
+            <a:schemeClr val="accent1"/>
+          </a:fillRef>
+          <a:effectRef idx="0">
+            <a:schemeClr val="accent1"/>
+          </a:effectRef>
+          <a:fontRef idx="minor">
+            <a:schemeClr val="lt1"/>
+          </a:fontRef>
+        </p:style>
+        <p:txBody>
+          <a:bodyPr rtlCol="0" anchor="ctr"/>
+          <a:lstStyle/>
+          <a:p>
+            <a:pPr algn="ctr"/>
+            <a:r>
+              <a:rPr lang="en-US" sz="1600" dirty="0">
+                <a:solidFill>
+                  <a:sysClr val="windowText" lastClr="000000"/>
+                </a:solidFill>
+              </a:rPr>
+              <a:t>Update database</a:t>
+            </a:r>
+          </a:p>
+          <a:p>
+            <a:pPr algn="ctr"/>
+            <a:r>
+              <a:rPr lang="en-US" sz="1600" dirty="0">
+                <a:solidFill>
+                  <a:sysClr val="windowText" lastClr="000000"/>
+                </a:solidFill>
+              </a:rPr>
+              <a:t>new candidate info,</a:t>
+            </a:r>
+          </a:p>
+          <a:p>
+            <a:pPr algn="ctr"/>
+            <a:r>
+              <a:rPr lang="en-US" sz="1600" dirty="0">
+                <a:solidFill>
+                  <a:sysClr val="windowText" lastClr="000000"/>
+                </a:solidFill>
+              </a:rPr>
+              <a:t>alerts light curve</a:t>
+            </a:r>
+          </a:p>
+        </p:txBody>
+      </p:sp>
+      <p:sp>
+        <p:nvSpPr>
+          <p:cNvPr id="15" name="Rectangle 14">
+            <a:extLst>
+              <a:ext uri="{FF2B5EF4-FFF2-40B4-BE49-F238E27FC236}">
+                <a16:creationId xmlns:a16="http://schemas.microsoft.com/office/drawing/2014/main" id="{688AC135-C3DF-EE43-984D-83219C2B7E18}"/>
+              </a:ext>
+            </a:extLst>
+          </p:cNvPr>
+          <p:cNvSpPr/>
+          <p:nvPr/>
+        </p:nvSpPr>
+        <p:spPr>
+          <a:xfrm>
+            <a:off x="236021" y="1937469"/>
+            <a:ext cx="2412644" cy="989534"/>
+          </a:xfrm>
+          <a:prstGeom prst="rect">
+            <a:avLst/>
+          </a:prstGeom>
+          <a:solidFill>
+            <a:schemeClr val="bg2"/>
+          </a:solidFill>
+          <a:ln>
+            <a:solidFill>
+              <a:schemeClr val="accent1">
+                <a:lumMod val="75000"/>
+              </a:schemeClr>
+            </a:solidFill>
+          </a:ln>
+        </p:spPr>
+        <p:style>
+          <a:lnRef idx="2">
+            <a:schemeClr val="accent1">
+              <a:shade val="50000"/>
+            </a:schemeClr>
+          </a:lnRef>
+          <a:fillRef idx="1">
+            <a:schemeClr val="accent1"/>
+          </a:fillRef>
+          <a:effectRef idx="0">
+            <a:schemeClr val="accent1"/>
+          </a:effectRef>
+          <a:fontRef idx="minor">
+            <a:schemeClr val="lt1"/>
+          </a:fontRef>
+        </p:style>
+        <p:txBody>
+          <a:bodyPr rtlCol="0" anchor="ctr"/>
+          <a:lstStyle/>
+          <a:p>
+            <a:pPr algn="ctr"/>
+            <a:r>
+              <a:rPr lang="en-US" sz="1600" b="1" dirty="0">
+                <a:solidFill>
+                  <a:sysClr val="windowText" lastClr="000000"/>
+                </a:solidFill>
+              </a:rPr>
+              <a:t>Select from the </a:t>
+            </a:r>
+            <a:r>
+              <a:rPr lang="en-US" sz="1600" b="1" dirty="0" err="1">
+                <a:solidFill>
+                  <a:sysClr val="windowText" lastClr="000000"/>
+                </a:solidFill>
+              </a:rPr>
+              <a:t>db</a:t>
+            </a:r>
+            <a:r>
+              <a:rPr lang="en-US" sz="1600" b="1" dirty="0">
+                <a:solidFill>
+                  <a:sysClr val="windowText" lastClr="000000"/>
+                </a:solidFill>
+              </a:rPr>
+              <a:t> </a:t>
+            </a:r>
+            <a:r>
+              <a:rPr lang="en-US" sz="1600" dirty="0">
+                <a:solidFill>
+                  <a:sysClr val="windowText" lastClr="000000"/>
+                </a:solidFill>
+              </a:rPr>
+              <a:t>those candidates that need new forced phot</a:t>
+            </a:r>
+          </a:p>
+        </p:txBody>
+      </p:sp>
+      <p:sp>
+        <p:nvSpPr>
+          <p:cNvPr id="16" name="Rectangle 15">
+            <a:extLst>
+              <a:ext uri="{FF2B5EF4-FFF2-40B4-BE49-F238E27FC236}">
+                <a16:creationId xmlns:a16="http://schemas.microsoft.com/office/drawing/2014/main" id="{1BFE9764-1C25-5540-B06D-65FE8C19A0BC}"/>
+              </a:ext>
+            </a:extLst>
+          </p:cNvPr>
+          <p:cNvSpPr/>
+          <p:nvPr/>
+        </p:nvSpPr>
+        <p:spPr>
+          <a:xfrm>
+            <a:off x="2830309" y="3853207"/>
+            <a:ext cx="2744272" cy="634818"/>
+          </a:xfrm>
+          <a:prstGeom prst="rect">
+            <a:avLst/>
+          </a:prstGeom>
+          <a:solidFill>
+            <a:schemeClr val="bg2"/>
+          </a:solidFill>
+          <a:ln>
+            <a:solidFill>
+              <a:schemeClr val="accent1">
+                <a:lumMod val="75000"/>
+              </a:schemeClr>
+            </a:solidFill>
+          </a:ln>
+        </p:spPr>
+        <p:style>
+          <a:lnRef idx="2">
+            <a:schemeClr val="accent1">
+              <a:shade val="50000"/>
+            </a:schemeClr>
+          </a:lnRef>
+          <a:fillRef idx="1">
+            <a:schemeClr val="accent1"/>
+          </a:fillRef>
+          <a:effectRef idx="0">
+            <a:schemeClr val="accent1"/>
+          </a:effectRef>
+          <a:fontRef idx="minor">
+            <a:schemeClr val="lt1"/>
+          </a:fontRef>
+        </p:style>
+        <p:txBody>
+          <a:bodyPr rtlCol="0" anchor="ctr"/>
+          <a:lstStyle/>
+          <a:p>
+            <a:pPr algn="ctr"/>
+            <a:r>
+              <a:rPr lang="en-US" sz="1600" b="1" dirty="0">
+                <a:solidFill>
+                  <a:sysClr val="windowText" lastClr="000000"/>
+                </a:solidFill>
+              </a:rPr>
+              <a:t>Light curve fitting</a:t>
+            </a:r>
+          </a:p>
+          <a:p>
+            <a:pPr algn="ctr"/>
+            <a:r>
+              <a:rPr lang="en-US" sz="1600" dirty="0">
+                <a:solidFill>
+                  <a:sysClr val="windowText" lastClr="000000"/>
+                </a:solidFill>
+              </a:rPr>
+              <a:t>Fit for the rise and decay rates</a:t>
+            </a:r>
+          </a:p>
+        </p:txBody>
+      </p:sp>
+      <p:sp>
+        <p:nvSpPr>
+          <p:cNvPr id="19" name="Rectangle 18">
+            <a:extLst>
+              <a:ext uri="{FF2B5EF4-FFF2-40B4-BE49-F238E27FC236}">
+                <a16:creationId xmlns:a16="http://schemas.microsoft.com/office/drawing/2014/main" id="{762FAC6F-5344-DD4C-B2BA-E08278D075BA}"/>
+              </a:ext>
+            </a:extLst>
+          </p:cNvPr>
+          <p:cNvSpPr/>
+          <p:nvPr/>
+        </p:nvSpPr>
+        <p:spPr>
+          <a:xfrm>
+            <a:off x="223143" y="4351712"/>
+            <a:ext cx="2412644" cy="510881"/>
+          </a:xfrm>
+          <a:prstGeom prst="rect">
+            <a:avLst/>
+          </a:prstGeom>
+          <a:solidFill>
+            <a:schemeClr val="bg2"/>
+          </a:solidFill>
+          <a:ln>
+            <a:solidFill>
+              <a:schemeClr val="accent1">
+                <a:lumMod val="75000"/>
+              </a:schemeClr>
+            </a:solidFill>
+          </a:ln>
+        </p:spPr>
+        <p:style>
+          <a:lnRef idx="2">
+            <a:schemeClr val="accent1">
+              <a:shade val="50000"/>
+            </a:schemeClr>
+          </a:lnRef>
+          <a:fillRef idx="1">
+            <a:schemeClr val="accent1"/>
+          </a:fillRef>
+          <a:effectRef idx="0">
+            <a:schemeClr val="accent1"/>
+          </a:effectRef>
+          <a:fontRef idx="minor">
+            <a:schemeClr val="lt1"/>
+          </a:fontRef>
+        </p:style>
+        <p:txBody>
+          <a:bodyPr rtlCol="0" anchor="ctr"/>
+          <a:lstStyle/>
+          <a:p>
+            <a:pPr algn="ctr"/>
+            <a:r>
+              <a:rPr lang="en-US" sz="1600" b="1" dirty="0">
+                <a:solidFill>
+                  <a:sysClr val="windowText" lastClr="000000"/>
+                </a:solidFill>
+              </a:rPr>
+              <a:t>Stack flux</a:t>
+            </a:r>
+          </a:p>
+        </p:txBody>
+      </p:sp>
+      <p:sp>
+        <p:nvSpPr>
+          <p:cNvPr id="20" name="Can 19">
+            <a:extLst>
+              <a:ext uri="{FF2B5EF4-FFF2-40B4-BE49-F238E27FC236}">
+                <a16:creationId xmlns:a16="http://schemas.microsoft.com/office/drawing/2014/main" id="{AD7F76CB-1E15-CE4A-8D70-E9CC372250D2}"/>
+              </a:ext>
+            </a:extLst>
+          </p:cNvPr>
+          <p:cNvSpPr/>
+          <p:nvPr/>
+        </p:nvSpPr>
+        <p:spPr>
+          <a:xfrm>
+            <a:off x="7850727" y="3675849"/>
+            <a:ext cx="2143253" cy="989534"/>
+          </a:xfrm>
+          <a:prstGeom prst="can">
+            <a:avLst>
+              <a:gd name="adj" fmla="val 14692"/>
+            </a:avLst>
+          </a:prstGeom>
+          <a:solidFill>
+            <a:schemeClr val="accent1">
+              <a:lumMod val="20000"/>
+              <a:lumOff val="80000"/>
+            </a:schemeClr>
+          </a:solidFill>
+        </p:spPr>
+        <p:style>
+          <a:lnRef idx="2">
+            <a:schemeClr val="accent1">
+              <a:shade val="50000"/>
+            </a:schemeClr>
+          </a:lnRef>
+          <a:fillRef idx="1">
+            <a:schemeClr val="accent1"/>
+          </a:fillRef>
+          <a:effectRef idx="0">
+            <a:schemeClr val="accent1"/>
+          </a:effectRef>
+          <a:fontRef idx="minor">
+            <a:schemeClr val="lt1"/>
+          </a:fontRef>
+        </p:style>
+        <p:txBody>
+          <a:bodyPr rtlCol="0" anchor="ctr"/>
+          <a:lstStyle/>
+          <a:p>
+            <a:pPr algn="ctr"/>
+            <a:r>
+              <a:rPr lang="en-US" sz="1600" dirty="0">
+                <a:solidFill>
+                  <a:sysClr val="windowText" lastClr="000000"/>
+                </a:solidFill>
+              </a:rPr>
+              <a:t>Update </a:t>
+            </a:r>
+            <a:r>
+              <a:rPr lang="en-US" sz="1600" dirty="0" err="1">
+                <a:solidFill>
+                  <a:sysClr val="windowText" lastClr="000000"/>
+                </a:solidFill>
+              </a:rPr>
+              <a:t>db</a:t>
+            </a:r>
+            <a:r>
+              <a:rPr lang="en-US" sz="1600" dirty="0">
+                <a:solidFill>
+                  <a:sysClr val="windowText" lastClr="000000"/>
+                </a:solidFill>
+              </a:rPr>
+              <a:t> with forced phot and stacked forced phot info</a:t>
+            </a:r>
+          </a:p>
+        </p:txBody>
+      </p:sp>
+      <p:sp>
+        <p:nvSpPr>
+          <p:cNvPr id="21" name="Rectangle 20">
+            <a:extLst>
+              <a:ext uri="{FF2B5EF4-FFF2-40B4-BE49-F238E27FC236}">
+                <a16:creationId xmlns:a16="http://schemas.microsoft.com/office/drawing/2014/main" id="{FD214697-40DD-DD4F-958A-9B121B4C3857}"/>
+              </a:ext>
+            </a:extLst>
+          </p:cNvPr>
+          <p:cNvSpPr/>
+          <p:nvPr/>
+        </p:nvSpPr>
+        <p:spPr>
+          <a:xfrm>
+            <a:off x="3526937" y="1936945"/>
+            <a:ext cx="1776197" cy="991674"/>
+          </a:xfrm>
+          <a:prstGeom prst="rect">
+            <a:avLst/>
+          </a:prstGeom>
+          <a:solidFill>
+            <a:schemeClr val="bg2"/>
+          </a:solidFill>
+          <a:ln>
+            <a:solidFill>
+              <a:schemeClr val="accent1">
+                <a:lumMod val="75000"/>
+              </a:schemeClr>
+            </a:solidFill>
+          </a:ln>
+        </p:spPr>
+        <p:style>
+          <a:lnRef idx="2">
+            <a:schemeClr val="accent1">
+              <a:shade val="50000"/>
+            </a:schemeClr>
+          </a:lnRef>
+          <a:fillRef idx="1">
+            <a:schemeClr val="accent1"/>
+          </a:fillRef>
+          <a:effectRef idx="0">
+            <a:schemeClr val="accent1"/>
+          </a:effectRef>
+          <a:fontRef idx="minor">
+            <a:schemeClr val="lt1"/>
+          </a:fontRef>
+        </p:style>
+        <p:txBody>
+          <a:bodyPr rtlCol="0" anchor="ctr"/>
+          <a:lstStyle/>
+          <a:p>
+            <a:pPr algn="ctr"/>
+            <a:r>
+              <a:rPr lang="en-US" sz="1600" b="1" dirty="0">
+                <a:solidFill>
+                  <a:sysClr val="windowText" lastClr="000000"/>
+                </a:solidFill>
+              </a:rPr>
+              <a:t>Auto quality check</a:t>
+            </a:r>
+          </a:p>
+          <a:p>
+            <a:pPr algn="ctr"/>
+            <a:r>
+              <a:rPr lang="en-US" sz="1600" dirty="0">
+                <a:solidFill>
+                  <a:sysClr val="windowText" lastClr="000000"/>
+                </a:solidFill>
+              </a:rPr>
+              <a:t>Based on</a:t>
+            </a:r>
+          </a:p>
+          <a:p>
+            <a:pPr algn="ctr"/>
+            <a:r>
+              <a:rPr lang="en-US" sz="1600" dirty="0">
+                <a:solidFill>
+                  <a:sysClr val="windowText" lastClr="000000"/>
+                </a:solidFill>
+              </a:rPr>
+              <a:t>nearby alerts</a:t>
+            </a:r>
+            <a:endParaRPr lang="en-US" sz="1600" b="1" dirty="0">
+              <a:solidFill>
+                <a:sysClr val="windowText" lastClr="000000"/>
+              </a:solidFill>
+            </a:endParaRPr>
+          </a:p>
+        </p:txBody>
+      </p:sp>
+      <p:cxnSp>
+        <p:nvCxnSpPr>
+          <p:cNvPr id="23" name="Straight Arrow Connector 22">
+            <a:extLst>
+              <a:ext uri="{FF2B5EF4-FFF2-40B4-BE49-F238E27FC236}">
+                <a16:creationId xmlns:a16="http://schemas.microsoft.com/office/drawing/2014/main" id="{7A95F1E1-4336-AD48-8879-169D9D6EE889}"/>
+              </a:ext>
+            </a:extLst>
+          </p:cNvPr>
+          <p:cNvCxnSpPr>
+            <a:cxnSpLocks/>
+            <a:stCxn id="41" idx="6"/>
+            <a:endCxn id="50" idx="2"/>
+          </p:cNvCxnSpPr>
+          <p:nvPr/>
+        </p:nvCxnSpPr>
+        <p:spPr>
+          <a:xfrm flipV="1">
+            <a:off x="3372049" y="893708"/>
+            <a:ext cx="744484" cy="10777"/>
+          </a:xfrm>
+          <a:prstGeom prst="straightConnector1">
+            <a:avLst/>
+          </a:prstGeom>
+          <a:ln>
+            <a:solidFill>
+              <a:schemeClr val="accent1">
+                <a:lumMod val="75000"/>
+              </a:schemeClr>
+            </a:solidFill>
+            <a:tailEnd type="triangle"/>
+          </a:ln>
+        </p:spPr>
+        <p:style>
+          <a:lnRef idx="1">
+            <a:schemeClr val="accent1"/>
+          </a:lnRef>
+          <a:fillRef idx="0">
+            <a:schemeClr val="accent1"/>
+          </a:fillRef>
+          <a:effectRef idx="0">
+            <a:schemeClr val="accent1"/>
+          </a:effectRef>
+          <a:fontRef idx="minor">
+            <a:schemeClr val="tx1"/>
+          </a:fontRef>
+        </p:style>
+      </p:cxnSp>
+      <p:cxnSp>
+        <p:nvCxnSpPr>
+          <p:cNvPr id="27" name="Straight Arrow Connector 26">
+            <a:extLst>
+              <a:ext uri="{FF2B5EF4-FFF2-40B4-BE49-F238E27FC236}">
+                <a16:creationId xmlns:a16="http://schemas.microsoft.com/office/drawing/2014/main" id="{A3DC5DD7-877A-F447-84FC-531E56F75D8B}"/>
+              </a:ext>
+            </a:extLst>
+          </p:cNvPr>
+          <p:cNvCxnSpPr>
+            <a:cxnSpLocks/>
+            <a:stCxn id="6" idx="3"/>
+          </p:cNvCxnSpPr>
+          <p:nvPr/>
+        </p:nvCxnSpPr>
+        <p:spPr>
+          <a:xfrm>
+            <a:off x="8348775" y="891606"/>
+            <a:ext cx="300639" cy="12880"/>
+          </a:xfrm>
+          <a:prstGeom prst="straightConnector1">
+            <a:avLst/>
+          </a:prstGeom>
+          <a:ln>
+            <a:solidFill>
+              <a:schemeClr val="accent1">
+                <a:lumMod val="75000"/>
+              </a:schemeClr>
+            </a:solidFill>
+            <a:tailEnd type="triangle"/>
+          </a:ln>
+        </p:spPr>
+        <p:style>
+          <a:lnRef idx="1">
+            <a:schemeClr val="accent1"/>
+          </a:lnRef>
+          <a:fillRef idx="0">
+            <a:schemeClr val="accent1"/>
+          </a:fillRef>
+          <a:effectRef idx="0">
+            <a:schemeClr val="accent1"/>
+          </a:effectRef>
+          <a:fontRef idx="minor">
+            <a:schemeClr val="tx1"/>
+          </a:fontRef>
+        </p:style>
+      </p:cxnSp>
+      <p:cxnSp>
+        <p:nvCxnSpPr>
+          <p:cNvPr id="31" name="Straight Arrow Connector 30">
+            <a:extLst>
+              <a:ext uri="{FF2B5EF4-FFF2-40B4-BE49-F238E27FC236}">
+                <a16:creationId xmlns:a16="http://schemas.microsoft.com/office/drawing/2014/main" id="{FB500AB0-B0C3-ED4D-9528-DE1391CE8449}"/>
+              </a:ext>
+            </a:extLst>
+          </p:cNvPr>
+          <p:cNvCxnSpPr>
+            <a:cxnSpLocks/>
+          </p:cNvCxnSpPr>
+          <p:nvPr/>
+        </p:nvCxnSpPr>
+        <p:spPr>
+          <a:xfrm>
+            <a:off x="11378445" y="898046"/>
+            <a:ext cx="0" cy="270588"/>
+          </a:xfrm>
+          <a:prstGeom prst="straightConnector1">
+            <a:avLst/>
+          </a:prstGeom>
+          <a:ln>
+            <a:solidFill>
+              <a:schemeClr val="accent1">
+                <a:lumMod val="75000"/>
+              </a:schemeClr>
+            </a:solidFill>
+            <a:tailEnd type="triangle"/>
+          </a:ln>
+        </p:spPr>
+        <p:style>
+          <a:lnRef idx="1">
+            <a:schemeClr val="accent1"/>
+          </a:lnRef>
+          <a:fillRef idx="0">
+            <a:schemeClr val="accent1"/>
+          </a:fillRef>
+          <a:effectRef idx="0">
+            <a:schemeClr val="accent1"/>
+          </a:effectRef>
+          <a:fontRef idx="minor">
+            <a:schemeClr val="tx1"/>
+          </a:fontRef>
+        </p:style>
+      </p:cxnSp>
+      <p:cxnSp>
+        <p:nvCxnSpPr>
+          <p:cNvPr id="34" name="Straight Arrow Connector 33">
+            <a:extLst>
+              <a:ext uri="{FF2B5EF4-FFF2-40B4-BE49-F238E27FC236}">
+                <a16:creationId xmlns:a16="http://schemas.microsoft.com/office/drawing/2014/main" id="{95F939E4-825E-AD4B-BE78-D67874267D9F}"/>
+              </a:ext>
+            </a:extLst>
+          </p:cNvPr>
+          <p:cNvCxnSpPr>
+            <a:cxnSpLocks/>
+          </p:cNvCxnSpPr>
+          <p:nvPr/>
+        </p:nvCxnSpPr>
+        <p:spPr>
+          <a:xfrm flipH="1">
+            <a:off x="8181151" y="2461600"/>
+            <a:ext cx="1473296" cy="9528"/>
+          </a:xfrm>
+          <a:prstGeom prst="straightConnector1">
+            <a:avLst/>
+          </a:prstGeom>
+          <a:ln>
+            <a:solidFill>
+              <a:schemeClr val="accent1">
+                <a:lumMod val="75000"/>
+              </a:schemeClr>
+            </a:solidFill>
+            <a:tailEnd type="triangle"/>
+          </a:ln>
+        </p:spPr>
+        <p:style>
+          <a:lnRef idx="1">
+            <a:schemeClr val="accent1"/>
+          </a:lnRef>
+          <a:fillRef idx="0">
+            <a:schemeClr val="accent1"/>
+          </a:fillRef>
+          <a:effectRef idx="0">
+            <a:schemeClr val="accent1"/>
+          </a:effectRef>
+          <a:fontRef idx="minor">
+            <a:schemeClr val="tx1"/>
+          </a:fontRef>
+        </p:style>
+      </p:cxnSp>
+      <p:sp>
+        <p:nvSpPr>
+          <p:cNvPr id="39" name="TextBox 38">
+            <a:extLst>
+              <a:ext uri="{FF2B5EF4-FFF2-40B4-BE49-F238E27FC236}">
+                <a16:creationId xmlns:a16="http://schemas.microsoft.com/office/drawing/2014/main" id="{A0158722-1A58-A44E-AEF9-CB8C024128E0}"/>
+              </a:ext>
+            </a:extLst>
+          </p:cNvPr>
+          <p:cNvSpPr txBox="1"/>
+          <p:nvPr/>
+        </p:nvSpPr>
+        <p:spPr>
+          <a:xfrm>
+            <a:off x="10916972" y="591290"/>
+            <a:ext cx="457882" cy="338554"/>
+          </a:xfrm>
+          <a:prstGeom prst="rect">
+            <a:avLst/>
+          </a:prstGeom>
+          <a:noFill/>
+        </p:spPr>
+        <p:txBody>
+          <a:bodyPr wrap="none" rtlCol="0">
+            <a:spAutoFit/>
+          </a:bodyPr>
+          <a:lstStyle/>
+          <a:p>
+            <a:r>
+              <a:rPr lang="en-US" sz="1600" dirty="0"/>
+              <a:t>yes</a:t>
+            </a:r>
+          </a:p>
+        </p:txBody>
+      </p:sp>
+      <p:cxnSp>
+        <p:nvCxnSpPr>
+          <p:cNvPr id="43" name="Straight Connector 42">
+            <a:extLst>
+              <a:ext uri="{FF2B5EF4-FFF2-40B4-BE49-F238E27FC236}">
+                <a16:creationId xmlns:a16="http://schemas.microsoft.com/office/drawing/2014/main" id="{4F4A03A9-4192-0148-850D-4B9B1EA65A62}"/>
+              </a:ext>
+            </a:extLst>
+          </p:cNvPr>
+          <p:cNvCxnSpPr>
+            <a:cxnSpLocks/>
+          </p:cNvCxnSpPr>
+          <p:nvPr/>
+        </p:nvCxnSpPr>
+        <p:spPr>
+          <a:xfrm>
+            <a:off x="9657205" y="1527507"/>
+            <a:ext cx="0" cy="943621"/>
+          </a:xfrm>
+          <a:prstGeom prst="line">
+            <a:avLst/>
+          </a:prstGeom>
+          <a:ln>
+            <a:solidFill>
+              <a:schemeClr val="accent1">
+                <a:lumMod val="75000"/>
+              </a:schemeClr>
+            </a:solidFill>
+          </a:ln>
+        </p:spPr>
+        <p:style>
+          <a:lnRef idx="1">
+            <a:schemeClr val="accent1"/>
+          </a:lnRef>
+          <a:fillRef idx="0">
+            <a:schemeClr val="accent1"/>
+          </a:fillRef>
+          <a:effectRef idx="0">
+            <a:schemeClr val="accent1"/>
+          </a:effectRef>
+          <a:fontRef idx="minor">
+            <a:schemeClr val="tx1"/>
+          </a:fontRef>
+        </p:style>
+      </p:cxnSp>
+      <p:cxnSp>
+        <p:nvCxnSpPr>
+          <p:cNvPr id="46" name="Straight Connector 45">
+            <a:extLst>
+              <a:ext uri="{FF2B5EF4-FFF2-40B4-BE49-F238E27FC236}">
+                <a16:creationId xmlns:a16="http://schemas.microsoft.com/office/drawing/2014/main" id="{43D73CAF-5340-DC40-B8A7-8AA82DFCBEAB}"/>
+              </a:ext>
+            </a:extLst>
+          </p:cNvPr>
+          <p:cNvCxnSpPr>
+            <a:cxnSpLocks/>
+          </p:cNvCxnSpPr>
+          <p:nvPr/>
+        </p:nvCxnSpPr>
+        <p:spPr>
+          <a:xfrm flipH="1">
+            <a:off x="2648666" y="4680985"/>
+            <a:ext cx="1553779" cy="3447"/>
+          </a:xfrm>
+          <a:prstGeom prst="line">
+            <a:avLst/>
+          </a:prstGeom>
+          <a:ln>
+            <a:solidFill>
+              <a:schemeClr val="accent1">
+                <a:lumMod val="75000"/>
+              </a:schemeClr>
+            </a:solidFill>
+          </a:ln>
+        </p:spPr>
+        <p:style>
+          <a:lnRef idx="1">
+            <a:schemeClr val="accent1"/>
+          </a:lnRef>
+          <a:fillRef idx="0">
+            <a:schemeClr val="accent1"/>
+          </a:fillRef>
+          <a:effectRef idx="0">
+            <a:schemeClr val="accent1"/>
+          </a:effectRef>
+          <a:fontRef idx="minor">
+            <a:schemeClr val="tx1"/>
+          </a:fontRef>
+        </p:style>
+      </p:cxnSp>
+      <p:sp>
+        <p:nvSpPr>
+          <p:cNvPr id="48" name="TextBox 47">
+            <a:extLst>
+              <a:ext uri="{FF2B5EF4-FFF2-40B4-BE49-F238E27FC236}">
+                <a16:creationId xmlns:a16="http://schemas.microsoft.com/office/drawing/2014/main" id="{B7B76D90-26D2-DE4E-9009-682BC8C0A5D0}"/>
+              </a:ext>
+            </a:extLst>
+          </p:cNvPr>
+          <p:cNvSpPr txBox="1"/>
+          <p:nvPr/>
+        </p:nvSpPr>
+        <p:spPr>
+          <a:xfrm>
+            <a:off x="8330134" y="1815269"/>
+            <a:ext cx="1068819" cy="584775"/>
+          </a:xfrm>
+          <a:prstGeom prst="rect">
+            <a:avLst/>
+          </a:prstGeom>
+          <a:noFill/>
+        </p:spPr>
+        <p:txBody>
+          <a:bodyPr wrap="none" rtlCol="0">
+            <a:spAutoFit/>
+          </a:bodyPr>
+          <a:lstStyle/>
+          <a:p>
+            <a:r>
+              <a:rPr lang="en-US" sz="1600" dirty="0"/>
+              <a:t>no/</a:t>
+            </a:r>
+          </a:p>
+          <a:p>
+            <a:r>
+              <a:rPr lang="en-US" sz="1600" dirty="0"/>
+              <a:t>cannot tell</a:t>
+            </a:r>
+          </a:p>
+        </p:txBody>
+      </p:sp>
+      <p:cxnSp>
+        <p:nvCxnSpPr>
+          <p:cNvPr id="53" name="Straight Arrow Connector 52">
+            <a:extLst>
+              <a:ext uri="{FF2B5EF4-FFF2-40B4-BE49-F238E27FC236}">
+                <a16:creationId xmlns:a16="http://schemas.microsoft.com/office/drawing/2014/main" id="{09C93FD3-5210-9D44-B965-C0650F940C31}"/>
+              </a:ext>
+            </a:extLst>
+          </p:cNvPr>
+          <p:cNvCxnSpPr>
+            <a:cxnSpLocks/>
+            <a:stCxn id="21" idx="1"/>
+            <a:endCxn id="15" idx="3"/>
+          </p:cNvCxnSpPr>
+          <p:nvPr/>
+        </p:nvCxnSpPr>
+        <p:spPr>
+          <a:xfrm flipH="1" flipV="1">
+            <a:off x="2648665" y="2432236"/>
+            <a:ext cx="878272" cy="546"/>
+          </a:xfrm>
+          <a:prstGeom prst="straightConnector1">
+            <a:avLst/>
+          </a:prstGeom>
+          <a:ln>
+            <a:solidFill>
+              <a:schemeClr val="accent1">
+                <a:lumMod val="75000"/>
+              </a:schemeClr>
+            </a:solidFill>
+            <a:tailEnd type="triangle"/>
+          </a:ln>
+        </p:spPr>
+        <p:style>
+          <a:lnRef idx="1">
+            <a:schemeClr val="accent1"/>
+          </a:lnRef>
+          <a:fillRef idx="0">
+            <a:schemeClr val="accent1"/>
+          </a:fillRef>
+          <a:effectRef idx="0">
+            <a:schemeClr val="accent1"/>
+          </a:effectRef>
+          <a:fontRef idx="minor">
+            <a:schemeClr val="tx1"/>
+          </a:fontRef>
+        </p:style>
+      </p:cxnSp>
+      <p:cxnSp>
+        <p:nvCxnSpPr>
+          <p:cNvPr id="57" name="Straight Arrow Connector 56">
+            <a:extLst>
+              <a:ext uri="{FF2B5EF4-FFF2-40B4-BE49-F238E27FC236}">
+                <a16:creationId xmlns:a16="http://schemas.microsoft.com/office/drawing/2014/main" id="{21B4C2A9-E5B9-E446-A350-6B310A4253B0}"/>
+              </a:ext>
+            </a:extLst>
+          </p:cNvPr>
+          <p:cNvCxnSpPr>
+            <a:cxnSpLocks/>
+            <a:stCxn id="15" idx="2"/>
+            <a:endCxn id="8" idx="0"/>
+          </p:cNvCxnSpPr>
+          <p:nvPr/>
+        </p:nvCxnSpPr>
+        <p:spPr>
+          <a:xfrm>
+            <a:off x="1442343" y="2927003"/>
+            <a:ext cx="0" cy="525334"/>
+          </a:xfrm>
+          <a:prstGeom prst="straightConnector1">
+            <a:avLst/>
+          </a:prstGeom>
+          <a:ln>
+            <a:solidFill>
+              <a:schemeClr val="accent1">
+                <a:lumMod val="75000"/>
+              </a:schemeClr>
+            </a:solidFill>
+            <a:tailEnd type="triangle"/>
+          </a:ln>
+        </p:spPr>
+        <p:style>
+          <a:lnRef idx="1">
+            <a:schemeClr val="accent1"/>
+          </a:lnRef>
+          <a:fillRef idx="0">
+            <a:schemeClr val="accent1"/>
+          </a:fillRef>
+          <a:effectRef idx="0">
+            <a:schemeClr val="accent1"/>
+          </a:effectRef>
+          <a:fontRef idx="minor">
+            <a:schemeClr val="tx1"/>
+          </a:fontRef>
+        </p:style>
+      </p:cxnSp>
+      <p:cxnSp>
+        <p:nvCxnSpPr>
+          <p:cNvPr id="60" name="Straight Arrow Connector 59">
+            <a:extLst>
+              <a:ext uri="{FF2B5EF4-FFF2-40B4-BE49-F238E27FC236}">
+                <a16:creationId xmlns:a16="http://schemas.microsoft.com/office/drawing/2014/main" id="{F71516EC-1A92-884B-93D6-C909776E0826}"/>
+              </a:ext>
+            </a:extLst>
+          </p:cNvPr>
+          <p:cNvCxnSpPr>
+            <a:cxnSpLocks/>
+            <a:endCxn id="19" idx="0"/>
+          </p:cNvCxnSpPr>
+          <p:nvPr/>
+        </p:nvCxnSpPr>
+        <p:spPr>
+          <a:xfrm>
+            <a:off x="1423024" y="3962691"/>
+            <a:ext cx="6441" cy="389021"/>
+          </a:xfrm>
+          <a:prstGeom prst="straightConnector1">
+            <a:avLst/>
+          </a:prstGeom>
+          <a:ln>
+            <a:solidFill>
+              <a:schemeClr val="accent1">
+                <a:lumMod val="75000"/>
+              </a:schemeClr>
+            </a:solidFill>
+            <a:tailEnd type="triangle"/>
+          </a:ln>
+        </p:spPr>
+        <p:style>
+          <a:lnRef idx="1">
+            <a:schemeClr val="accent1"/>
+          </a:lnRef>
+          <a:fillRef idx="0">
+            <a:schemeClr val="accent1"/>
+          </a:fillRef>
+          <a:effectRef idx="0">
+            <a:schemeClr val="accent1"/>
+          </a:effectRef>
+          <a:fontRef idx="minor">
+            <a:schemeClr val="tx1"/>
+          </a:fontRef>
+        </p:style>
+      </p:cxnSp>
+      <p:cxnSp>
+        <p:nvCxnSpPr>
+          <p:cNvPr id="62" name="Straight Arrow Connector 61">
+            <a:extLst>
+              <a:ext uri="{FF2B5EF4-FFF2-40B4-BE49-F238E27FC236}">
+                <a16:creationId xmlns:a16="http://schemas.microsoft.com/office/drawing/2014/main" id="{A0F8F574-0A13-9A40-99C1-F578CFEFE133}"/>
+              </a:ext>
+            </a:extLst>
+          </p:cNvPr>
+          <p:cNvCxnSpPr>
+            <a:cxnSpLocks/>
+          </p:cNvCxnSpPr>
+          <p:nvPr/>
+        </p:nvCxnSpPr>
+        <p:spPr>
+          <a:xfrm>
+            <a:off x="4202445" y="3636321"/>
+            <a:ext cx="0" cy="226952"/>
+          </a:xfrm>
+          <a:prstGeom prst="straightConnector1">
+            <a:avLst/>
+          </a:prstGeom>
+          <a:ln>
+            <a:solidFill>
+              <a:schemeClr val="accent1">
+                <a:lumMod val="75000"/>
+              </a:schemeClr>
+            </a:solidFill>
+            <a:tailEnd type="triangle"/>
+          </a:ln>
+        </p:spPr>
+        <p:style>
+          <a:lnRef idx="1">
+            <a:schemeClr val="accent1"/>
+          </a:lnRef>
+          <a:fillRef idx="0">
+            <a:schemeClr val="accent1"/>
+          </a:fillRef>
+          <a:effectRef idx="0">
+            <a:schemeClr val="accent1"/>
+          </a:effectRef>
+          <a:fontRef idx="minor">
+            <a:schemeClr val="tx1"/>
+          </a:fontRef>
+        </p:style>
+      </p:cxnSp>
+      <p:cxnSp>
+        <p:nvCxnSpPr>
+          <p:cNvPr id="64" name="Straight Arrow Connector 63">
+            <a:extLst>
+              <a:ext uri="{FF2B5EF4-FFF2-40B4-BE49-F238E27FC236}">
+                <a16:creationId xmlns:a16="http://schemas.microsoft.com/office/drawing/2014/main" id="{46FF82AD-E987-4B49-B893-B6C99309B7F7}"/>
+              </a:ext>
+            </a:extLst>
+          </p:cNvPr>
+          <p:cNvCxnSpPr>
+            <a:cxnSpLocks/>
+          </p:cNvCxnSpPr>
+          <p:nvPr/>
+        </p:nvCxnSpPr>
+        <p:spPr>
+          <a:xfrm flipV="1">
+            <a:off x="4202445" y="4485129"/>
+            <a:ext cx="0" cy="195856"/>
+          </a:xfrm>
+          <a:prstGeom prst="straightConnector1">
+            <a:avLst/>
+          </a:prstGeom>
+          <a:ln>
+            <a:solidFill>
+              <a:schemeClr val="accent1">
+                <a:lumMod val="75000"/>
+              </a:schemeClr>
+            </a:solidFill>
+            <a:tailEnd type="triangle"/>
+          </a:ln>
+        </p:spPr>
+        <p:style>
+          <a:lnRef idx="1">
+            <a:schemeClr val="accent1"/>
+          </a:lnRef>
+          <a:fillRef idx="0">
+            <a:schemeClr val="accent1"/>
+          </a:fillRef>
+          <a:effectRef idx="0">
+            <a:schemeClr val="accent1"/>
+          </a:effectRef>
+          <a:fontRef idx="minor">
+            <a:schemeClr val="tx1"/>
+          </a:fontRef>
+        </p:style>
+      </p:cxnSp>
+      <p:cxnSp>
+        <p:nvCxnSpPr>
+          <p:cNvPr id="70" name="Straight Connector 69">
+            <a:extLst>
+              <a:ext uri="{FF2B5EF4-FFF2-40B4-BE49-F238E27FC236}">
+                <a16:creationId xmlns:a16="http://schemas.microsoft.com/office/drawing/2014/main" id="{4F908109-A618-E345-B132-473ECECF61DD}"/>
+              </a:ext>
+            </a:extLst>
+          </p:cNvPr>
+          <p:cNvCxnSpPr>
+            <a:cxnSpLocks/>
+          </p:cNvCxnSpPr>
+          <p:nvPr/>
+        </p:nvCxnSpPr>
+        <p:spPr>
+          <a:xfrm flipH="1">
+            <a:off x="2642885" y="3646386"/>
+            <a:ext cx="1559560" cy="0"/>
+          </a:xfrm>
+          <a:prstGeom prst="line">
+            <a:avLst/>
+          </a:prstGeom>
+          <a:ln>
+            <a:solidFill>
+              <a:schemeClr val="accent1">
+                <a:lumMod val="75000"/>
+              </a:schemeClr>
+            </a:solidFill>
+          </a:ln>
+        </p:spPr>
+        <p:style>
+          <a:lnRef idx="1">
+            <a:schemeClr val="accent1"/>
+          </a:lnRef>
+          <a:fillRef idx="0">
+            <a:schemeClr val="accent1"/>
+          </a:fillRef>
+          <a:effectRef idx="0">
+            <a:schemeClr val="accent1"/>
+          </a:effectRef>
+          <a:fontRef idx="minor">
+            <a:schemeClr val="tx1"/>
+          </a:fontRef>
+        </p:style>
+      </p:cxnSp>
+      <p:cxnSp>
+        <p:nvCxnSpPr>
+          <p:cNvPr id="71" name="Straight Arrow Connector 70">
+            <a:extLst>
+              <a:ext uri="{FF2B5EF4-FFF2-40B4-BE49-F238E27FC236}">
+                <a16:creationId xmlns:a16="http://schemas.microsoft.com/office/drawing/2014/main" id="{32723CFA-92A6-5C42-B8F5-435758A62A81}"/>
+              </a:ext>
+            </a:extLst>
+          </p:cNvPr>
+          <p:cNvCxnSpPr>
+            <a:cxnSpLocks/>
+            <a:stCxn id="16" idx="3"/>
+            <a:endCxn id="20" idx="2"/>
+          </p:cNvCxnSpPr>
+          <p:nvPr/>
+        </p:nvCxnSpPr>
+        <p:spPr>
+          <a:xfrm>
+            <a:off x="5574581" y="4170616"/>
+            <a:ext cx="2276146" cy="0"/>
+          </a:xfrm>
+          <a:prstGeom prst="straightConnector1">
+            <a:avLst/>
+          </a:prstGeom>
+          <a:ln>
+            <a:solidFill>
+              <a:schemeClr val="accent1">
+                <a:lumMod val="75000"/>
+              </a:schemeClr>
+            </a:solidFill>
+            <a:tailEnd type="triangle"/>
+          </a:ln>
+        </p:spPr>
+        <p:style>
+          <a:lnRef idx="1">
+            <a:schemeClr val="accent1"/>
+          </a:lnRef>
+          <a:fillRef idx="0">
+            <a:schemeClr val="accent1"/>
+          </a:fillRef>
+          <a:effectRef idx="0">
+            <a:schemeClr val="accent1"/>
+          </a:effectRef>
+          <a:fontRef idx="minor">
+            <a:schemeClr val="tx1"/>
+          </a:fontRef>
+        </p:style>
+      </p:cxnSp>
+      <p:sp>
+        <p:nvSpPr>
+          <p:cNvPr id="74" name="Rectangle 73">
+            <a:extLst>
+              <a:ext uri="{FF2B5EF4-FFF2-40B4-BE49-F238E27FC236}">
+                <a16:creationId xmlns:a16="http://schemas.microsoft.com/office/drawing/2014/main" id="{0405410D-16C9-7B49-BD6B-237821ED0C4B}"/>
+              </a:ext>
+            </a:extLst>
+          </p:cNvPr>
+          <p:cNvSpPr/>
+          <p:nvPr/>
+        </p:nvSpPr>
+        <p:spPr>
+          <a:xfrm>
+            <a:off x="7317102" y="5932611"/>
+            <a:ext cx="1767238" cy="634818"/>
+          </a:xfrm>
+          <a:prstGeom prst="rect">
+            <a:avLst/>
+          </a:prstGeom>
+          <a:solidFill>
+            <a:schemeClr val="bg2"/>
+          </a:solidFill>
+          <a:ln>
+            <a:solidFill>
+              <a:schemeClr val="accent1">
+                <a:lumMod val="75000"/>
+              </a:schemeClr>
+            </a:solidFill>
+          </a:ln>
+        </p:spPr>
+        <p:style>
+          <a:lnRef idx="2">
+            <a:schemeClr val="accent1">
+              <a:shade val="50000"/>
+            </a:schemeClr>
+          </a:lnRef>
+          <a:fillRef idx="1">
+            <a:schemeClr val="accent1"/>
+          </a:fillRef>
+          <a:effectRef idx="0">
+            <a:schemeClr val="accent1"/>
+          </a:effectRef>
+          <a:fontRef idx="minor">
+            <a:schemeClr val="lt1"/>
+          </a:fontRef>
+        </p:style>
+        <p:txBody>
+          <a:bodyPr rtlCol="0" anchor="ctr"/>
+          <a:lstStyle/>
+          <a:p>
+            <a:pPr algn="ctr"/>
+            <a:r>
+              <a:rPr lang="en-US" sz="1600" b="1" dirty="0">
+                <a:solidFill>
+                  <a:sysClr val="windowText" lastClr="000000"/>
+                </a:solidFill>
+              </a:rPr>
+              <a:t>Scanning</a:t>
+            </a:r>
+            <a:endParaRPr lang="en-US" sz="1600" dirty="0">
+              <a:solidFill>
+                <a:sysClr val="windowText" lastClr="000000"/>
+              </a:solidFill>
+            </a:endParaRPr>
+          </a:p>
+        </p:txBody>
+      </p:sp>
+      <p:sp>
+        <p:nvSpPr>
+          <p:cNvPr id="75" name="Rectangle 74">
+            <a:extLst>
+              <a:ext uri="{FF2B5EF4-FFF2-40B4-BE49-F238E27FC236}">
+                <a16:creationId xmlns:a16="http://schemas.microsoft.com/office/drawing/2014/main" id="{FFFEEE22-EAAD-634D-A809-E325B577EC32}"/>
+              </a:ext>
+            </a:extLst>
+          </p:cNvPr>
+          <p:cNvSpPr/>
+          <p:nvPr/>
+        </p:nvSpPr>
+        <p:spPr>
+          <a:xfrm>
+            <a:off x="7317102" y="5093213"/>
+            <a:ext cx="1767237" cy="634818"/>
+          </a:xfrm>
+          <a:prstGeom prst="rect">
+            <a:avLst/>
+          </a:prstGeom>
+          <a:solidFill>
+            <a:schemeClr val="bg2"/>
+          </a:solidFill>
+          <a:ln>
+            <a:solidFill>
+              <a:schemeClr val="accent1">
+                <a:lumMod val="75000"/>
+              </a:schemeClr>
+            </a:solidFill>
+          </a:ln>
+        </p:spPr>
+        <p:style>
+          <a:lnRef idx="2">
+            <a:schemeClr val="accent1">
+              <a:shade val="50000"/>
+            </a:schemeClr>
+          </a:lnRef>
+          <a:fillRef idx="1">
+            <a:schemeClr val="accent1"/>
+          </a:fillRef>
+          <a:effectRef idx="0">
+            <a:schemeClr val="accent1"/>
+          </a:effectRef>
+          <a:fontRef idx="minor">
+            <a:schemeClr val="lt1"/>
+          </a:fontRef>
+        </p:style>
+        <p:txBody>
+          <a:bodyPr rtlCol="0" anchor="ctr"/>
+          <a:lstStyle/>
+          <a:p>
+            <a:pPr algn="ctr"/>
+            <a:r>
+              <a:rPr lang="en-US" sz="1600" b="1" dirty="0">
+                <a:solidFill>
+                  <a:sysClr val="windowText" lastClr="000000"/>
+                </a:solidFill>
+              </a:rPr>
+              <a:t>Prioritize </a:t>
+            </a:r>
+          </a:p>
+          <a:p>
+            <a:pPr algn="ctr"/>
+            <a:r>
+              <a:rPr lang="en-US" sz="1600" dirty="0">
+                <a:solidFill>
+                  <a:sysClr val="windowText" lastClr="000000"/>
+                </a:solidFill>
+              </a:rPr>
+              <a:t>for LCO follow-up</a:t>
+            </a:r>
+          </a:p>
+        </p:txBody>
+      </p:sp>
+      <p:cxnSp>
+        <p:nvCxnSpPr>
+          <p:cNvPr id="76" name="Straight Arrow Connector 75">
+            <a:extLst>
+              <a:ext uri="{FF2B5EF4-FFF2-40B4-BE49-F238E27FC236}">
+                <a16:creationId xmlns:a16="http://schemas.microsoft.com/office/drawing/2014/main" id="{8A0346CF-7720-D24E-A1C0-278D09131306}"/>
+              </a:ext>
+            </a:extLst>
+          </p:cNvPr>
+          <p:cNvCxnSpPr>
+            <a:cxnSpLocks/>
+            <a:stCxn id="83" idx="2"/>
+            <a:endCxn id="75" idx="3"/>
+          </p:cNvCxnSpPr>
+          <p:nvPr/>
+        </p:nvCxnSpPr>
+        <p:spPr>
+          <a:xfrm flipH="1">
+            <a:off x="9084339" y="5403978"/>
+            <a:ext cx="509022" cy="6644"/>
+          </a:xfrm>
+          <a:prstGeom prst="straightConnector1">
+            <a:avLst/>
+          </a:prstGeom>
+          <a:ln>
+            <a:solidFill>
+              <a:schemeClr val="accent1">
+                <a:lumMod val="75000"/>
+              </a:schemeClr>
+            </a:solidFill>
+            <a:tailEnd type="triangle"/>
+          </a:ln>
+        </p:spPr>
+        <p:style>
+          <a:lnRef idx="1">
+            <a:schemeClr val="accent1"/>
+          </a:lnRef>
+          <a:fillRef idx="0">
+            <a:schemeClr val="accent1"/>
+          </a:fillRef>
+          <a:effectRef idx="0">
+            <a:schemeClr val="accent1"/>
+          </a:effectRef>
+          <a:fontRef idx="minor">
+            <a:schemeClr val="tx1"/>
+          </a:fontRef>
+        </p:style>
+      </p:cxnSp>
+      <p:cxnSp>
+        <p:nvCxnSpPr>
+          <p:cNvPr id="79" name="Straight Arrow Connector 78">
+            <a:extLst>
+              <a:ext uri="{FF2B5EF4-FFF2-40B4-BE49-F238E27FC236}">
+                <a16:creationId xmlns:a16="http://schemas.microsoft.com/office/drawing/2014/main" id="{BBB69018-C9E0-6D4B-B63E-62C2FE44B2C3}"/>
+              </a:ext>
+            </a:extLst>
+          </p:cNvPr>
+          <p:cNvCxnSpPr>
+            <a:cxnSpLocks/>
+            <a:endCxn id="74" idx="3"/>
+          </p:cNvCxnSpPr>
+          <p:nvPr/>
+        </p:nvCxnSpPr>
+        <p:spPr>
+          <a:xfrm flipH="1" flipV="1">
+            <a:off x="9084340" y="6250020"/>
+            <a:ext cx="1578775" cy="16256"/>
+          </a:xfrm>
+          <a:prstGeom prst="straightConnector1">
+            <a:avLst/>
+          </a:prstGeom>
+          <a:ln>
+            <a:solidFill>
+              <a:schemeClr val="accent1">
+                <a:lumMod val="75000"/>
+              </a:schemeClr>
+            </a:solidFill>
+            <a:prstDash val="dash"/>
+            <a:tailEnd type="triangle"/>
+          </a:ln>
+        </p:spPr>
+        <p:style>
+          <a:lnRef idx="1">
+            <a:schemeClr val="accent1"/>
+          </a:lnRef>
+          <a:fillRef idx="0">
+            <a:schemeClr val="accent1"/>
+          </a:fillRef>
+          <a:effectRef idx="0">
+            <a:schemeClr val="accent1"/>
+          </a:effectRef>
+          <a:fontRef idx="minor">
+            <a:schemeClr val="tx1"/>
+          </a:fontRef>
+        </p:style>
+      </p:cxnSp>
+      <p:sp>
+        <p:nvSpPr>
+          <p:cNvPr id="80" name="Rectangle 79">
+            <a:extLst>
+              <a:ext uri="{FF2B5EF4-FFF2-40B4-BE49-F238E27FC236}">
+                <a16:creationId xmlns:a16="http://schemas.microsoft.com/office/drawing/2014/main" id="{2553F50D-FB27-7F48-81F6-0102431AA654}"/>
+              </a:ext>
+            </a:extLst>
+          </p:cNvPr>
+          <p:cNvSpPr/>
+          <p:nvPr/>
+        </p:nvSpPr>
+        <p:spPr>
+          <a:xfrm>
+            <a:off x="5266519" y="5528066"/>
+            <a:ext cx="1499619" cy="634818"/>
+          </a:xfrm>
+          <a:prstGeom prst="rect">
+            <a:avLst/>
+          </a:prstGeom>
+          <a:solidFill>
+            <a:schemeClr val="bg2"/>
+          </a:solidFill>
+          <a:ln>
+            <a:solidFill>
+              <a:schemeClr val="accent1">
+                <a:lumMod val="75000"/>
+              </a:schemeClr>
+            </a:solidFill>
+          </a:ln>
+        </p:spPr>
+        <p:style>
+          <a:lnRef idx="2">
+            <a:schemeClr val="accent1">
+              <a:shade val="50000"/>
+            </a:schemeClr>
+          </a:lnRef>
+          <a:fillRef idx="1">
+            <a:schemeClr val="accent1"/>
+          </a:fillRef>
+          <a:effectRef idx="0">
+            <a:schemeClr val="accent1"/>
+          </a:effectRef>
+          <a:fontRef idx="minor">
+            <a:schemeClr val="lt1"/>
+          </a:fontRef>
+        </p:style>
+        <p:txBody>
+          <a:bodyPr rtlCol="0" anchor="ctr"/>
+          <a:lstStyle/>
+          <a:p>
+            <a:pPr algn="ctr"/>
+            <a:r>
+              <a:rPr lang="en-US" sz="1600" b="1" dirty="0">
+                <a:solidFill>
+                  <a:sysClr val="windowText" lastClr="000000"/>
+                </a:solidFill>
+              </a:rPr>
+              <a:t>Trigger LCO</a:t>
+            </a:r>
+          </a:p>
+        </p:txBody>
+      </p:sp>
+      <p:cxnSp>
+        <p:nvCxnSpPr>
+          <p:cNvPr id="81" name="Straight Connector 80">
+            <a:extLst>
+              <a:ext uri="{FF2B5EF4-FFF2-40B4-BE49-F238E27FC236}">
+                <a16:creationId xmlns:a16="http://schemas.microsoft.com/office/drawing/2014/main" id="{350A88DD-D7B7-6E49-A47B-8F9202BEA1BF}"/>
+              </a:ext>
+            </a:extLst>
+          </p:cNvPr>
+          <p:cNvCxnSpPr>
+            <a:cxnSpLocks/>
+            <a:stCxn id="75" idx="1"/>
+          </p:cNvCxnSpPr>
+          <p:nvPr/>
+        </p:nvCxnSpPr>
+        <p:spPr>
+          <a:xfrm flipH="1">
+            <a:off x="7048508" y="5410622"/>
+            <a:ext cx="268594" cy="0"/>
+          </a:xfrm>
+          <a:prstGeom prst="line">
+            <a:avLst/>
+          </a:prstGeom>
+          <a:ln>
+            <a:solidFill>
+              <a:schemeClr val="accent1">
+                <a:lumMod val="75000"/>
+              </a:schemeClr>
+            </a:solidFill>
+          </a:ln>
+        </p:spPr>
+        <p:style>
+          <a:lnRef idx="1">
+            <a:schemeClr val="accent1"/>
+          </a:lnRef>
+          <a:fillRef idx="0">
+            <a:schemeClr val="accent1"/>
+          </a:fillRef>
+          <a:effectRef idx="0">
+            <a:schemeClr val="accent1"/>
+          </a:effectRef>
+          <a:fontRef idx="minor">
+            <a:schemeClr val="tx1"/>
+          </a:fontRef>
+        </p:style>
+      </p:cxnSp>
+      <p:cxnSp>
+        <p:nvCxnSpPr>
+          <p:cNvPr id="85" name="Straight Connector 84">
+            <a:extLst>
+              <a:ext uri="{FF2B5EF4-FFF2-40B4-BE49-F238E27FC236}">
+                <a16:creationId xmlns:a16="http://schemas.microsoft.com/office/drawing/2014/main" id="{E4463BAE-289D-F248-A9C0-4EEDE4E9CF37}"/>
+              </a:ext>
+            </a:extLst>
+          </p:cNvPr>
+          <p:cNvCxnSpPr>
+            <a:cxnSpLocks/>
+          </p:cNvCxnSpPr>
+          <p:nvPr/>
+        </p:nvCxnSpPr>
+        <p:spPr>
+          <a:xfrm flipH="1">
+            <a:off x="7048508" y="6267239"/>
+            <a:ext cx="243273" cy="1"/>
+          </a:xfrm>
+          <a:prstGeom prst="line">
+            <a:avLst/>
+          </a:prstGeom>
+          <a:ln>
+            <a:solidFill>
+              <a:schemeClr val="accent1">
+                <a:lumMod val="75000"/>
+              </a:schemeClr>
+            </a:solidFill>
+          </a:ln>
+        </p:spPr>
+        <p:style>
+          <a:lnRef idx="1">
+            <a:schemeClr val="accent1"/>
+          </a:lnRef>
+          <a:fillRef idx="0">
+            <a:schemeClr val="accent1"/>
+          </a:fillRef>
+          <a:effectRef idx="0">
+            <a:schemeClr val="accent1"/>
+          </a:effectRef>
+          <a:fontRef idx="minor">
+            <a:schemeClr val="tx1"/>
+          </a:fontRef>
+        </p:style>
+      </p:cxnSp>
+      <p:cxnSp>
+        <p:nvCxnSpPr>
+          <p:cNvPr id="86" name="Straight Connector 85">
+            <a:extLst>
+              <a:ext uri="{FF2B5EF4-FFF2-40B4-BE49-F238E27FC236}">
+                <a16:creationId xmlns:a16="http://schemas.microsoft.com/office/drawing/2014/main" id="{590A8BD4-15CC-EE45-ADA2-616DAF22510F}"/>
+              </a:ext>
+            </a:extLst>
+          </p:cNvPr>
+          <p:cNvCxnSpPr>
+            <a:cxnSpLocks/>
+          </p:cNvCxnSpPr>
+          <p:nvPr/>
+        </p:nvCxnSpPr>
+        <p:spPr>
+          <a:xfrm>
+            <a:off x="7053147" y="5418926"/>
+            <a:ext cx="0" cy="839399"/>
+          </a:xfrm>
+          <a:prstGeom prst="line">
+            <a:avLst/>
+          </a:prstGeom>
+          <a:ln>
+            <a:solidFill>
+              <a:schemeClr val="accent1">
+                <a:lumMod val="75000"/>
+              </a:schemeClr>
+            </a:solidFill>
+          </a:ln>
+        </p:spPr>
+        <p:style>
+          <a:lnRef idx="1">
+            <a:schemeClr val="accent1"/>
+          </a:lnRef>
+          <a:fillRef idx="0">
+            <a:schemeClr val="accent1"/>
+          </a:fillRef>
+          <a:effectRef idx="0">
+            <a:schemeClr val="accent1"/>
+          </a:effectRef>
+          <a:fontRef idx="minor">
+            <a:schemeClr val="tx1"/>
+          </a:fontRef>
+        </p:style>
+      </p:cxnSp>
+      <p:cxnSp>
+        <p:nvCxnSpPr>
+          <p:cNvPr id="89" name="Straight Arrow Connector 88">
+            <a:extLst>
+              <a:ext uri="{FF2B5EF4-FFF2-40B4-BE49-F238E27FC236}">
+                <a16:creationId xmlns:a16="http://schemas.microsoft.com/office/drawing/2014/main" id="{04FE470A-D80F-3142-8FA1-7BA7DA8E82C4}"/>
+              </a:ext>
+            </a:extLst>
+          </p:cNvPr>
+          <p:cNvCxnSpPr>
+            <a:cxnSpLocks/>
+          </p:cNvCxnSpPr>
+          <p:nvPr/>
+        </p:nvCxnSpPr>
+        <p:spPr>
+          <a:xfrm flipH="1">
+            <a:off x="6767535" y="5846576"/>
+            <a:ext cx="293563" cy="0"/>
+          </a:xfrm>
+          <a:prstGeom prst="straightConnector1">
+            <a:avLst/>
+          </a:prstGeom>
+          <a:ln>
+            <a:solidFill>
+              <a:schemeClr val="accent1">
+                <a:lumMod val="75000"/>
+              </a:schemeClr>
+            </a:solidFill>
+            <a:tailEnd type="triangle"/>
+          </a:ln>
+        </p:spPr>
+        <p:style>
+          <a:lnRef idx="1">
+            <a:schemeClr val="accent1"/>
+          </a:lnRef>
+          <a:fillRef idx="0">
+            <a:schemeClr val="accent1"/>
+          </a:fillRef>
+          <a:effectRef idx="0">
+            <a:schemeClr val="accent1"/>
+          </a:effectRef>
+          <a:fontRef idx="minor">
+            <a:schemeClr val="tx1"/>
+          </a:fontRef>
+        </p:style>
+      </p:cxnSp>
+      <p:pic>
+        <p:nvPicPr>
+          <p:cNvPr id="91" name="Graphic 90" descr="Telescope">
+            <a:extLst>
+              <a:ext uri="{FF2B5EF4-FFF2-40B4-BE49-F238E27FC236}">
+                <a16:creationId xmlns:a16="http://schemas.microsoft.com/office/drawing/2014/main" id="{2874B837-4FA6-A54A-AC74-908AF485DFD9}"/>
+              </a:ext>
+            </a:extLst>
+          </p:cNvPr>
+          <p:cNvPicPr>
+            <a:picLocks noChangeAspect="1"/>
+          </p:cNvPicPr>
+          <p:nvPr/>
+        </p:nvPicPr>
+        <p:blipFill>
+          <a:blip r:embed="rId2">
+            <a:extLst>
+              <a:ext uri="{96DAC541-7B7A-43D3-8B79-37D633B846F1}">
+                <asvg:svgBlip xmlns:asvg="http://schemas.microsoft.com/office/drawing/2016/SVG/main" r:embed="rId3"/>
+              </a:ext>
+            </a:extLst>
+          </a:blip>
+          <a:stretch>
+            <a:fillRect/>
+          </a:stretch>
+        </p:blipFill>
+        <p:spPr>
+          <a:xfrm flipH="1">
+            <a:off x="4592608" y="5247961"/>
+            <a:ext cx="490059" cy="560209"/>
+          </a:xfrm>
+          <a:prstGeom prst="rect">
+            <a:avLst/>
+          </a:prstGeom>
+        </p:spPr>
+      </p:pic>
+      <p:sp>
+        <p:nvSpPr>
+          <p:cNvPr id="2" name="Rectangle 1">
+            <a:extLst>
+              <a:ext uri="{FF2B5EF4-FFF2-40B4-BE49-F238E27FC236}">
+                <a16:creationId xmlns:a16="http://schemas.microsoft.com/office/drawing/2014/main" id="{3036B51C-A78F-B54E-ACED-D33BF48F34DB}"/>
+              </a:ext>
+            </a:extLst>
+          </p:cNvPr>
+          <p:cNvSpPr>
+            <a:spLocks noChangeArrowheads="1"/>
+          </p:cNvSpPr>
+          <p:nvPr/>
+        </p:nvSpPr>
+        <p:spPr bwMode="auto">
+          <a:xfrm>
+            <a:off x="-87086" y="-145143"/>
+            <a:ext cx="12192000" cy="0"/>
+          </a:xfrm>
+          <a:prstGeom prst="rect">
+            <a:avLst/>
+          </a:prstGeom>
+          <a:solidFill>
+            <a:srgbClr val="FFFFFF"/>
+          </a:solidFill>
+          <a:ln>
+            <a:noFill/>
+          </a:ln>
+          <a:effectLst/>
+          <a:extLst>
+            <a:ext uri="{91240B29-F687-4F45-9708-019B960494DF}">
+              <a14:hiddenLine xmlns:a14="http://schemas.microsoft.com/office/drawing/2010/main" w="9525">
+                <a:solidFill>
+                  <a:schemeClr val="tx1"/>
+                </a:solidFill>
+                <a:miter lim="800000"/>
+                <a:headEnd/>
+                <a:tailEnd/>
+              </a14:hiddenLine>
+            </a:ext>
+            <a:ext uri="{AF507438-7753-43E0-B8FC-AC1667EBCBE1}">
+              <a14:hiddenEffects xmlns:a14="http://schemas.microsoft.com/office/drawing/2010/main">
+                <a:effectLst>
+                  <a:outerShdw dist="35921" dir="2700000" algn="ctr" rotWithShape="0">
+                    <a:schemeClr val="bg2"/>
+                  </a:outerShdw>
+                </a:effectLst>
+              </a14:hiddenEffects>
+            </a:ext>
+          </a:extLst>
+        </p:spPr>
+        <p:txBody>
+          <a:bodyPr vert="horz" wrap="none" lIns="38088" tIns="45720" rIns="91440" bIns="45720" numCol="1" anchor="ctr" anchorCtr="0" compatLnSpc="1">
+            <a:prstTxWarp prst="textNoShape">
+              <a:avLst/>
+            </a:prstTxWarp>
+            <a:spAutoFit/>
+          </a:bodyPr>
+          <a:lstStyle>
+            <a:lvl1pPr eaLnBrk="0" fontAlgn="base" hangingPunct="0">
+              <a:spcBef>
+                <a:spcPct val="0"/>
+              </a:spcBef>
+              <a:spcAft>
+                <a:spcPct val="0"/>
+              </a:spcAft>
+              <a:defRPr>
+                <a:solidFill>
+                  <a:schemeClr val="tx1"/>
+                </a:solidFill>
+                <a:latin typeface="Arial" panose="020B0604020202020204" pitchFamily="34" charset="0"/>
+              </a:defRPr>
+            </a:lvl1pPr>
+            <a:lvl2pPr eaLnBrk="0" fontAlgn="base" hangingPunct="0">
+              <a:spcBef>
+                <a:spcPct val="0"/>
+              </a:spcBef>
+              <a:spcAft>
+                <a:spcPct val="0"/>
+              </a:spcAft>
+              <a:defRPr>
+                <a:solidFill>
+                  <a:schemeClr val="tx1"/>
+                </a:solidFill>
+                <a:latin typeface="Arial" panose="020B0604020202020204" pitchFamily="34" charset="0"/>
+              </a:defRPr>
+            </a:lvl2pPr>
+            <a:lvl3pPr eaLnBrk="0" fontAlgn="base" hangingPunct="0">
+              <a:spcBef>
+                <a:spcPct val="0"/>
+              </a:spcBef>
+              <a:spcAft>
+                <a:spcPct val="0"/>
+              </a:spcAft>
+              <a:defRPr>
+                <a:solidFill>
+                  <a:schemeClr val="tx1"/>
+                </a:solidFill>
+                <a:latin typeface="Arial" panose="020B0604020202020204" pitchFamily="34" charset="0"/>
+              </a:defRPr>
+            </a:lvl3pPr>
+            <a:lvl4pPr eaLnBrk="0" fontAlgn="base" hangingPunct="0">
+              <a:spcBef>
+                <a:spcPct val="0"/>
+              </a:spcBef>
+              <a:spcAft>
+                <a:spcPct val="0"/>
+              </a:spcAft>
+              <a:defRPr>
+                <a:solidFill>
+                  <a:schemeClr val="tx1"/>
+                </a:solidFill>
+                <a:latin typeface="Arial" panose="020B0604020202020204" pitchFamily="34" charset="0"/>
+              </a:defRPr>
+            </a:lvl4pPr>
+            <a:lvl5pPr eaLnBrk="0" fontAlgn="base" hangingPunct="0">
+              <a:spcBef>
+                <a:spcPct val="0"/>
+              </a:spcBef>
+              <a:spcAft>
+                <a:spcPct val="0"/>
+              </a:spcAft>
+              <a:defRPr>
+                <a:solidFill>
+                  <a:schemeClr val="tx1"/>
+                </a:solidFill>
+                <a:latin typeface="Arial" panose="020B0604020202020204" pitchFamily="34" charset="0"/>
+              </a:defRPr>
+            </a:lvl5pPr>
+            <a:lvl6pPr eaLnBrk="0" fontAlgn="base" hangingPunct="0">
+              <a:spcBef>
+                <a:spcPct val="0"/>
+              </a:spcBef>
+              <a:spcAft>
+                <a:spcPct val="0"/>
+              </a:spcAft>
+              <a:defRPr>
+                <a:solidFill>
+                  <a:schemeClr val="tx1"/>
+                </a:solidFill>
+                <a:latin typeface="Arial" panose="020B0604020202020204" pitchFamily="34" charset="0"/>
+              </a:defRPr>
+            </a:lvl6pPr>
+            <a:lvl7pPr eaLnBrk="0" fontAlgn="base" hangingPunct="0">
+              <a:spcBef>
+                <a:spcPct val="0"/>
+              </a:spcBef>
+              <a:spcAft>
+                <a:spcPct val="0"/>
+              </a:spcAft>
+              <a:defRPr>
+                <a:solidFill>
+                  <a:schemeClr val="tx1"/>
+                </a:solidFill>
+                <a:latin typeface="Arial" panose="020B0604020202020204" pitchFamily="34" charset="0"/>
+              </a:defRPr>
+            </a:lvl7pPr>
+            <a:lvl8pPr eaLnBrk="0" fontAlgn="base" hangingPunct="0">
+              <a:spcBef>
+                <a:spcPct val="0"/>
+              </a:spcBef>
+              <a:spcAft>
+                <a:spcPct val="0"/>
+              </a:spcAft>
+              <a:defRPr>
+                <a:solidFill>
+                  <a:schemeClr val="tx1"/>
+                </a:solidFill>
+                <a:latin typeface="Arial" panose="020B0604020202020204" pitchFamily="34" charset="0"/>
+              </a:defRPr>
+            </a:lvl8pPr>
+            <a:lvl9pPr eaLnBrk="0" fontAlgn="base" hangingPunct="0">
+              <a:spcBef>
+                <a:spcPct val="0"/>
+              </a:spcBef>
+              <a:spcAft>
+                <a:spcPct val="0"/>
+              </a:spcAft>
+              <a:defRPr>
+                <a:solidFill>
+                  <a:schemeClr val="tx1"/>
+                </a:solidFill>
+                <a:latin typeface="Arial" panose="020B0604020202020204" pitchFamily="34" charset="0"/>
+              </a:defRPr>
+            </a:lvl9pPr>
+          </a:lstStyle>
+          <a:p>
+            <a:pPr marL="0" marR="0" lvl="0" indent="0" algn="l" defTabSz="914400" rtl="0" eaLnBrk="0" fontAlgn="base" latinLnBrk="0" hangingPunct="0">
+              <a:lnSpc>
+                <a:spcPct val="100000"/>
+              </a:lnSpc>
+              <a:spcBef>
+                <a:spcPct val="0"/>
+              </a:spcBef>
+              <a:spcAft>
+                <a:spcPct val="0"/>
+              </a:spcAft>
+              <a:buClrTx/>
+              <a:buSzTx/>
+              <a:buFontTx/>
+              <a:buNone/>
+              <a:tabLst/>
+            </a:pPr>
+            <a:r>
+              <a:rPr kumimoji="0" lang="en-US" altLang="en-US" sz="900" b="0" i="0" u="none" strike="noStrike" cap="none" normalizeH="0" baseline="0">
+                <a:ln>
+                  <a:noFill/>
+                </a:ln>
+                <a:solidFill>
+                  <a:srgbClr val="1D1C1D"/>
+                </a:solidFill>
+                <a:effectLst/>
+                <a:latin typeface="Slack-Lato"/>
+              </a:rPr>
+              <a:t>Add a topic</a:t>
+            </a:r>
+            <a:endParaRPr kumimoji="0" lang="en-US" altLang="en-US" sz="1200" b="0" i="0" u="none" strike="noStrike" cap="none" normalizeH="0" baseline="0">
+              <a:ln>
+                <a:noFill/>
+              </a:ln>
+              <a:solidFill>
+                <a:schemeClr val="tx1"/>
+              </a:solidFill>
+              <a:effectLst/>
+            </a:endParaRPr>
+          </a:p>
+          <a:p>
+            <a:pPr marL="0" marR="0" lvl="0" indent="0" algn="l" defTabSz="914400" rtl="0" eaLnBrk="0" fontAlgn="base" latinLnBrk="0" hangingPunct="0">
+              <a:lnSpc>
+                <a:spcPct val="100000"/>
+              </a:lnSpc>
+              <a:spcBef>
+                <a:spcPct val="0"/>
+              </a:spcBef>
+              <a:spcAft>
+                <a:spcPct val="0"/>
+              </a:spcAft>
+              <a:buClrTx/>
+              <a:buSzTx/>
+              <a:buFontTx/>
+              <a:buNone/>
+              <a:tabLst/>
+            </a:pPr>
+            <a:endParaRPr kumimoji="0" lang="en-US" altLang="en-US" sz="1800" b="0" i="0" u="none" strike="noStrike" cap="none" normalizeH="0" baseline="0">
+              <a:ln>
+                <a:noFill/>
+              </a:ln>
+              <a:solidFill>
+                <a:schemeClr val="tx1"/>
+              </a:solidFill>
+              <a:effectLst/>
+              <a:latin typeface="Arial" panose="020B0604020202020204" pitchFamily="34" charset="0"/>
+            </a:endParaRPr>
+          </a:p>
+        </p:txBody>
+      </p:sp>
+      <p:sp>
+        <p:nvSpPr>
+          <p:cNvPr id="50" name="Can 49">
+            <a:extLst>
+              <a:ext uri="{FF2B5EF4-FFF2-40B4-BE49-F238E27FC236}">
+                <a16:creationId xmlns:a16="http://schemas.microsoft.com/office/drawing/2014/main" id="{6BD8CF24-8F4E-0A46-ABFF-D682988AE26E}"/>
+              </a:ext>
+            </a:extLst>
+          </p:cNvPr>
+          <p:cNvSpPr/>
+          <p:nvPr/>
+        </p:nvSpPr>
+        <p:spPr>
+          <a:xfrm>
+            <a:off x="4116533" y="398941"/>
+            <a:ext cx="1535979" cy="989534"/>
+          </a:xfrm>
+          <a:prstGeom prst="can">
+            <a:avLst>
+              <a:gd name="adj" fmla="val 14692"/>
+            </a:avLst>
+          </a:prstGeom>
+          <a:solidFill>
+            <a:schemeClr val="accent1">
+              <a:lumMod val="20000"/>
+              <a:lumOff val="80000"/>
+            </a:schemeClr>
+          </a:solidFill>
+        </p:spPr>
+        <p:style>
+          <a:lnRef idx="2">
+            <a:schemeClr val="accent1">
+              <a:shade val="50000"/>
+            </a:schemeClr>
+          </a:lnRef>
+          <a:fillRef idx="1">
+            <a:schemeClr val="accent1"/>
+          </a:fillRef>
+          <a:effectRef idx="0">
+            <a:schemeClr val="accent1"/>
+          </a:effectRef>
+          <a:fontRef idx="minor">
+            <a:schemeClr val="lt1"/>
+          </a:fontRef>
+        </p:style>
+        <p:txBody>
+          <a:bodyPr rtlCol="0" anchor="ctr"/>
+          <a:lstStyle/>
+          <a:p>
+            <a:pPr algn="ctr"/>
+            <a:r>
+              <a:rPr lang="en-US" sz="1600" dirty="0">
+                <a:solidFill>
+                  <a:sysClr val="windowText" lastClr="000000"/>
+                </a:solidFill>
+              </a:rPr>
+              <a:t>Add candidates and alerts to the database</a:t>
+            </a:r>
+          </a:p>
+        </p:txBody>
+      </p:sp>
+      <p:cxnSp>
+        <p:nvCxnSpPr>
+          <p:cNvPr id="51" name="Straight Arrow Connector 50">
+            <a:extLst>
+              <a:ext uri="{FF2B5EF4-FFF2-40B4-BE49-F238E27FC236}">
+                <a16:creationId xmlns:a16="http://schemas.microsoft.com/office/drawing/2014/main" id="{CF084E63-7799-1747-81AA-1BEF71DD043D}"/>
+              </a:ext>
+            </a:extLst>
+          </p:cNvPr>
+          <p:cNvCxnSpPr>
+            <a:cxnSpLocks/>
+            <a:stCxn id="50" idx="4"/>
+            <a:endCxn id="6" idx="1"/>
+          </p:cNvCxnSpPr>
+          <p:nvPr/>
+        </p:nvCxnSpPr>
+        <p:spPr>
+          <a:xfrm flipV="1">
+            <a:off x="5652512" y="891606"/>
+            <a:ext cx="543343" cy="2102"/>
+          </a:xfrm>
+          <a:prstGeom prst="straightConnector1">
+            <a:avLst/>
+          </a:prstGeom>
+          <a:ln>
+            <a:solidFill>
+              <a:schemeClr val="accent1">
+                <a:lumMod val="75000"/>
+              </a:schemeClr>
+            </a:solidFill>
+            <a:tailEnd type="triangle"/>
+          </a:ln>
+        </p:spPr>
+        <p:style>
+          <a:lnRef idx="1">
+            <a:schemeClr val="accent1"/>
+          </a:lnRef>
+          <a:fillRef idx="0">
+            <a:schemeClr val="accent1"/>
+          </a:fillRef>
+          <a:effectRef idx="0">
+            <a:schemeClr val="accent1"/>
+          </a:effectRef>
+          <a:fontRef idx="minor">
+            <a:schemeClr val="tx1"/>
+          </a:fontRef>
+        </p:style>
+      </p:cxnSp>
+      <p:cxnSp>
+        <p:nvCxnSpPr>
+          <p:cNvPr id="52" name="Straight Connector 51">
+            <a:extLst>
+              <a:ext uri="{FF2B5EF4-FFF2-40B4-BE49-F238E27FC236}">
+                <a16:creationId xmlns:a16="http://schemas.microsoft.com/office/drawing/2014/main" id="{16256CF2-188B-2A45-ACAC-74789893FCF7}"/>
+              </a:ext>
+            </a:extLst>
+          </p:cNvPr>
+          <p:cNvCxnSpPr>
+            <a:cxnSpLocks/>
+            <a:stCxn id="5" idx="3"/>
+          </p:cNvCxnSpPr>
+          <p:nvPr/>
+        </p:nvCxnSpPr>
+        <p:spPr>
+          <a:xfrm flipV="1">
+            <a:off x="10663114" y="898046"/>
+            <a:ext cx="715331" cy="361"/>
+          </a:xfrm>
+          <a:prstGeom prst="line">
+            <a:avLst/>
+          </a:prstGeom>
+          <a:ln>
+            <a:solidFill>
+              <a:schemeClr val="accent1">
+                <a:lumMod val="75000"/>
+              </a:schemeClr>
+            </a:solidFill>
+          </a:ln>
+        </p:spPr>
+        <p:style>
+          <a:lnRef idx="1">
+            <a:schemeClr val="accent1"/>
+          </a:lnRef>
+          <a:fillRef idx="0">
+            <a:schemeClr val="accent1"/>
+          </a:fillRef>
+          <a:effectRef idx="0">
+            <a:schemeClr val="accent1"/>
+          </a:effectRef>
+          <a:fontRef idx="minor">
+            <a:schemeClr val="tx1"/>
+          </a:fontRef>
+        </p:style>
+      </p:cxnSp>
+      <p:cxnSp>
+        <p:nvCxnSpPr>
+          <p:cNvPr id="58" name="Straight Arrow Connector 57">
+            <a:extLst>
+              <a:ext uri="{FF2B5EF4-FFF2-40B4-BE49-F238E27FC236}">
+                <a16:creationId xmlns:a16="http://schemas.microsoft.com/office/drawing/2014/main" id="{A78C9708-9225-D64B-A559-896301798329}"/>
+              </a:ext>
+            </a:extLst>
+          </p:cNvPr>
+          <p:cNvCxnSpPr>
+            <a:cxnSpLocks/>
+          </p:cNvCxnSpPr>
+          <p:nvPr/>
+        </p:nvCxnSpPr>
+        <p:spPr>
+          <a:xfrm>
+            <a:off x="11378445" y="1560850"/>
+            <a:ext cx="0" cy="264149"/>
+          </a:xfrm>
+          <a:prstGeom prst="straightConnector1">
+            <a:avLst/>
+          </a:prstGeom>
+          <a:ln>
+            <a:solidFill>
+              <a:schemeClr val="accent1">
+                <a:lumMod val="75000"/>
+              </a:schemeClr>
+            </a:solidFill>
+            <a:tailEnd type="triangle"/>
+          </a:ln>
+        </p:spPr>
+        <p:style>
+          <a:lnRef idx="1">
+            <a:schemeClr val="accent1"/>
+          </a:lnRef>
+          <a:fillRef idx="0">
+            <a:schemeClr val="accent1"/>
+          </a:fillRef>
+          <a:effectRef idx="0">
+            <a:schemeClr val="accent1"/>
+          </a:effectRef>
+          <a:fontRef idx="minor">
+            <a:schemeClr val="tx1"/>
+          </a:fontRef>
+        </p:style>
+      </p:cxnSp>
+      <p:sp>
+        <p:nvSpPr>
+          <p:cNvPr id="41" name="Oval 40">
+            <a:extLst>
+              <a:ext uri="{FF2B5EF4-FFF2-40B4-BE49-F238E27FC236}">
+                <a16:creationId xmlns:a16="http://schemas.microsoft.com/office/drawing/2014/main" id="{700E1D55-5CB4-8F46-B85E-B3577331D155}"/>
+              </a:ext>
+            </a:extLst>
+          </p:cNvPr>
+          <p:cNvSpPr/>
+          <p:nvPr/>
+        </p:nvSpPr>
+        <p:spPr>
+          <a:xfrm>
+            <a:off x="105391" y="245632"/>
+            <a:ext cx="3266658" cy="1317706"/>
+          </a:xfrm>
+          <a:prstGeom prst="ellipse">
+            <a:avLst/>
+          </a:prstGeom>
+          <a:solidFill>
+            <a:schemeClr val="bg2"/>
+          </a:solidFill>
+        </p:spPr>
+        <p:style>
+          <a:lnRef idx="2">
+            <a:schemeClr val="accent1">
+              <a:shade val="50000"/>
+            </a:schemeClr>
+          </a:lnRef>
+          <a:fillRef idx="1">
+            <a:schemeClr val="accent1"/>
+          </a:fillRef>
+          <a:effectRef idx="0">
+            <a:schemeClr val="accent1"/>
+          </a:effectRef>
+          <a:fontRef idx="minor">
+            <a:schemeClr val="lt1"/>
+          </a:fontRef>
+        </p:style>
+        <p:txBody>
+          <a:bodyPr rtlCol="0" anchor="ctr"/>
+          <a:lstStyle/>
+          <a:p>
+            <a:pPr algn="ctr"/>
+            <a:r>
+              <a:rPr lang="en-US" sz="1600" b="1" dirty="0">
+                <a:solidFill>
+                  <a:sysClr val="windowText" lastClr="000000"/>
+                </a:solidFill>
+              </a:rPr>
+              <a:t>Kowalski query</a:t>
+            </a:r>
+          </a:p>
+          <a:p>
+            <a:pPr algn="ctr"/>
+            <a:r>
+              <a:rPr lang="en-US" sz="1600" dirty="0">
+                <a:solidFill>
+                  <a:sysClr val="windowText" lastClr="000000"/>
+                </a:solidFill>
+              </a:rPr>
+              <a:t>Alert query, select short duration candidates</a:t>
+            </a:r>
+          </a:p>
+        </p:txBody>
+      </p:sp>
+      <p:cxnSp>
+        <p:nvCxnSpPr>
+          <p:cNvPr id="73" name="Straight Arrow Connector 72">
+            <a:extLst>
+              <a:ext uri="{FF2B5EF4-FFF2-40B4-BE49-F238E27FC236}">
+                <a16:creationId xmlns:a16="http://schemas.microsoft.com/office/drawing/2014/main" id="{EDB6593C-F9EE-624C-9264-30B4E07AD031}"/>
+              </a:ext>
+            </a:extLst>
+          </p:cNvPr>
+          <p:cNvCxnSpPr>
+            <a:cxnSpLocks/>
+            <a:stCxn id="13" idx="2"/>
+            <a:endCxn id="21" idx="3"/>
+          </p:cNvCxnSpPr>
+          <p:nvPr/>
+        </p:nvCxnSpPr>
+        <p:spPr>
+          <a:xfrm flipH="1" flipV="1">
+            <a:off x="5303134" y="2432782"/>
+            <a:ext cx="694726" cy="4480"/>
+          </a:xfrm>
+          <a:prstGeom prst="straightConnector1">
+            <a:avLst/>
+          </a:prstGeom>
+          <a:ln>
+            <a:solidFill>
+              <a:schemeClr val="accent1">
+                <a:lumMod val="75000"/>
+              </a:schemeClr>
+            </a:solidFill>
+            <a:tailEnd type="triangle"/>
+          </a:ln>
+        </p:spPr>
+        <p:style>
+          <a:lnRef idx="1">
+            <a:schemeClr val="accent1"/>
+          </a:lnRef>
+          <a:fillRef idx="0">
+            <a:schemeClr val="accent1"/>
+          </a:fillRef>
+          <a:effectRef idx="0">
+            <a:schemeClr val="accent1"/>
+          </a:effectRef>
+          <a:fontRef idx="minor">
+            <a:schemeClr val="tx1"/>
+          </a:fontRef>
+        </p:style>
+      </p:cxnSp>
+      <p:cxnSp>
+        <p:nvCxnSpPr>
+          <p:cNvPr id="78" name="Straight Arrow Connector 77">
+            <a:extLst>
+              <a:ext uri="{FF2B5EF4-FFF2-40B4-BE49-F238E27FC236}">
+                <a16:creationId xmlns:a16="http://schemas.microsoft.com/office/drawing/2014/main" id="{20DCF0D4-6318-814D-BA70-51858612602D}"/>
+              </a:ext>
+            </a:extLst>
+          </p:cNvPr>
+          <p:cNvCxnSpPr>
+            <a:cxnSpLocks/>
+            <a:stCxn id="20" idx="4"/>
+            <a:endCxn id="82" idx="1"/>
+          </p:cNvCxnSpPr>
+          <p:nvPr/>
+        </p:nvCxnSpPr>
+        <p:spPr>
+          <a:xfrm flipV="1">
+            <a:off x="9993980" y="4167211"/>
+            <a:ext cx="257930" cy="3405"/>
+          </a:xfrm>
+          <a:prstGeom prst="straightConnector1">
+            <a:avLst/>
+          </a:prstGeom>
+          <a:ln>
+            <a:solidFill>
+              <a:schemeClr val="accent1">
+                <a:lumMod val="75000"/>
+              </a:schemeClr>
+            </a:solidFill>
+            <a:tailEnd type="triangle"/>
+          </a:ln>
+        </p:spPr>
+        <p:style>
+          <a:lnRef idx="1">
+            <a:schemeClr val="accent1"/>
+          </a:lnRef>
+          <a:fillRef idx="0">
+            <a:schemeClr val="accent1"/>
+          </a:fillRef>
+          <a:effectRef idx="0">
+            <a:schemeClr val="accent1"/>
+          </a:effectRef>
+          <a:fontRef idx="minor">
+            <a:schemeClr val="tx1"/>
+          </a:fontRef>
+        </p:style>
+      </p:cxnSp>
+      <p:sp>
+        <p:nvSpPr>
+          <p:cNvPr id="82" name="Rectangle 81">
+            <a:extLst>
+              <a:ext uri="{FF2B5EF4-FFF2-40B4-BE49-F238E27FC236}">
+                <a16:creationId xmlns:a16="http://schemas.microsoft.com/office/drawing/2014/main" id="{96B5C218-892A-C044-97D7-2D0B958E436B}"/>
+              </a:ext>
+            </a:extLst>
+          </p:cNvPr>
+          <p:cNvSpPr/>
+          <p:nvPr/>
+        </p:nvSpPr>
+        <p:spPr>
+          <a:xfrm>
+            <a:off x="10251910" y="3849802"/>
+            <a:ext cx="1834094" cy="634818"/>
+          </a:xfrm>
+          <a:prstGeom prst="rect">
+            <a:avLst/>
+          </a:prstGeom>
+          <a:solidFill>
+            <a:schemeClr val="bg2"/>
+          </a:solidFill>
+          <a:ln>
+            <a:solidFill>
+              <a:schemeClr val="accent1">
+                <a:lumMod val="75000"/>
+              </a:schemeClr>
+            </a:solidFill>
+          </a:ln>
+        </p:spPr>
+        <p:style>
+          <a:lnRef idx="2">
+            <a:schemeClr val="accent1">
+              <a:shade val="50000"/>
+            </a:schemeClr>
+          </a:lnRef>
+          <a:fillRef idx="1">
+            <a:schemeClr val="accent1"/>
+          </a:fillRef>
+          <a:effectRef idx="0">
+            <a:schemeClr val="accent1"/>
+          </a:effectRef>
+          <a:fontRef idx="minor">
+            <a:schemeClr val="lt1"/>
+          </a:fontRef>
+        </p:style>
+        <p:txBody>
+          <a:bodyPr rtlCol="0" anchor="ctr"/>
+          <a:lstStyle/>
+          <a:p>
+            <a:pPr algn="ctr"/>
+            <a:r>
+              <a:rPr lang="en-US" sz="1600" b="1" dirty="0">
+                <a:solidFill>
+                  <a:sysClr val="windowText" lastClr="000000"/>
+                </a:solidFill>
+              </a:rPr>
+              <a:t>CLU</a:t>
+            </a:r>
+          </a:p>
+          <a:p>
+            <a:pPr algn="ctr"/>
+            <a:r>
+              <a:rPr lang="en-US" sz="1600" dirty="0">
+                <a:solidFill>
+                  <a:sysClr val="windowText" lastClr="000000"/>
+                </a:solidFill>
+              </a:rPr>
+              <a:t>Galaxy crossmatch</a:t>
+            </a:r>
+          </a:p>
+        </p:txBody>
+      </p:sp>
+      <p:sp>
+        <p:nvSpPr>
+          <p:cNvPr id="83" name="Can 82">
+            <a:extLst>
+              <a:ext uri="{FF2B5EF4-FFF2-40B4-BE49-F238E27FC236}">
+                <a16:creationId xmlns:a16="http://schemas.microsoft.com/office/drawing/2014/main" id="{3B13E1CE-0946-D64A-9CA0-E229F52ADBDA}"/>
+              </a:ext>
+            </a:extLst>
+          </p:cNvPr>
+          <p:cNvSpPr/>
+          <p:nvPr/>
+        </p:nvSpPr>
+        <p:spPr>
+          <a:xfrm>
+            <a:off x="9593361" y="4909211"/>
+            <a:ext cx="2143253" cy="989534"/>
+          </a:xfrm>
+          <a:prstGeom prst="can">
+            <a:avLst>
+              <a:gd name="adj" fmla="val 14692"/>
+            </a:avLst>
+          </a:prstGeom>
+          <a:solidFill>
+            <a:schemeClr val="accent1">
+              <a:lumMod val="20000"/>
+              <a:lumOff val="80000"/>
+            </a:schemeClr>
+          </a:solidFill>
+        </p:spPr>
+        <p:style>
+          <a:lnRef idx="2">
+            <a:schemeClr val="accent1">
+              <a:shade val="50000"/>
+            </a:schemeClr>
+          </a:lnRef>
+          <a:fillRef idx="1">
+            <a:schemeClr val="accent1"/>
+          </a:fillRef>
+          <a:effectRef idx="0">
+            <a:schemeClr val="accent1"/>
+          </a:effectRef>
+          <a:fontRef idx="minor">
+            <a:schemeClr val="lt1"/>
+          </a:fontRef>
+        </p:style>
+        <p:txBody>
+          <a:bodyPr rtlCol="0" anchor="ctr"/>
+          <a:lstStyle/>
+          <a:p>
+            <a:pPr algn="ctr"/>
+            <a:r>
+              <a:rPr lang="en-US" sz="1600" dirty="0">
+                <a:solidFill>
+                  <a:sysClr val="windowText" lastClr="000000"/>
+                </a:solidFill>
+              </a:rPr>
+              <a:t>Update database</a:t>
+            </a:r>
+          </a:p>
+          <a:p>
+            <a:pPr algn="ctr"/>
+            <a:r>
+              <a:rPr lang="en-US" sz="1600" dirty="0">
+                <a:solidFill>
+                  <a:sysClr val="windowText" lastClr="000000"/>
+                </a:solidFill>
+              </a:rPr>
+              <a:t>with CLU galaxy crossmatch</a:t>
+            </a:r>
+          </a:p>
+        </p:txBody>
+      </p:sp>
+      <p:cxnSp>
+        <p:nvCxnSpPr>
+          <p:cNvPr id="84" name="Straight Arrow Connector 83">
+            <a:extLst>
+              <a:ext uri="{FF2B5EF4-FFF2-40B4-BE49-F238E27FC236}">
+                <a16:creationId xmlns:a16="http://schemas.microsoft.com/office/drawing/2014/main" id="{BF559F52-CC52-1048-AF55-FE3EDA1DB23D}"/>
+              </a:ext>
+            </a:extLst>
+          </p:cNvPr>
+          <p:cNvCxnSpPr>
+            <a:cxnSpLocks/>
+            <a:stCxn id="82" idx="2"/>
+            <a:endCxn id="83" idx="1"/>
+          </p:cNvCxnSpPr>
+          <p:nvPr/>
+        </p:nvCxnSpPr>
+        <p:spPr>
+          <a:xfrm flipH="1">
+            <a:off x="10664988" y="4484620"/>
+            <a:ext cx="503969" cy="424591"/>
+          </a:xfrm>
+          <a:prstGeom prst="straightConnector1">
+            <a:avLst/>
+          </a:prstGeom>
+          <a:ln>
+            <a:solidFill>
+              <a:schemeClr val="accent1">
+                <a:lumMod val="75000"/>
+              </a:schemeClr>
+            </a:solidFill>
+            <a:tailEnd type="triangle"/>
+          </a:ln>
+        </p:spPr>
+        <p:style>
+          <a:lnRef idx="1">
+            <a:schemeClr val="accent1"/>
+          </a:lnRef>
+          <a:fillRef idx="0">
+            <a:schemeClr val="accent1"/>
+          </a:fillRef>
+          <a:effectRef idx="0">
+            <a:schemeClr val="accent1"/>
+          </a:effectRef>
+          <a:fontRef idx="minor">
+            <a:schemeClr val="tx1"/>
+          </a:fontRef>
+        </p:style>
+      </p:cxnSp>
+      <p:cxnSp>
+        <p:nvCxnSpPr>
+          <p:cNvPr id="87" name="Straight Connector 86">
+            <a:extLst>
+              <a:ext uri="{FF2B5EF4-FFF2-40B4-BE49-F238E27FC236}">
+                <a16:creationId xmlns:a16="http://schemas.microsoft.com/office/drawing/2014/main" id="{0EA5241B-8846-614D-BFFC-A36DD44F8B3B}"/>
+              </a:ext>
+            </a:extLst>
+          </p:cNvPr>
+          <p:cNvCxnSpPr>
+            <a:cxnSpLocks/>
+          </p:cNvCxnSpPr>
+          <p:nvPr/>
+        </p:nvCxnSpPr>
+        <p:spPr>
+          <a:xfrm>
+            <a:off x="10663115" y="5898745"/>
+            <a:ext cx="0" cy="367531"/>
+          </a:xfrm>
+          <a:prstGeom prst="line">
+            <a:avLst/>
+          </a:prstGeom>
+          <a:ln>
+            <a:solidFill>
+              <a:schemeClr val="accent1">
+                <a:lumMod val="75000"/>
+              </a:schemeClr>
+            </a:solidFill>
+            <a:prstDash val="dash"/>
+          </a:ln>
+        </p:spPr>
+        <p:style>
+          <a:lnRef idx="1">
+            <a:schemeClr val="accent1"/>
+          </a:lnRef>
+          <a:fillRef idx="0">
+            <a:schemeClr val="accent1"/>
+          </a:fillRef>
+          <a:effectRef idx="0">
+            <a:schemeClr val="accent1"/>
+          </a:effectRef>
+          <a:fontRef idx="minor">
+            <a:schemeClr val="tx1"/>
+          </a:fontRef>
+        </p:style>
+      </p:cxnSp>
+      <p:sp>
+        <p:nvSpPr>
+          <p:cNvPr id="92" name="Rectangle 91">
+            <a:extLst>
+              <a:ext uri="{FF2B5EF4-FFF2-40B4-BE49-F238E27FC236}">
+                <a16:creationId xmlns:a16="http://schemas.microsoft.com/office/drawing/2014/main" id="{6553906F-941F-734D-93CB-CFEDE1F27DAB}"/>
+              </a:ext>
+            </a:extLst>
+          </p:cNvPr>
+          <p:cNvSpPr/>
+          <p:nvPr/>
+        </p:nvSpPr>
+        <p:spPr>
+          <a:xfrm>
+            <a:off x="2780421" y="5530721"/>
+            <a:ext cx="1562213" cy="634818"/>
+          </a:xfrm>
+          <a:prstGeom prst="rect">
+            <a:avLst/>
+          </a:prstGeom>
+          <a:solidFill>
+            <a:schemeClr val="bg2"/>
+          </a:solidFill>
+          <a:ln>
+            <a:solidFill>
+              <a:schemeClr val="accent1">
+                <a:lumMod val="75000"/>
+              </a:schemeClr>
+            </a:solidFill>
+          </a:ln>
+        </p:spPr>
+        <p:style>
+          <a:lnRef idx="2">
+            <a:schemeClr val="accent1">
+              <a:shade val="50000"/>
+            </a:schemeClr>
+          </a:lnRef>
+          <a:fillRef idx="1">
+            <a:schemeClr val="accent1"/>
+          </a:fillRef>
+          <a:effectRef idx="0">
+            <a:schemeClr val="accent1"/>
+          </a:effectRef>
+          <a:fontRef idx="minor">
+            <a:schemeClr val="lt1"/>
+          </a:fontRef>
+        </p:style>
+        <p:txBody>
+          <a:bodyPr rtlCol="0" anchor="ctr"/>
+          <a:lstStyle/>
+          <a:p>
+            <a:pPr algn="ctr"/>
+            <a:r>
+              <a:rPr lang="en-US" sz="1600" b="1" dirty="0">
+                <a:solidFill>
+                  <a:sysClr val="windowText" lastClr="000000"/>
+                </a:solidFill>
+              </a:rPr>
+              <a:t>LCO data reduction</a:t>
+            </a:r>
+          </a:p>
+        </p:txBody>
+      </p:sp>
+      <p:sp>
+        <p:nvSpPr>
+          <p:cNvPr id="96" name="Oval 95">
+            <a:extLst>
+              <a:ext uri="{FF2B5EF4-FFF2-40B4-BE49-F238E27FC236}">
+                <a16:creationId xmlns:a16="http://schemas.microsoft.com/office/drawing/2014/main" id="{AC944057-8A16-FB41-94BC-E2A76AA8050F}"/>
+              </a:ext>
+            </a:extLst>
+          </p:cNvPr>
+          <p:cNvSpPr/>
+          <p:nvPr/>
+        </p:nvSpPr>
+        <p:spPr>
+          <a:xfrm>
+            <a:off x="221325" y="6039240"/>
+            <a:ext cx="1960642" cy="673617"/>
+          </a:xfrm>
+          <a:prstGeom prst="ellipse">
+            <a:avLst/>
+          </a:prstGeom>
+          <a:solidFill>
+            <a:schemeClr val="bg2"/>
+          </a:solidFill>
+        </p:spPr>
+        <p:style>
+          <a:lnRef idx="2">
+            <a:schemeClr val="accent1">
+              <a:shade val="50000"/>
+            </a:schemeClr>
+          </a:lnRef>
+          <a:fillRef idx="1">
+            <a:schemeClr val="accent1"/>
+          </a:fillRef>
+          <a:effectRef idx="0">
+            <a:schemeClr val="accent1"/>
+          </a:effectRef>
+          <a:fontRef idx="minor">
+            <a:schemeClr val="lt1"/>
+          </a:fontRef>
+        </p:style>
+        <p:txBody>
+          <a:bodyPr rtlCol="0" anchor="ctr"/>
+          <a:lstStyle/>
+          <a:p>
+            <a:pPr algn="ctr"/>
+            <a:r>
+              <a:rPr lang="en-US" b="1" dirty="0">
+                <a:solidFill>
+                  <a:sysClr val="windowText" lastClr="000000"/>
+                </a:solidFill>
+              </a:rPr>
+              <a:t>Marshal</a:t>
+            </a:r>
+            <a:endParaRPr lang="en-US" dirty="0">
+              <a:solidFill>
+                <a:sysClr val="windowText" lastClr="000000"/>
+              </a:solidFill>
+            </a:endParaRPr>
+          </a:p>
+        </p:txBody>
+      </p:sp>
+      <p:cxnSp>
+        <p:nvCxnSpPr>
+          <p:cNvPr id="100" name="Straight Arrow Connector 99">
+            <a:extLst>
+              <a:ext uri="{FF2B5EF4-FFF2-40B4-BE49-F238E27FC236}">
+                <a16:creationId xmlns:a16="http://schemas.microsoft.com/office/drawing/2014/main" id="{2CD57DE8-00F4-3940-A0E8-1326B21D8440}"/>
+              </a:ext>
+            </a:extLst>
+          </p:cNvPr>
+          <p:cNvCxnSpPr>
+            <a:cxnSpLocks/>
+            <a:stCxn id="80" idx="1"/>
+            <a:endCxn id="92" idx="3"/>
+          </p:cNvCxnSpPr>
+          <p:nvPr/>
+        </p:nvCxnSpPr>
+        <p:spPr>
+          <a:xfrm flipH="1">
+            <a:off x="4342634" y="5845475"/>
+            <a:ext cx="923885" cy="2655"/>
+          </a:xfrm>
+          <a:prstGeom prst="straightConnector1">
+            <a:avLst/>
+          </a:prstGeom>
+          <a:ln>
+            <a:solidFill>
+              <a:schemeClr val="accent1">
+                <a:lumMod val="75000"/>
+              </a:schemeClr>
+            </a:solidFill>
+            <a:tailEnd type="triangle"/>
+          </a:ln>
+        </p:spPr>
+        <p:style>
+          <a:lnRef idx="1">
+            <a:schemeClr val="accent1"/>
+          </a:lnRef>
+          <a:fillRef idx="0">
+            <a:schemeClr val="accent1"/>
+          </a:fillRef>
+          <a:effectRef idx="0">
+            <a:schemeClr val="accent1"/>
+          </a:effectRef>
+          <a:fontRef idx="minor">
+            <a:schemeClr val="tx1"/>
+          </a:fontRef>
+        </p:style>
+      </p:cxnSp>
+      <p:sp>
+        <p:nvSpPr>
+          <p:cNvPr id="103" name="Can 102">
+            <a:extLst>
+              <a:ext uri="{FF2B5EF4-FFF2-40B4-BE49-F238E27FC236}">
+                <a16:creationId xmlns:a16="http://schemas.microsoft.com/office/drawing/2014/main" id="{73A110FE-5BB7-AA4C-ABE5-A92F7AF1C939}"/>
+              </a:ext>
+            </a:extLst>
+          </p:cNvPr>
+          <p:cNvSpPr/>
+          <p:nvPr/>
+        </p:nvSpPr>
+        <p:spPr>
+          <a:xfrm>
+            <a:off x="277988" y="5072145"/>
+            <a:ext cx="2080185" cy="842069"/>
+          </a:xfrm>
+          <a:prstGeom prst="can">
+            <a:avLst>
+              <a:gd name="adj" fmla="val 14692"/>
+            </a:avLst>
+          </a:prstGeom>
+          <a:solidFill>
+            <a:schemeClr val="accent1">
+              <a:lumMod val="20000"/>
+              <a:lumOff val="80000"/>
+            </a:schemeClr>
+          </a:solidFill>
+        </p:spPr>
+        <p:style>
+          <a:lnRef idx="2">
+            <a:schemeClr val="accent1">
+              <a:shade val="50000"/>
+            </a:schemeClr>
+          </a:lnRef>
+          <a:fillRef idx="1">
+            <a:schemeClr val="accent1"/>
+          </a:fillRef>
+          <a:effectRef idx="0">
+            <a:schemeClr val="accent1"/>
+          </a:effectRef>
+          <a:fontRef idx="minor">
+            <a:schemeClr val="lt1"/>
+          </a:fontRef>
+        </p:style>
+        <p:txBody>
+          <a:bodyPr rtlCol="0" anchor="ctr"/>
+          <a:lstStyle/>
+          <a:p>
+            <a:pPr algn="ctr"/>
+            <a:r>
+              <a:rPr lang="en-US" sz="1600" dirty="0">
+                <a:solidFill>
+                  <a:sysClr val="windowText" lastClr="000000"/>
+                </a:solidFill>
+              </a:rPr>
+              <a:t>Update database</a:t>
+            </a:r>
+          </a:p>
+          <a:p>
+            <a:pPr algn="ctr"/>
+            <a:r>
+              <a:rPr lang="en-US" sz="1600" dirty="0">
+                <a:solidFill>
+                  <a:sysClr val="windowText" lastClr="000000"/>
+                </a:solidFill>
+              </a:rPr>
+              <a:t>with LCO photometry</a:t>
+            </a:r>
+          </a:p>
+        </p:txBody>
+      </p:sp>
+      <p:cxnSp>
+        <p:nvCxnSpPr>
+          <p:cNvPr id="118" name="Straight Connector 117">
+            <a:extLst>
+              <a:ext uri="{FF2B5EF4-FFF2-40B4-BE49-F238E27FC236}">
+                <a16:creationId xmlns:a16="http://schemas.microsoft.com/office/drawing/2014/main" id="{17E37784-5D15-6245-9CBF-FD82683614FA}"/>
+              </a:ext>
+            </a:extLst>
+          </p:cNvPr>
+          <p:cNvCxnSpPr>
+            <a:cxnSpLocks/>
+          </p:cNvCxnSpPr>
+          <p:nvPr/>
+        </p:nvCxnSpPr>
+        <p:spPr>
+          <a:xfrm flipH="1">
+            <a:off x="2524418" y="5871379"/>
+            <a:ext cx="268475" cy="0"/>
+          </a:xfrm>
+          <a:prstGeom prst="line">
+            <a:avLst/>
+          </a:prstGeom>
+          <a:ln>
+            <a:solidFill>
+              <a:schemeClr val="accent1">
+                <a:lumMod val="75000"/>
+              </a:schemeClr>
+            </a:solidFill>
+          </a:ln>
+        </p:spPr>
+        <p:style>
+          <a:lnRef idx="1">
+            <a:schemeClr val="accent1"/>
+          </a:lnRef>
+          <a:fillRef idx="0">
+            <a:schemeClr val="accent1"/>
+          </a:fillRef>
+          <a:effectRef idx="0">
+            <a:schemeClr val="accent1"/>
+          </a:effectRef>
+          <a:fontRef idx="minor">
+            <a:schemeClr val="tx1"/>
+          </a:fontRef>
+        </p:style>
+      </p:cxnSp>
+      <p:cxnSp>
+        <p:nvCxnSpPr>
+          <p:cNvPr id="120" name="Straight Connector 119">
+            <a:extLst>
+              <a:ext uri="{FF2B5EF4-FFF2-40B4-BE49-F238E27FC236}">
+                <a16:creationId xmlns:a16="http://schemas.microsoft.com/office/drawing/2014/main" id="{B782B8DA-9EE2-314D-BDEC-8D53E2C7B4F7}"/>
+              </a:ext>
+            </a:extLst>
+          </p:cNvPr>
+          <p:cNvCxnSpPr>
+            <a:cxnSpLocks/>
+          </p:cNvCxnSpPr>
+          <p:nvPr/>
+        </p:nvCxnSpPr>
+        <p:spPr>
+          <a:xfrm flipH="1">
+            <a:off x="2517925" y="5426877"/>
+            <a:ext cx="6493" cy="949171"/>
+          </a:xfrm>
+          <a:prstGeom prst="line">
+            <a:avLst/>
+          </a:prstGeom>
+          <a:ln>
+            <a:solidFill>
+              <a:schemeClr val="accent1">
+                <a:lumMod val="75000"/>
+              </a:schemeClr>
+            </a:solidFill>
+          </a:ln>
+        </p:spPr>
+        <p:style>
+          <a:lnRef idx="1">
+            <a:schemeClr val="accent1"/>
+          </a:lnRef>
+          <a:fillRef idx="0">
+            <a:schemeClr val="accent1"/>
+          </a:fillRef>
+          <a:effectRef idx="0">
+            <a:schemeClr val="accent1"/>
+          </a:effectRef>
+          <a:fontRef idx="minor">
+            <a:schemeClr val="tx1"/>
+          </a:fontRef>
+        </p:style>
+      </p:cxnSp>
+      <p:cxnSp>
+        <p:nvCxnSpPr>
+          <p:cNvPr id="121" name="Straight Arrow Connector 120">
+            <a:extLst>
+              <a:ext uri="{FF2B5EF4-FFF2-40B4-BE49-F238E27FC236}">
+                <a16:creationId xmlns:a16="http://schemas.microsoft.com/office/drawing/2014/main" id="{7D58358E-0C6D-9A47-90D2-677D35C4141D}"/>
+              </a:ext>
+            </a:extLst>
+          </p:cNvPr>
+          <p:cNvCxnSpPr>
+            <a:cxnSpLocks/>
+            <a:endCxn id="96" idx="6"/>
+          </p:cNvCxnSpPr>
+          <p:nvPr/>
+        </p:nvCxnSpPr>
+        <p:spPr>
+          <a:xfrm flipH="1">
+            <a:off x="2181967" y="6376048"/>
+            <a:ext cx="342452" cy="1"/>
+          </a:xfrm>
+          <a:prstGeom prst="straightConnector1">
+            <a:avLst/>
+          </a:prstGeom>
+          <a:ln>
+            <a:solidFill>
+              <a:schemeClr val="accent1">
+                <a:lumMod val="75000"/>
+              </a:schemeClr>
+            </a:solidFill>
+            <a:tailEnd type="triangle"/>
+          </a:ln>
+        </p:spPr>
+        <p:style>
+          <a:lnRef idx="1">
+            <a:schemeClr val="accent1"/>
+          </a:lnRef>
+          <a:fillRef idx="0">
+            <a:schemeClr val="accent1"/>
+          </a:fillRef>
+          <a:effectRef idx="0">
+            <a:schemeClr val="accent1"/>
+          </a:effectRef>
+          <a:fontRef idx="minor">
+            <a:schemeClr val="tx1"/>
+          </a:fontRef>
+        </p:style>
+      </p:cxnSp>
+      <p:cxnSp>
+        <p:nvCxnSpPr>
+          <p:cNvPr id="126" name="Straight Arrow Connector 125">
+            <a:extLst>
+              <a:ext uri="{FF2B5EF4-FFF2-40B4-BE49-F238E27FC236}">
+                <a16:creationId xmlns:a16="http://schemas.microsoft.com/office/drawing/2014/main" id="{DCE595FC-2CFC-8E41-BB68-B9307E2C44DE}"/>
+              </a:ext>
+            </a:extLst>
+          </p:cNvPr>
+          <p:cNvCxnSpPr>
+            <a:cxnSpLocks/>
+          </p:cNvCxnSpPr>
+          <p:nvPr/>
+        </p:nvCxnSpPr>
+        <p:spPr>
+          <a:xfrm flipH="1">
+            <a:off x="2346699" y="5437562"/>
+            <a:ext cx="177719" cy="0"/>
+          </a:xfrm>
+          <a:prstGeom prst="straightConnector1">
+            <a:avLst/>
+          </a:prstGeom>
+          <a:ln>
+            <a:solidFill>
+              <a:schemeClr val="accent1">
+                <a:lumMod val="75000"/>
+              </a:schemeClr>
+            </a:solidFill>
+            <a:tailEnd type="triangle"/>
+          </a:ln>
+        </p:spPr>
+        <p:style>
+          <a:lnRef idx="1">
+            <a:schemeClr val="accent1"/>
+          </a:lnRef>
+          <a:fillRef idx="0">
+            <a:schemeClr val="accent1"/>
+          </a:fillRef>
+          <a:effectRef idx="0">
+            <a:schemeClr val="accent1"/>
+          </a:effectRef>
+          <a:fontRef idx="minor">
+            <a:schemeClr val="tx1"/>
+          </a:fontRef>
+        </p:style>
+      </p:cxnSp>
+      <p:sp>
+        <p:nvSpPr>
+          <p:cNvPr id="65" name="Diamond 64">
+            <a:extLst>
+              <a:ext uri="{FF2B5EF4-FFF2-40B4-BE49-F238E27FC236}">
+                <a16:creationId xmlns:a16="http://schemas.microsoft.com/office/drawing/2014/main" id="{B5DB186A-33B2-264A-BF8D-446DD736BEA2}"/>
+              </a:ext>
+            </a:extLst>
+          </p:cNvPr>
+          <p:cNvSpPr/>
+          <p:nvPr/>
+        </p:nvSpPr>
+        <p:spPr>
+          <a:xfrm>
+            <a:off x="5658425" y="3677033"/>
+            <a:ext cx="1934366" cy="989534"/>
           </a:xfrm>
           <a:prstGeom prst="diamond">
             <a:avLst/>
@@ -3730,66 +6695,8 @@
                   <a:sysClr val="windowText" lastClr="000000"/>
                 </a:solidFill>
               </a:rPr>
-              <a:t>Already in database?</a:t>
-            </a:r>
-          </a:p>
-        </p:txBody>
-      </p:sp>
-      <p:sp>
-        <p:nvSpPr>
-          <p:cNvPr id="11" name="Can 10">
-            <a:extLst>
-              <a:ext uri="{FF2B5EF4-FFF2-40B4-BE49-F238E27FC236}">
-                <a16:creationId xmlns:a16="http://schemas.microsoft.com/office/drawing/2014/main" id="{A9DEE27F-DA34-5443-A7D1-17E58B33495F}"/>
-              </a:ext>
-            </a:extLst>
-          </p:cNvPr>
-          <p:cNvSpPr/>
-          <p:nvPr/>
-        </p:nvSpPr>
-        <p:spPr>
-          <a:xfrm>
-            <a:off x="9702647" y="2751110"/>
-            <a:ext cx="2213015" cy="1260081"/>
-          </a:xfrm>
-          <a:prstGeom prst="can">
-            <a:avLst>
-              <a:gd name="adj" fmla="val 14692"/>
-            </a:avLst>
-          </a:prstGeom>
-          <a:solidFill>
-            <a:schemeClr val="accent1">
-              <a:lumMod val="20000"/>
-              <a:lumOff val="80000"/>
-            </a:schemeClr>
-          </a:solidFill>
-        </p:spPr>
-        <p:style>
-          <a:lnRef idx="2">
-            <a:schemeClr val="accent1">
-              <a:shade val="50000"/>
-            </a:schemeClr>
-          </a:lnRef>
-          <a:fillRef idx="1">
-            <a:schemeClr val="accent1"/>
-          </a:fillRef>
-          <a:effectRef idx="0">
-            <a:schemeClr val="accent1"/>
-          </a:effectRef>
-          <a:fontRef idx="minor">
-            <a:schemeClr val="lt1"/>
-          </a:fontRef>
-        </p:style>
-        <p:txBody>
-          <a:bodyPr rtlCol="0" anchor="ctr"/>
-          <a:lstStyle/>
-          <a:p>
-            <a:pPr algn="ctr"/>
-            <a:endParaRPr lang="en-US" sz="1600" dirty="0">
-              <a:solidFill>
-                <a:sysClr val="windowText" lastClr="000000"/>
-              </a:solidFill>
-            </a:endParaRPr>
+              <a:t>Fades </a:t>
+            </a:r>
           </a:p>
           <a:p>
             <a:pPr algn="ctr"/>
@@ -3799,32 +6706,103 @@
                   <a:sysClr val="windowText" lastClr="000000"/>
                 </a:solidFill>
               </a:rPr>
-              <a:t>Add alerts to light curve; update duration and evolution rates;</a:t>
-            </a:r>
-          </a:p>
-          <a:p>
-            <a:pPr algn="ctr"/>
-            <a:r>
-              <a:rPr lang="en-US" sz="1600" dirty="0">
-                <a:solidFill>
-                  <a:sysClr val="windowText" lastClr="000000"/>
-                </a:solidFill>
-              </a:rPr>
-              <a:t>Update follow-up flags</a:t>
-            </a:r>
-          </a:p>
-          <a:p>
-            <a:pPr algn="ctr"/>
-            <a:endParaRPr lang="en-US" sz="1600" dirty="0"/>
-          </a:p>
-        </p:txBody>
-      </p:sp>
-      <p:sp>
-        <p:nvSpPr>
-          <p:cNvPr id="12" name="Can 11">
-            <a:extLst>
-              <a:ext uri="{FF2B5EF4-FFF2-40B4-BE49-F238E27FC236}">
-                <a16:creationId xmlns:a16="http://schemas.microsoft.com/office/drawing/2014/main" id="{32240A3F-63E4-E048-8F99-141662D0BFB1}"/>
+              <a:t>&lt; 0.3 mag/d? </a:t>
+            </a:r>
+          </a:p>
+        </p:txBody>
+      </p:sp>
+      <p:sp>
+        <p:nvSpPr>
+          <p:cNvPr id="77" name="TextBox 76">
+            <a:extLst>
+              <a:ext uri="{FF2B5EF4-FFF2-40B4-BE49-F238E27FC236}">
+                <a16:creationId xmlns:a16="http://schemas.microsoft.com/office/drawing/2014/main" id="{C160F500-FA98-A849-8BAA-4549397C8D57}"/>
+              </a:ext>
+            </a:extLst>
+          </p:cNvPr>
+          <p:cNvSpPr txBox="1"/>
+          <p:nvPr/>
+        </p:nvSpPr>
+        <p:spPr>
+          <a:xfrm>
+            <a:off x="7083331" y="4347661"/>
+            <a:ext cx="1068819" cy="584775"/>
+          </a:xfrm>
+          <a:prstGeom prst="rect">
+            <a:avLst/>
+          </a:prstGeom>
+          <a:noFill/>
+        </p:spPr>
+        <p:txBody>
+          <a:bodyPr wrap="none" rtlCol="0">
+            <a:spAutoFit/>
+          </a:bodyPr>
+          <a:lstStyle/>
+          <a:p>
+            <a:r>
+              <a:rPr lang="en-US" sz="1600" dirty="0"/>
+              <a:t>no/</a:t>
+            </a:r>
+          </a:p>
+          <a:p>
+            <a:r>
+              <a:rPr lang="en-US" sz="1600" dirty="0"/>
+              <a:t>cannot tell</a:t>
+            </a:r>
+          </a:p>
+        </p:txBody>
+      </p:sp>
+      <p:cxnSp>
+        <p:nvCxnSpPr>
+          <p:cNvPr id="88" name="Straight Connector 87">
+            <a:extLst>
+              <a:ext uri="{FF2B5EF4-FFF2-40B4-BE49-F238E27FC236}">
+                <a16:creationId xmlns:a16="http://schemas.microsoft.com/office/drawing/2014/main" id="{EA22F721-6DCA-2046-9AA3-6E1CCFFB34C2}"/>
+              </a:ext>
+            </a:extLst>
+          </p:cNvPr>
+          <p:cNvCxnSpPr>
+            <a:cxnSpLocks/>
+          </p:cNvCxnSpPr>
+          <p:nvPr/>
+        </p:nvCxnSpPr>
+        <p:spPr>
+          <a:xfrm flipV="1">
+            <a:off x="6624486" y="3331764"/>
+            <a:ext cx="0" cy="358718"/>
+          </a:xfrm>
+          <a:prstGeom prst="line">
+            <a:avLst/>
+          </a:prstGeom>
+          <a:ln>
+            <a:solidFill>
+              <a:schemeClr val="accent1">
+                <a:lumMod val="75000"/>
+              </a:schemeClr>
+            </a:solidFill>
+          </a:ln>
+        </p:spPr>
+        <p:style>
+          <a:lnRef idx="1">
+            <a:schemeClr val="accent1"/>
+          </a:lnRef>
+          <a:fillRef idx="0">
+            <a:schemeClr val="accent1"/>
+          </a:fillRef>
+          <a:effectRef idx="0">
+            <a:schemeClr val="accent1"/>
+          </a:effectRef>
+          <a:fontRef idx="minor">
+            <a:schemeClr val="tx1"/>
+          </a:fontRef>
+        </p:style>
+      </p:cxnSp>
+      <p:sp>
+        <p:nvSpPr>
+          <p:cNvPr id="90" name="Rectangle 89">
+            <a:extLst>
+              <a:ext uri="{FF2B5EF4-FFF2-40B4-BE49-F238E27FC236}">
+                <a16:creationId xmlns:a16="http://schemas.microsoft.com/office/drawing/2014/main" id="{DFA46308-834C-1145-9135-B82FA1256C65}"/>
               </a:ext>
             </a:extLst>
           </p:cNvPr>
@@ -3833,169 +6811,17 @@
         </p:nvSpPr>
         <p:spPr>
           <a:xfrm>
-            <a:off x="5776258" y="2078845"/>
-            <a:ext cx="2261321" cy="989534"/>
-          </a:xfrm>
-          <a:prstGeom prst="can">
-            <a:avLst>
-              <a:gd name="adj" fmla="val 14692"/>
-            </a:avLst>
-          </a:prstGeom>
-          <a:solidFill>
-            <a:schemeClr val="accent1">
-              <a:lumMod val="20000"/>
-              <a:lumOff val="80000"/>
-            </a:schemeClr>
-          </a:solidFill>
-        </p:spPr>
-        <p:style>
-          <a:lnRef idx="2">
-            <a:schemeClr val="accent1">
-              <a:shade val="50000"/>
-            </a:schemeClr>
-          </a:lnRef>
-          <a:fillRef idx="1">
-            <a:schemeClr val="accent1"/>
-          </a:fillRef>
-          <a:effectRef idx="0">
-            <a:schemeClr val="accent1"/>
-          </a:effectRef>
-          <a:fontRef idx="minor">
-            <a:schemeClr val="lt1"/>
-          </a:fontRef>
-        </p:style>
-        <p:txBody>
-          <a:bodyPr rtlCol="0" anchor="ctr"/>
-          <a:lstStyle/>
-          <a:p>
-            <a:pPr algn="ctr"/>
-            <a:r>
-              <a:rPr lang="en-US" sz="1600" dirty="0">
-                <a:solidFill>
-                  <a:sysClr val="windowText" lastClr="000000"/>
-                </a:solidFill>
-              </a:rPr>
-              <a:t>Check database:</a:t>
-            </a:r>
-          </a:p>
-          <a:p>
-            <a:pPr algn="ctr"/>
-            <a:r>
-              <a:rPr lang="en-US" sz="1600" dirty="0">
-                <a:solidFill>
-                  <a:sysClr val="windowText" lastClr="000000"/>
-                </a:solidFill>
-              </a:rPr>
-              <a:t>flags, if already present? </a:t>
-            </a:r>
-          </a:p>
-        </p:txBody>
-      </p:sp>
-      <p:sp>
-        <p:nvSpPr>
-          <p:cNvPr id="13" name="Can 12">
-            <a:extLst>
-              <a:ext uri="{FF2B5EF4-FFF2-40B4-BE49-F238E27FC236}">
-                <a16:creationId xmlns:a16="http://schemas.microsoft.com/office/drawing/2014/main" id="{BA6FEC56-46DF-BD41-A9A6-0E4425075684}"/>
-              </a:ext>
-            </a:extLst>
-          </p:cNvPr>
-          <p:cNvSpPr/>
-          <p:nvPr/>
-        </p:nvSpPr>
-        <p:spPr>
-          <a:xfrm>
-            <a:off x="3244984" y="2082611"/>
-            <a:ext cx="2152921" cy="989534"/>
-          </a:xfrm>
-          <a:prstGeom prst="can">
-            <a:avLst>
-              <a:gd name="adj" fmla="val 14692"/>
-            </a:avLst>
-          </a:prstGeom>
-          <a:solidFill>
-            <a:schemeClr val="accent1">
-              <a:lumMod val="20000"/>
-              <a:lumOff val="80000"/>
-            </a:schemeClr>
-          </a:solidFill>
-        </p:spPr>
-        <p:style>
-          <a:lnRef idx="2">
-            <a:schemeClr val="accent1">
-              <a:shade val="50000"/>
-            </a:schemeClr>
-          </a:lnRef>
-          <a:fillRef idx="1">
-            <a:schemeClr val="accent1"/>
-          </a:fillRef>
-          <a:effectRef idx="0">
-            <a:schemeClr val="accent1"/>
-          </a:effectRef>
-          <a:fontRef idx="minor">
-            <a:schemeClr val="lt1"/>
-          </a:fontRef>
-        </p:style>
-        <p:txBody>
-          <a:bodyPr rtlCol="0" anchor="ctr"/>
-          <a:lstStyle/>
-          <a:p>
-            <a:pPr algn="ctr"/>
-            <a:r>
-              <a:rPr lang="en-US" sz="1600" dirty="0">
-                <a:solidFill>
-                  <a:sysClr val="windowText" lastClr="000000"/>
-                </a:solidFill>
-              </a:rPr>
-              <a:t>Update database</a:t>
-            </a:r>
-          </a:p>
-          <a:p>
-            <a:pPr algn="ctr"/>
-            <a:r>
-              <a:rPr lang="en-US" sz="1600" dirty="0">
-                <a:solidFill>
-                  <a:sysClr val="windowText" lastClr="000000"/>
-                </a:solidFill>
-              </a:rPr>
-              <a:t>new candidate info,</a:t>
-            </a:r>
-          </a:p>
-          <a:p>
-            <a:pPr algn="ctr"/>
-            <a:r>
-              <a:rPr lang="en-US" sz="1600" dirty="0">
-                <a:solidFill>
-                  <a:sysClr val="windowText" lastClr="000000"/>
-                </a:solidFill>
-              </a:rPr>
-              <a:t>alerts light curve</a:t>
-            </a:r>
-          </a:p>
-        </p:txBody>
-      </p:sp>
-      <p:sp>
-        <p:nvSpPr>
-          <p:cNvPr id="15" name="Rectangle 14">
-            <a:extLst>
-              <a:ext uri="{FF2B5EF4-FFF2-40B4-BE49-F238E27FC236}">
-                <a16:creationId xmlns:a16="http://schemas.microsoft.com/office/drawing/2014/main" id="{688AC135-C3DF-EE43-984D-83219C2B7E18}"/>
-              </a:ext>
-            </a:extLst>
-          </p:cNvPr>
-          <p:cNvSpPr/>
-          <p:nvPr/>
-        </p:nvSpPr>
-        <p:spPr>
-          <a:xfrm>
-            <a:off x="323107" y="2082612"/>
-            <a:ext cx="2412644" cy="989534"/>
+            <a:off x="7321696" y="3149851"/>
+            <a:ext cx="891859" cy="363827"/>
           </a:xfrm>
           <a:prstGeom prst="rect">
             <a:avLst/>
           </a:prstGeom>
           <a:solidFill>
-            <a:schemeClr val="bg2"/>
+            <a:schemeClr val="accent2">
+              <a:lumMod val="20000"/>
+              <a:lumOff val="80000"/>
+            </a:schemeClr>
           </a:solidFill>
           <a:ln>
             <a:solidFill>
@@ -4027,348 +6853,35 @@
           <a:p>
             <a:pPr algn="ctr"/>
             <a:r>
-              <a:rPr lang="en-US" sz="1600" b="1" dirty="0">
-                <a:solidFill>
-                  <a:sysClr val="windowText" lastClr="000000"/>
-                </a:solidFill>
-              </a:rPr>
-              <a:t>Select from the </a:t>
-            </a:r>
-            <a:r>
-              <a:rPr lang="en-US" sz="1600" b="1" dirty="0" err="1">
-                <a:solidFill>
-                  <a:sysClr val="windowText" lastClr="000000"/>
-                </a:solidFill>
-              </a:rPr>
-              <a:t>db</a:t>
-            </a:r>
-            <a:r>
-              <a:rPr lang="en-US" sz="1600" b="1" dirty="0">
-                <a:solidFill>
-                  <a:sysClr val="windowText" lastClr="000000"/>
-                </a:solidFill>
-              </a:rPr>
-              <a:t> </a:t>
-            </a:r>
-            <a:r>
               <a:rPr lang="en-US" sz="1600" dirty="0">
                 <a:solidFill>
                   <a:sysClr val="windowText" lastClr="000000"/>
                 </a:solidFill>
               </a:rPr>
-              <a:t>those candidates that need new forced phot</a:t>
-            </a:r>
-          </a:p>
-        </p:txBody>
-      </p:sp>
-      <p:sp>
-        <p:nvSpPr>
-          <p:cNvPr id="16" name="Rectangle 15">
-            <a:extLst>
-              <a:ext uri="{FF2B5EF4-FFF2-40B4-BE49-F238E27FC236}">
-                <a16:creationId xmlns:a16="http://schemas.microsoft.com/office/drawing/2014/main" id="{1BFE9764-1C25-5540-B06D-65FE8C19A0BC}"/>
-              </a:ext>
-            </a:extLst>
-          </p:cNvPr>
-          <p:cNvSpPr/>
-          <p:nvPr/>
-        </p:nvSpPr>
-        <p:spPr>
-          <a:xfrm>
-            <a:off x="3252245" y="3998350"/>
-            <a:ext cx="2744272" cy="634818"/>
-          </a:xfrm>
-          <a:prstGeom prst="rect">
-            <a:avLst/>
-          </a:prstGeom>
-          <a:solidFill>
-            <a:schemeClr val="bg2"/>
-          </a:solidFill>
-          <a:ln>
-            <a:solidFill>
-              <a:schemeClr val="accent1">
-                <a:lumMod val="75000"/>
-              </a:schemeClr>
-            </a:solidFill>
-          </a:ln>
-        </p:spPr>
-        <p:style>
-          <a:lnRef idx="2">
-            <a:schemeClr val="accent1">
-              <a:shade val="50000"/>
-            </a:schemeClr>
-          </a:lnRef>
-          <a:fillRef idx="1">
-            <a:schemeClr val="accent1"/>
-          </a:fillRef>
-          <a:effectRef idx="0">
-            <a:schemeClr val="accent1"/>
-          </a:effectRef>
-          <a:fontRef idx="minor">
-            <a:schemeClr val="lt1"/>
-          </a:fontRef>
-        </p:style>
-        <p:txBody>
-          <a:bodyPr rtlCol="0" anchor="ctr"/>
-          <a:lstStyle/>
-          <a:p>
-            <a:pPr algn="ctr"/>
-            <a:r>
-              <a:rPr lang="en-US" sz="1600" b="1" dirty="0">
-                <a:solidFill>
-                  <a:sysClr val="windowText" lastClr="000000"/>
-                </a:solidFill>
-              </a:rPr>
-              <a:t>Light curve fitting</a:t>
-            </a:r>
-          </a:p>
-          <a:p>
-            <a:pPr algn="ctr"/>
-            <a:r>
-              <a:rPr lang="en-US" sz="1600" dirty="0">
-                <a:solidFill>
-                  <a:sysClr val="windowText" lastClr="000000"/>
-                </a:solidFill>
-              </a:rPr>
-              <a:t>Fit for the rise and decay rates</a:t>
-            </a:r>
-          </a:p>
-        </p:txBody>
-      </p:sp>
-      <p:sp>
-        <p:nvSpPr>
-          <p:cNvPr id="19" name="Rectangle 18">
-            <a:extLst>
-              <a:ext uri="{FF2B5EF4-FFF2-40B4-BE49-F238E27FC236}">
-                <a16:creationId xmlns:a16="http://schemas.microsoft.com/office/drawing/2014/main" id="{762FAC6F-5344-DD4C-B2BA-E08278D075BA}"/>
-              </a:ext>
-            </a:extLst>
-          </p:cNvPr>
-          <p:cNvSpPr/>
-          <p:nvPr/>
-        </p:nvSpPr>
-        <p:spPr>
-          <a:xfrm>
-            <a:off x="310229" y="4496855"/>
-            <a:ext cx="2412644" cy="510881"/>
-          </a:xfrm>
-          <a:prstGeom prst="rect">
-            <a:avLst/>
-          </a:prstGeom>
-          <a:solidFill>
-            <a:schemeClr val="bg2"/>
-          </a:solidFill>
-          <a:ln>
-            <a:solidFill>
-              <a:schemeClr val="accent1">
-                <a:lumMod val="75000"/>
-              </a:schemeClr>
-            </a:solidFill>
-          </a:ln>
-        </p:spPr>
-        <p:style>
-          <a:lnRef idx="2">
-            <a:schemeClr val="accent1">
-              <a:shade val="50000"/>
-            </a:schemeClr>
-          </a:lnRef>
-          <a:fillRef idx="1">
-            <a:schemeClr val="accent1"/>
-          </a:fillRef>
-          <a:effectRef idx="0">
-            <a:schemeClr val="accent1"/>
-          </a:effectRef>
-          <a:fontRef idx="minor">
-            <a:schemeClr val="lt1"/>
-          </a:fontRef>
-        </p:style>
-        <p:txBody>
-          <a:bodyPr rtlCol="0" anchor="ctr"/>
-          <a:lstStyle/>
-          <a:p>
-            <a:pPr algn="ctr"/>
-            <a:r>
-              <a:rPr lang="en-US" sz="1600" b="1" dirty="0">
-                <a:solidFill>
-                  <a:sysClr val="windowText" lastClr="000000"/>
-                </a:solidFill>
-              </a:rPr>
-              <a:t>Stack flux</a:t>
-            </a:r>
-          </a:p>
-        </p:txBody>
-      </p:sp>
-      <p:sp>
-        <p:nvSpPr>
-          <p:cNvPr id="20" name="Can 19">
-            <a:extLst>
-              <a:ext uri="{FF2B5EF4-FFF2-40B4-BE49-F238E27FC236}">
-                <a16:creationId xmlns:a16="http://schemas.microsoft.com/office/drawing/2014/main" id="{AD7F76CB-1E15-CE4A-8D70-E9CC372250D2}"/>
-              </a:ext>
-            </a:extLst>
-          </p:cNvPr>
-          <p:cNvSpPr/>
-          <p:nvPr/>
-        </p:nvSpPr>
-        <p:spPr>
-          <a:xfrm>
-            <a:off x="6513010" y="3820992"/>
-            <a:ext cx="2143253" cy="989534"/>
-          </a:xfrm>
-          <a:prstGeom prst="can">
-            <a:avLst>
-              <a:gd name="adj" fmla="val 14692"/>
-            </a:avLst>
-          </a:prstGeom>
-          <a:solidFill>
-            <a:schemeClr val="accent1">
-              <a:lumMod val="20000"/>
-              <a:lumOff val="80000"/>
-            </a:schemeClr>
-          </a:solidFill>
-        </p:spPr>
-        <p:style>
-          <a:lnRef idx="2">
-            <a:schemeClr val="accent1">
-              <a:shade val="50000"/>
-            </a:schemeClr>
-          </a:lnRef>
-          <a:fillRef idx="1">
-            <a:schemeClr val="accent1"/>
-          </a:fillRef>
-          <a:effectRef idx="0">
-            <a:schemeClr val="accent1"/>
-          </a:effectRef>
-          <a:fontRef idx="minor">
-            <a:schemeClr val="lt1"/>
-          </a:fontRef>
-        </p:style>
-        <p:txBody>
-          <a:bodyPr rtlCol="0" anchor="ctr"/>
-          <a:lstStyle/>
-          <a:p>
-            <a:pPr algn="ctr"/>
-            <a:r>
-              <a:rPr lang="en-US" sz="1600" dirty="0">
-                <a:solidFill>
-                  <a:sysClr val="windowText" lastClr="000000"/>
-                </a:solidFill>
-              </a:rPr>
-              <a:t>Update </a:t>
-            </a:r>
-            <a:r>
-              <a:rPr lang="en-US" sz="1600" dirty="0" err="1">
-                <a:solidFill>
-                  <a:sysClr val="windowText" lastClr="000000"/>
-                </a:solidFill>
-              </a:rPr>
-              <a:t>db</a:t>
-            </a:r>
-            <a:r>
-              <a:rPr lang="en-US" sz="1600" dirty="0">
-                <a:solidFill>
-                  <a:sysClr val="windowText" lastClr="000000"/>
-                </a:solidFill>
-              </a:rPr>
-              <a:t> with forced phot and stacked forced phot info</a:t>
-            </a:r>
-          </a:p>
-        </p:txBody>
-      </p:sp>
-      <p:sp>
-        <p:nvSpPr>
-          <p:cNvPr id="21" name="Rectangle 20">
-            <a:extLst>
-              <a:ext uri="{FF2B5EF4-FFF2-40B4-BE49-F238E27FC236}">
-                <a16:creationId xmlns:a16="http://schemas.microsoft.com/office/drawing/2014/main" id="{FD214697-40DD-DD4F-958A-9B121B4C3857}"/>
-              </a:ext>
-            </a:extLst>
-          </p:cNvPr>
-          <p:cNvSpPr/>
-          <p:nvPr/>
-        </p:nvSpPr>
-        <p:spPr>
-          <a:xfrm>
-            <a:off x="2565120" y="553792"/>
-            <a:ext cx="1776197" cy="991674"/>
-          </a:xfrm>
-          <a:prstGeom prst="rect">
-            <a:avLst/>
-          </a:prstGeom>
-          <a:solidFill>
-            <a:schemeClr val="bg2"/>
-          </a:solidFill>
-          <a:ln>
-            <a:solidFill>
-              <a:schemeClr val="accent1">
-                <a:lumMod val="75000"/>
-              </a:schemeClr>
-            </a:solidFill>
-          </a:ln>
-        </p:spPr>
-        <p:style>
-          <a:lnRef idx="2">
-            <a:schemeClr val="accent1">
-              <a:shade val="50000"/>
-            </a:schemeClr>
-          </a:lnRef>
-          <a:fillRef idx="1">
-            <a:schemeClr val="accent1"/>
-          </a:fillRef>
-          <a:effectRef idx="0">
-            <a:schemeClr val="accent1"/>
-          </a:effectRef>
-          <a:fontRef idx="minor">
-            <a:schemeClr val="lt1"/>
-          </a:fontRef>
-        </p:style>
-        <p:txBody>
-          <a:bodyPr rtlCol="0" anchor="ctr"/>
-          <a:lstStyle/>
-          <a:p>
-            <a:pPr algn="ctr"/>
-            <a:r>
-              <a:rPr lang="en-US" sz="1600" b="1" dirty="0">
-                <a:solidFill>
-                  <a:sysClr val="windowText" lastClr="000000"/>
-                </a:solidFill>
-              </a:rPr>
-              <a:t>Auto quality check</a:t>
-            </a:r>
-          </a:p>
-          <a:p>
-            <a:pPr algn="ctr"/>
-            <a:r>
-              <a:rPr lang="en-US" sz="1600" dirty="0">
-                <a:solidFill>
-                  <a:sysClr val="windowText" lastClr="000000"/>
-                </a:solidFill>
-              </a:rPr>
-              <a:t>(Tomas)</a:t>
+              <a:t>Reject</a:t>
             </a:r>
           </a:p>
         </p:txBody>
       </p:sp>
       <p:cxnSp>
         <p:nvCxnSpPr>
-          <p:cNvPr id="23" name="Straight Arrow Connector 22">
-            <a:extLst>
-              <a:ext uri="{FF2B5EF4-FFF2-40B4-BE49-F238E27FC236}">
-                <a16:creationId xmlns:a16="http://schemas.microsoft.com/office/drawing/2014/main" id="{7A95F1E1-4336-AD48-8879-169D9D6EE889}"/>
+          <p:cNvPr id="93" name="Straight Arrow Connector 92">
+            <a:extLst>
+              <a:ext uri="{FF2B5EF4-FFF2-40B4-BE49-F238E27FC236}">
+                <a16:creationId xmlns:a16="http://schemas.microsoft.com/office/drawing/2014/main" id="{1BB8D99E-FBFA-E741-9308-B338F2E4ECE8}"/>
               </a:ext>
             </a:extLst>
           </p:cNvPr>
           <p:cNvCxnSpPr>
             <a:cxnSpLocks/>
-            <a:stCxn id="4" idx="3"/>
-            <a:endCxn id="21" idx="1"/>
+            <a:endCxn id="90" idx="1"/>
           </p:cNvCxnSpPr>
           <p:nvPr/>
         </p:nvCxnSpPr>
         <p:spPr>
           <a:xfrm>
-            <a:off x="2332213" y="1049629"/>
-            <a:ext cx="232907" cy="0"/>
+            <a:off x="6624486" y="3331765"/>
+            <a:ext cx="697210" cy="0"/>
           </a:xfrm>
           <a:prstGeom prst="straightConnector1">
             <a:avLst/>
@@ -4399,22 +6912,69 @@
       </p:cxnSp>
       <p:cxnSp>
         <p:nvCxnSpPr>
-          <p:cNvPr id="26" name="Straight Arrow Connector 25">
-            <a:extLst>
-              <a:ext uri="{FF2B5EF4-FFF2-40B4-BE49-F238E27FC236}">
-                <a16:creationId xmlns:a16="http://schemas.microsoft.com/office/drawing/2014/main" id="{A35CBCEB-E876-4A48-8129-F3AB2AEF2A15}"/>
+          <p:cNvPr id="94" name="Straight Connector 93">
+            <a:extLst>
+              <a:ext uri="{FF2B5EF4-FFF2-40B4-BE49-F238E27FC236}">
+                <a16:creationId xmlns:a16="http://schemas.microsoft.com/office/drawing/2014/main" id="{CF8E9013-D13F-FC4B-980C-93BCD6A37CB4}"/>
               </a:ext>
             </a:extLst>
           </p:cNvPr>
           <p:cNvCxnSpPr>
             <a:cxnSpLocks/>
+            <a:endCxn id="90" idx="3"/>
           </p:cNvCxnSpPr>
           <p:nvPr/>
         </p:nvCxnSpPr>
         <p:spPr>
-          <a:xfrm>
-            <a:off x="4340479" y="1041044"/>
-            <a:ext cx="232907" cy="0"/>
+          <a:xfrm flipH="1">
+            <a:off x="8213555" y="3310827"/>
+            <a:ext cx="3161299" cy="20938"/>
+          </a:xfrm>
+          <a:prstGeom prst="line">
+            <a:avLst/>
+          </a:prstGeom>
+          <a:ln>
+            <a:solidFill>
+              <a:schemeClr val="accent1">
+                <a:lumMod val="75000"/>
+              </a:schemeClr>
+            </a:solidFill>
+          </a:ln>
+        </p:spPr>
+        <p:style>
+          <a:lnRef idx="1">
+            <a:schemeClr val="accent1"/>
+          </a:lnRef>
+          <a:fillRef idx="0">
+            <a:schemeClr val="accent1"/>
+          </a:fillRef>
+          <a:effectRef idx="0">
+            <a:schemeClr val="accent1"/>
+          </a:effectRef>
+          <a:fontRef idx="minor">
+            <a:schemeClr val="tx1"/>
+          </a:fontRef>
+        </p:style>
+      </p:cxnSp>
+      <p:cxnSp>
+        <p:nvCxnSpPr>
+          <p:cNvPr id="95" name="Straight Arrow Connector 94">
+            <a:extLst>
+              <a:ext uri="{FF2B5EF4-FFF2-40B4-BE49-F238E27FC236}">
+                <a16:creationId xmlns:a16="http://schemas.microsoft.com/office/drawing/2014/main" id="{12570DCE-7127-E446-9268-EEBEF238319E}"/>
+              </a:ext>
+            </a:extLst>
+          </p:cNvPr>
+          <p:cNvCxnSpPr>
+            <a:cxnSpLocks/>
+            <a:endCxn id="11" idx="3"/>
+          </p:cNvCxnSpPr>
+          <p:nvPr/>
+        </p:nvCxnSpPr>
+        <p:spPr>
+          <a:xfrm flipV="1">
+            <a:off x="11365694" y="2667983"/>
+            <a:ext cx="0" cy="642844"/>
           </a:xfrm>
           <a:prstGeom prst="straightConnector1">
             <a:avLst/>
@@ -4443,242 +7003,12 @@
           </a:fontRef>
         </p:style>
       </p:cxnSp>
-      <p:cxnSp>
-        <p:nvCxnSpPr>
-          <p:cNvPr id="27" name="Straight Arrow Connector 26">
-            <a:extLst>
-              <a:ext uri="{FF2B5EF4-FFF2-40B4-BE49-F238E27FC236}">
-                <a16:creationId xmlns:a16="http://schemas.microsoft.com/office/drawing/2014/main" id="{A3DC5DD7-877A-F447-84FC-531E56F75D8B}"/>
-              </a:ext>
-            </a:extLst>
-          </p:cNvPr>
-          <p:cNvCxnSpPr>
-            <a:cxnSpLocks/>
-          </p:cNvCxnSpPr>
-          <p:nvPr/>
-        </p:nvCxnSpPr>
-        <p:spPr>
-          <a:xfrm>
-            <a:off x="6726306" y="1049629"/>
-            <a:ext cx="232907" cy="0"/>
-          </a:xfrm>
-          <a:prstGeom prst="straightConnector1">
-            <a:avLst/>
-          </a:prstGeom>
-          <a:ln>
-            <a:solidFill>
-              <a:schemeClr val="accent1">
-                <a:lumMod val="75000"/>
-              </a:schemeClr>
-            </a:solidFill>
-            <a:tailEnd type="triangle"/>
-          </a:ln>
-        </p:spPr>
-        <p:style>
-          <a:lnRef idx="1">
-            <a:schemeClr val="accent1"/>
-          </a:lnRef>
-          <a:fillRef idx="0">
-            <a:schemeClr val="accent1"/>
-          </a:fillRef>
-          <a:effectRef idx="0">
-            <a:schemeClr val="accent1"/>
-          </a:effectRef>
-          <a:fontRef idx="minor">
-            <a:schemeClr val="tx1"/>
-          </a:fontRef>
-        </p:style>
-      </p:cxnSp>
-      <p:cxnSp>
-        <p:nvCxnSpPr>
-          <p:cNvPr id="28" name="Straight Arrow Connector 27">
-            <a:extLst>
-              <a:ext uri="{FF2B5EF4-FFF2-40B4-BE49-F238E27FC236}">
-                <a16:creationId xmlns:a16="http://schemas.microsoft.com/office/drawing/2014/main" id="{7814760B-15CC-E24C-98DD-CD364D207FB2}"/>
-              </a:ext>
-            </a:extLst>
-          </p:cNvPr>
-          <p:cNvCxnSpPr>
-            <a:cxnSpLocks/>
-          </p:cNvCxnSpPr>
-          <p:nvPr/>
-        </p:nvCxnSpPr>
-        <p:spPr>
-          <a:xfrm>
-            <a:off x="9709666" y="1045335"/>
-            <a:ext cx="626768" cy="0"/>
-          </a:xfrm>
-          <a:prstGeom prst="straightConnector1">
-            <a:avLst/>
-          </a:prstGeom>
-          <a:ln>
-            <a:solidFill>
-              <a:schemeClr val="accent1">
-                <a:lumMod val="75000"/>
-              </a:schemeClr>
-            </a:solidFill>
-            <a:tailEnd type="triangle"/>
-          </a:ln>
-        </p:spPr>
-        <p:style>
-          <a:lnRef idx="1">
-            <a:schemeClr val="accent1"/>
-          </a:lnRef>
-          <a:fillRef idx="0">
-            <a:schemeClr val="accent1"/>
-          </a:fillRef>
-          <a:effectRef idx="0">
-            <a:schemeClr val="accent1"/>
-          </a:effectRef>
-          <a:fontRef idx="minor">
-            <a:schemeClr val="tx1"/>
-          </a:fontRef>
-        </p:style>
-      </p:cxnSp>
-      <p:cxnSp>
-        <p:nvCxnSpPr>
-          <p:cNvPr id="31" name="Straight Arrow Connector 30">
-            <a:extLst>
-              <a:ext uri="{FF2B5EF4-FFF2-40B4-BE49-F238E27FC236}">
-                <a16:creationId xmlns:a16="http://schemas.microsoft.com/office/drawing/2014/main" id="{FB500AB0-B0C3-ED4D-9528-DE1391CE8449}"/>
-              </a:ext>
-            </a:extLst>
-          </p:cNvPr>
-          <p:cNvCxnSpPr>
-            <a:cxnSpLocks/>
-          </p:cNvCxnSpPr>
-          <p:nvPr/>
-        </p:nvCxnSpPr>
-        <p:spPr>
-          <a:xfrm>
-            <a:off x="10782363" y="1244421"/>
-            <a:ext cx="0" cy="264149"/>
-          </a:xfrm>
-          <a:prstGeom prst="straightConnector1">
-            <a:avLst/>
-          </a:prstGeom>
-          <a:ln>
-            <a:solidFill>
-              <a:schemeClr val="accent1">
-                <a:lumMod val="75000"/>
-              </a:schemeClr>
-            </a:solidFill>
-            <a:tailEnd type="triangle"/>
-          </a:ln>
-        </p:spPr>
-        <p:style>
-          <a:lnRef idx="1">
-            <a:schemeClr val="accent1"/>
-          </a:lnRef>
-          <a:fillRef idx="0">
-            <a:schemeClr val="accent1"/>
-          </a:fillRef>
-          <a:effectRef idx="0">
-            <a:schemeClr val="accent1"/>
-          </a:effectRef>
-          <a:fontRef idx="minor">
-            <a:schemeClr val="tx1"/>
-          </a:fontRef>
-        </p:style>
-      </p:cxnSp>
-      <p:cxnSp>
-        <p:nvCxnSpPr>
-          <p:cNvPr id="33" name="Straight Arrow Connector 32">
-            <a:extLst>
-              <a:ext uri="{FF2B5EF4-FFF2-40B4-BE49-F238E27FC236}">
-                <a16:creationId xmlns:a16="http://schemas.microsoft.com/office/drawing/2014/main" id="{6499137B-24D8-2443-8644-84403EFB1FE2}"/>
-              </a:ext>
-            </a:extLst>
-          </p:cNvPr>
-          <p:cNvCxnSpPr>
-            <a:cxnSpLocks/>
-          </p:cNvCxnSpPr>
-          <p:nvPr/>
-        </p:nvCxnSpPr>
-        <p:spPr>
-          <a:xfrm>
-            <a:off x="10782362" y="2486961"/>
-            <a:ext cx="0" cy="264149"/>
-          </a:xfrm>
-          <a:prstGeom prst="straightConnector1">
-            <a:avLst/>
-          </a:prstGeom>
-          <a:ln>
-            <a:solidFill>
-              <a:schemeClr val="accent1">
-                <a:lumMod val="75000"/>
-              </a:schemeClr>
-            </a:solidFill>
-            <a:tailEnd type="triangle"/>
-          </a:ln>
-        </p:spPr>
-        <p:style>
-          <a:lnRef idx="1">
-            <a:schemeClr val="accent1"/>
-          </a:lnRef>
-          <a:fillRef idx="0">
-            <a:schemeClr val="accent1"/>
-          </a:fillRef>
-          <a:effectRef idx="0">
-            <a:schemeClr val="accent1"/>
-          </a:effectRef>
-          <a:fontRef idx="minor">
-            <a:schemeClr val="tx1"/>
-          </a:fontRef>
-        </p:style>
-      </p:cxnSp>
-      <p:cxnSp>
-        <p:nvCxnSpPr>
-          <p:cNvPr id="34" name="Straight Arrow Connector 33">
-            <a:extLst>
-              <a:ext uri="{FF2B5EF4-FFF2-40B4-BE49-F238E27FC236}">
-                <a16:creationId xmlns:a16="http://schemas.microsoft.com/office/drawing/2014/main" id="{95F939E4-825E-AD4B-BE78-D67874267D9F}"/>
-              </a:ext>
-            </a:extLst>
-          </p:cNvPr>
-          <p:cNvCxnSpPr>
-            <a:cxnSpLocks/>
-          </p:cNvCxnSpPr>
-          <p:nvPr/>
-        </p:nvCxnSpPr>
-        <p:spPr>
-          <a:xfrm flipH="1">
-            <a:off x="8042344" y="2616271"/>
-            <a:ext cx="293563" cy="0"/>
-          </a:xfrm>
-          <a:prstGeom prst="straightConnector1">
-            <a:avLst/>
-          </a:prstGeom>
-          <a:ln>
-            <a:solidFill>
-              <a:schemeClr val="accent1">
-                <a:lumMod val="75000"/>
-              </a:schemeClr>
-            </a:solidFill>
-            <a:tailEnd type="triangle"/>
-          </a:ln>
-        </p:spPr>
-        <p:style>
-          <a:lnRef idx="1">
-            <a:schemeClr val="accent1"/>
-          </a:lnRef>
-          <a:fillRef idx="0">
-            <a:schemeClr val="accent1"/>
-          </a:fillRef>
-          <a:effectRef idx="0">
-            <a:schemeClr val="accent1"/>
-          </a:effectRef>
-          <a:fontRef idx="minor">
-            <a:schemeClr val="tx1"/>
-          </a:fontRef>
-        </p:style>
-      </p:cxnSp>
-      <p:sp>
-        <p:nvSpPr>
-          <p:cNvPr id="39" name="TextBox 38">
-            <a:extLst>
-              <a:ext uri="{FF2B5EF4-FFF2-40B4-BE49-F238E27FC236}">
-                <a16:creationId xmlns:a16="http://schemas.microsoft.com/office/drawing/2014/main" id="{A0158722-1A58-A44E-AEF9-CB8C024128E0}"/>
+      <p:sp>
+        <p:nvSpPr>
+          <p:cNvPr id="97" name="TextBox 96">
+            <a:extLst>
+              <a:ext uri="{FF2B5EF4-FFF2-40B4-BE49-F238E27FC236}">
+                <a16:creationId xmlns:a16="http://schemas.microsoft.com/office/drawing/2014/main" id="{B1F4D542-7299-594E-9F3F-88654ACBF240}"/>
               </a:ext>
             </a:extLst>
           </p:cNvPr>
@@ -4687,8 +7017,8 @@
         </p:nvSpPr>
         <p:spPr>
           <a:xfrm>
-            <a:off x="9730155" y="667417"/>
-            <a:ext cx="491225" cy="369332"/>
+            <a:off x="6664361" y="3292234"/>
+            <a:ext cx="457882" cy="338554"/>
           </a:xfrm>
           <a:prstGeom prst="rect">
             <a:avLst/>
@@ -4702,1147 +7032,12 @@
           <a:lstStyle/>
           <a:p>
             <a:r>
-              <a:rPr lang="en-US" dirty="0"/>
+              <a:rPr lang="en-US" sz="1600" dirty="0"/>
               <a:t>yes</a:t>
             </a:r>
           </a:p>
         </p:txBody>
       </p:sp>
-      <p:sp>
-        <p:nvSpPr>
-          <p:cNvPr id="40" name="TextBox 39">
-            <a:extLst>
-              <a:ext uri="{FF2B5EF4-FFF2-40B4-BE49-F238E27FC236}">
-                <a16:creationId xmlns:a16="http://schemas.microsoft.com/office/drawing/2014/main" id="{E673F638-02A6-4247-A6E6-7D3961341217}"/>
-              </a:ext>
-            </a:extLst>
-          </p:cNvPr>
-          <p:cNvSpPr txBox="1"/>
-          <p:nvPr/>
-        </p:nvSpPr>
-        <p:spPr>
-          <a:xfrm>
-            <a:off x="10809154" y="2381778"/>
-            <a:ext cx="491225" cy="369332"/>
-          </a:xfrm>
-          <a:prstGeom prst="rect">
-            <a:avLst/>
-          </a:prstGeom>
-          <a:noFill/>
-        </p:spPr>
-        <p:txBody>
-          <a:bodyPr wrap="none" rtlCol="0">
-            <a:spAutoFit/>
-          </a:bodyPr>
-          <a:lstStyle/>
-          <a:p>
-            <a:r>
-              <a:rPr lang="en-US" dirty="0"/>
-              <a:t>yes</a:t>
-            </a:r>
-          </a:p>
-        </p:txBody>
-      </p:sp>
-      <p:cxnSp>
-        <p:nvCxnSpPr>
-          <p:cNvPr id="43" name="Straight Connector 42">
-            <a:extLst>
-              <a:ext uri="{FF2B5EF4-FFF2-40B4-BE49-F238E27FC236}">
-                <a16:creationId xmlns:a16="http://schemas.microsoft.com/office/drawing/2014/main" id="{4F4A03A9-4192-0148-850D-4B9B1EA65A62}"/>
-              </a:ext>
-            </a:extLst>
-          </p:cNvPr>
-          <p:cNvCxnSpPr>
-            <a:cxnSpLocks/>
-          </p:cNvCxnSpPr>
-          <p:nvPr/>
-        </p:nvCxnSpPr>
-        <p:spPr>
-          <a:xfrm>
-            <a:off x="8331144" y="1643211"/>
-            <a:ext cx="0" cy="977823"/>
-          </a:xfrm>
-          <a:prstGeom prst="line">
-            <a:avLst/>
-          </a:prstGeom>
-          <a:ln>
-            <a:solidFill>
-              <a:schemeClr val="accent1">
-                <a:lumMod val="75000"/>
-              </a:schemeClr>
-            </a:solidFill>
-          </a:ln>
-        </p:spPr>
-        <p:style>
-          <a:lnRef idx="1">
-            <a:schemeClr val="accent1"/>
-          </a:lnRef>
-          <a:fillRef idx="0">
-            <a:schemeClr val="accent1"/>
-          </a:fillRef>
-          <a:effectRef idx="0">
-            <a:schemeClr val="accent1"/>
-          </a:effectRef>
-          <a:fontRef idx="minor">
-            <a:schemeClr val="tx1"/>
-          </a:fontRef>
-        </p:style>
-      </p:cxnSp>
-      <p:cxnSp>
-        <p:nvCxnSpPr>
-          <p:cNvPr id="46" name="Straight Connector 45">
-            <a:extLst>
-              <a:ext uri="{FF2B5EF4-FFF2-40B4-BE49-F238E27FC236}">
-                <a16:creationId xmlns:a16="http://schemas.microsoft.com/office/drawing/2014/main" id="{43D73CAF-5340-DC40-B8A7-8AA82DFCBEAB}"/>
-              </a:ext>
-            </a:extLst>
-          </p:cNvPr>
-          <p:cNvCxnSpPr>
-            <a:cxnSpLocks/>
-          </p:cNvCxnSpPr>
-          <p:nvPr/>
-        </p:nvCxnSpPr>
-        <p:spPr>
-          <a:xfrm flipH="1">
-            <a:off x="2735751" y="4823351"/>
-            <a:ext cx="1855639" cy="6224"/>
-          </a:xfrm>
-          <a:prstGeom prst="line">
-            <a:avLst/>
-          </a:prstGeom>
-          <a:ln>
-            <a:solidFill>
-              <a:schemeClr val="accent1">
-                <a:lumMod val="75000"/>
-              </a:schemeClr>
-            </a:solidFill>
-          </a:ln>
-        </p:spPr>
-        <p:style>
-          <a:lnRef idx="1">
-            <a:schemeClr val="accent1"/>
-          </a:lnRef>
-          <a:fillRef idx="0">
-            <a:schemeClr val="accent1"/>
-          </a:fillRef>
-          <a:effectRef idx="0">
-            <a:schemeClr val="accent1"/>
-          </a:effectRef>
-          <a:fontRef idx="minor">
-            <a:schemeClr val="tx1"/>
-          </a:fontRef>
-        </p:style>
-      </p:cxnSp>
-      <p:sp>
-        <p:nvSpPr>
-          <p:cNvPr id="48" name="TextBox 47">
-            <a:extLst>
-              <a:ext uri="{FF2B5EF4-FFF2-40B4-BE49-F238E27FC236}">
-                <a16:creationId xmlns:a16="http://schemas.microsoft.com/office/drawing/2014/main" id="{B7B76D90-26D2-DE4E-9009-682BC8C0A5D0}"/>
-              </a:ext>
-            </a:extLst>
-          </p:cNvPr>
-          <p:cNvSpPr txBox="1"/>
-          <p:nvPr/>
-        </p:nvSpPr>
-        <p:spPr>
-          <a:xfrm>
-            <a:off x="8330511" y="1762790"/>
-            <a:ext cx="1182118" cy="646331"/>
-          </a:xfrm>
-          <a:prstGeom prst="rect">
-            <a:avLst/>
-          </a:prstGeom>
-          <a:noFill/>
-        </p:spPr>
-        <p:txBody>
-          <a:bodyPr wrap="none" rtlCol="0">
-            <a:spAutoFit/>
-          </a:bodyPr>
-          <a:lstStyle/>
-          <a:p>
-            <a:r>
-              <a:rPr lang="en-US" dirty="0"/>
-              <a:t>no/</a:t>
-            </a:r>
-          </a:p>
-          <a:p>
-            <a:r>
-              <a:rPr lang="en-US" dirty="0"/>
-              <a:t>cannot tell</a:t>
-            </a:r>
-          </a:p>
-        </p:txBody>
-      </p:sp>
-      <p:cxnSp>
-        <p:nvCxnSpPr>
-          <p:cNvPr id="49" name="Straight Arrow Connector 48">
-            <a:extLst>
-              <a:ext uri="{FF2B5EF4-FFF2-40B4-BE49-F238E27FC236}">
-                <a16:creationId xmlns:a16="http://schemas.microsoft.com/office/drawing/2014/main" id="{87B9F15F-4D85-6D49-B508-F2F16EDAB758}"/>
-              </a:ext>
-            </a:extLst>
-          </p:cNvPr>
-          <p:cNvCxnSpPr>
-            <a:cxnSpLocks/>
-            <a:stCxn id="12" idx="2"/>
-            <a:endCxn id="13" idx="4"/>
-          </p:cNvCxnSpPr>
-          <p:nvPr/>
-        </p:nvCxnSpPr>
-        <p:spPr>
-          <a:xfrm flipH="1">
-            <a:off x="5397905" y="2573612"/>
-            <a:ext cx="378353" cy="3766"/>
-          </a:xfrm>
-          <a:prstGeom prst="straightConnector1">
-            <a:avLst/>
-          </a:prstGeom>
-          <a:ln>
-            <a:solidFill>
-              <a:schemeClr val="accent1">
-                <a:lumMod val="75000"/>
-              </a:schemeClr>
-            </a:solidFill>
-            <a:tailEnd type="triangle"/>
-          </a:ln>
-        </p:spPr>
-        <p:style>
-          <a:lnRef idx="1">
-            <a:schemeClr val="accent1"/>
-          </a:lnRef>
-          <a:fillRef idx="0">
-            <a:schemeClr val="accent1"/>
-          </a:fillRef>
-          <a:effectRef idx="0">
-            <a:schemeClr val="accent1"/>
-          </a:effectRef>
-          <a:fontRef idx="minor">
-            <a:schemeClr val="tx1"/>
-          </a:fontRef>
-        </p:style>
-      </p:cxnSp>
-      <p:cxnSp>
-        <p:nvCxnSpPr>
-          <p:cNvPr id="53" name="Straight Arrow Connector 52">
-            <a:extLst>
-              <a:ext uri="{FF2B5EF4-FFF2-40B4-BE49-F238E27FC236}">
-                <a16:creationId xmlns:a16="http://schemas.microsoft.com/office/drawing/2014/main" id="{09C93FD3-5210-9D44-B965-C0650F940C31}"/>
-              </a:ext>
-            </a:extLst>
-          </p:cNvPr>
-          <p:cNvCxnSpPr>
-            <a:cxnSpLocks/>
-            <a:stCxn id="13" idx="2"/>
-            <a:endCxn id="15" idx="3"/>
-          </p:cNvCxnSpPr>
-          <p:nvPr/>
-        </p:nvCxnSpPr>
-        <p:spPr>
-          <a:xfrm flipH="1">
-            <a:off x="2735751" y="2577378"/>
-            <a:ext cx="509233" cy="1"/>
-          </a:xfrm>
-          <a:prstGeom prst="straightConnector1">
-            <a:avLst/>
-          </a:prstGeom>
-          <a:ln>
-            <a:solidFill>
-              <a:schemeClr val="accent1">
-                <a:lumMod val="75000"/>
-              </a:schemeClr>
-            </a:solidFill>
-            <a:tailEnd type="triangle"/>
-          </a:ln>
-        </p:spPr>
-        <p:style>
-          <a:lnRef idx="1">
-            <a:schemeClr val="accent1"/>
-          </a:lnRef>
-          <a:fillRef idx="0">
-            <a:schemeClr val="accent1"/>
-          </a:fillRef>
-          <a:effectRef idx="0">
-            <a:schemeClr val="accent1"/>
-          </a:effectRef>
-          <a:fontRef idx="minor">
-            <a:schemeClr val="tx1"/>
-          </a:fontRef>
-        </p:style>
-      </p:cxnSp>
-      <p:cxnSp>
-        <p:nvCxnSpPr>
-          <p:cNvPr id="57" name="Straight Arrow Connector 56">
-            <a:extLst>
-              <a:ext uri="{FF2B5EF4-FFF2-40B4-BE49-F238E27FC236}">
-                <a16:creationId xmlns:a16="http://schemas.microsoft.com/office/drawing/2014/main" id="{21B4C2A9-E5B9-E446-A350-6B310A4253B0}"/>
-              </a:ext>
-            </a:extLst>
-          </p:cNvPr>
-          <p:cNvCxnSpPr>
-            <a:cxnSpLocks/>
-            <a:stCxn id="15" idx="2"/>
-            <a:endCxn id="8" idx="0"/>
-          </p:cNvCxnSpPr>
-          <p:nvPr/>
-        </p:nvCxnSpPr>
-        <p:spPr>
-          <a:xfrm>
-            <a:off x="1529429" y="3072146"/>
-            <a:ext cx="0" cy="525334"/>
-          </a:xfrm>
-          <a:prstGeom prst="straightConnector1">
-            <a:avLst/>
-          </a:prstGeom>
-          <a:ln>
-            <a:solidFill>
-              <a:schemeClr val="accent1">
-                <a:lumMod val="75000"/>
-              </a:schemeClr>
-            </a:solidFill>
-            <a:tailEnd type="triangle"/>
-          </a:ln>
-        </p:spPr>
-        <p:style>
-          <a:lnRef idx="1">
-            <a:schemeClr val="accent1"/>
-          </a:lnRef>
-          <a:fillRef idx="0">
-            <a:schemeClr val="accent1"/>
-          </a:fillRef>
-          <a:effectRef idx="0">
-            <a:schemeClr val="accent1"/>
-          </a:effectRef>
-          <a:fontRef idx="minor">
-            <a:schemeClr val="tx1"/>
-          </a:fontRef>
-        </p:style>
-      </p:cxnSp>
-      <p:cxnSp>
-        <p:nvCxnSpPr>
-          <p:cNvPr id="60" name="Straight Arrow Connector 59">
-            <a:extLst>
-              <a:ext uri="{FF2B5EF4-FFF2-40B4-BE49-F238E27FC236}">
-                <a16:creationId xmlns:a16="http://schemas.microsoft.com/office/drawing/2014/main" id="{F71516EC-1A92-884B-93D6-C909776E0826}"/>
-              </a:ext>
-            </a:extLst>
-          </p:cNvPr>
-          <p:cNvCxnSpPr>
-            <a:cxnSpLocks/>
-            <a:endCxn id="19" idx="0"/>
-          </p:cNvCxnSpPr>
-          <p:nvPr/>
-        </p:nvCxnSpPr>
-        <p:spPr>
-          <a:xfrm>
-            <a:off x="1510110" y="4107834"/>
-            <a:ext cx="6441" cy="389021"/>
-          </a:xfrm>
-          <a:prstGeom prst="straightConnector1">
-            <a:avLst/>
-          </a:prstGeom>
-          <a:ln>
-            <a:solidFill>
-              <a:schemeClr val="accent1">
-                <a:lumMod val="75000"/>
-              </a:schemeClr>
-            </a:solidFill>
-            <a:tailEnd type="triangle"/>
-          </a:ln>
-        </p:spPr>
-        <p:style>
-          <a:lnRef idx="1">
-            <a:schemeClr val="accent1"/>
-          </a:lnRef>
-          <a:fillRef idx="0">
-            <a:schemeClr val="accent1"/>
-          </a:fillRef>
-          <a:effectRef idx="0">
-            <a:schemeClr val="accent1"/>
-          </a:effectRef>
-          <a:fontRef idx="minor">
-            <a:schemeClr val="tx1"/>
-          </a:fontRef>
-        </p:style>
-      </p:cxnSp>
-      <p:cxnSp>
-        <p:nvCxnSpPr>
-          <p:cNvPr id="62" name="Straight Arrow Connector 61">
-            <a:extLst>
-              <a:ext uri="{FF2B5EF4-FFF2-40B4-BE49-F238E27FC236}">
-                <a16:creationId xmlns:a16="http://schemas.microsoft.com/office/drawing/2014/main" id="{A0F8F574-0A13-9A40-99C1-F578CFEFE133}"/>
-              </a:ext>
-            </a:extLst>
-          </p:cNvPr>
-          <p:cNvCxnSpPr>
-            <a:cxnSpLocks/>
-          </p:cNvCxnSpPr>
-          <p:nvPr/>
-        </p:nvCxnSpPr>
-        <p:spPr>
-          <a:xfrm>
-            <a:off x="4587447" y="3785856"/>
-            <a:ext cx="1" cy="225335"/>
-          </a:xfrm>
-          <a:prstGeom prst="straightConnector1">
-            <a:avLst/>
-          </a:prstGeom>
-          <a:ln>
-            <a:solidFill>
-              <a:schemeClr val="accent1">
-                <a:lumMod val="75000"/>
-              </a:schemeClr>
-            </a:solidFill>
-            <a:tailEnd type="triangle"/>
-          </a:ln>
-        </p:spPr>
-        <p:style>
-          <a:lnRef idx="1">
-            <a:schemeClr val="accent1"/>
-          </a:lnRef>
-          <a:fillRef idx="0">
-            <a:schemeClr val="accent1"/>
-          </a:fillRef>
-          <a:effectRef idx="0">
-            <a:schemeClr val="accent1"/>
-          </a:effectRef>
-          <a:fontRef idx="minor">
-            <a:schemeClr val="tx1"/>
-          </a:fontRef>
-        </p:style>
-      </p:cxnSp>
-      <p:cxnSp>
-        <p:nvCxnSpPr>
-          <p:cNvPr id="64" name="Straight Arrow Connector 63">
-            <a:extLst>
-              <a:ext uri="{FF2B5EF4-FFF2-40B4-BE49-F238E27FC236}">
-                <a16:creationId xmlns:a16="http://schemas.microsoft.com/office/drawing/2014/main" id="{46FF82AD-E987-4B49-B893-B6C99309B7F7}"/>
-              </a:ext>
-            </a:extLst>
-          </p:cNvPr>
-          <p:cNvCxnSpPr>
-            <a:cxnSpLocks/>
-          </p:cNvCxnSpPr>
-          <p:nvPr/>
-        </p:nvCxnSpPr>
-        <p:spPr>
-          <a:xfrm flipV="1">
-            <a:off x="4591390" y="4633719"/>
-            <a:ext cx="0" cy="195856"/>
-          </a:xfrm>
-          <a:prstGeom prst="straightConnector1">
-            <a:avLst/>
-          </a:prstGeom>
-          <a:ln>
-            <a:solidFill>
-              <a:schemeClr val="accent1">
-                <a:lumMod val="75000"/>
-              </a:schemeClr>
-            </a:solidFill>
-            <a:tailEnd type="triangle"/>
-          </a:ln>
-        </p:spPr>
-        <p:style>
-          <a:lnRef idx="1">
-            <a:schemeClr val="accent1"/>
-          </a:lnRef>
-          <a:fillRef idx="0">
-            <a:schemeClr val="accent1"/>
-          </a:fillRef>
-          <a:effectRef idx="0">
-            <a:schemeClr val="accent1"/>
-          </a:effectRef>
-          <a:fontRef idx="minor">
-            <a:schemeClr val="tx1"/>
-          </a:fontRef>
-        </p:style>
-      </p:cxnSp>
-      <p:cxnSp>
-        <p:nvCxnSpPr>
-          <p:cNvPr id="70" name="Straight Connector 69">
-            <a:extLst>
-              <a:ext uri="{FF2B5EF4-FFF2-40B4-BE49-F238E27FC236}">
-                <a16:creationId xmlns:a16="http://schemas.microsoft.com/office/drawing/2014/main" id="{4F908109-A618-E345-B132-473ECECF61DD}"/>
-              </a:ext>
-            </a:extLst>
-          </p:cNvPr>
-          <p:cNvCxnSpPr>
-            <a:cxnSpLocks/>
-          </p:cNvCxnSpPr>
-          <p:nvPr/>
-        </p:nvCxnSpPr>
-        <p:spPr>
-          <a:xfrm flipH="1">
-            <a:off x="2729970" y="3785305"/>
-            <a:ext cx="1855639" cy="6224"/>
-          </a:xfrm>
-          <a:prstGeom prst="line">
-            <a:avLst/>
-          </a:prstGeom>
-          <a:ln>
-            <a:solidFill>
-              <a:schemeClr val="accent1">
-                <a:lumMod val="75000"/>
-              </a:schemeClr>
-            </a:solidFill>
-          </a:ln>
-        </p:spPr>
-        <p:style>
-          <a:lnRef idx="1">
-            <a:schemeClr val="accent1"/>
-          </a:lnRef>
-          <a:fillRef idx="0">
-            <a:schemeClr val="accent1"/>
-          </a:fillRef>
-          <a:effectRef idx="0">
-            <a:schemeClr val="accent1"/>
-          </a:effectRef>
-          <a:fontRef idx="minor">
-            <a:schemeClr val="tx1"/>
-          </a:fontRef>
-        </p:style>
-      </p:cxnSp>
-      <p:cxnSp>
-        <p:nvCxnSpPr>
-          <p:cNvPr id="71" name="Straight Arrow Connector 70">
-            <a:extLst>
-              <a:ext uri="{FF2B5EF4-FFF2-40B4-BE49-F238E27FC236}">
-                <a16:creationId xmlns:a16="http://schemas.microsoft.com/office/drawing/2014/main" id="{32723CFA-92A6-5C42-B8F5-435758A62A81}"/>
-              </a:ext>
-            </a:extLst>
-          </p:cNvPr>
-          <p:cNvCxnSpPr>
-            <a:cxnSpLocks/>
-            <a:stCxn id="16" idx="3"/>
-            <a:endCxn id="20" idx="2"/>
-          </p:cNvCxnSpPr>
-          <p:nvPr/>
-        </p:nvCxnSpPr>
-        <p:spPr>
-          <a:xfrm>
-            <a:off x="5996517" y="4315759"/>
-            <a:ext cx="516493" cy="0"/>
-          </a:xfrm>
-          <a:prstGeom prst="straightConnector1">
-            <a:avLst/>
-          </a:prstGeom>
-          <a:ln>
-            <a:solidFill>
-              <a:schemeClr val="accent1">
-                <a:lumMod val="75000"/>
-              </a:schemeClr>
-            </a:solidFill>
-            <a:tailEnd type="triangle"/>
-          </a:ln>
-        </p:spPr>
-        <p:style>
-          <a:lnRef idx="1">
-            <a:schemeClr val="accent1"/>
-          </a:lnRef>
-          <a:fillRef idx="0">
-            <a:schemeClr val="accent1"/>
-          </a:fillRef>
-          <a:effectRef idx="0">
-            <a:schemeClr val="accent1"/>
-          </a:effectRef>
-          <a:fontRef idx="minor">
-            <a:schemeClr val="tx1"/>
-          </a:fontRef>
-        </p:style>
-      </p:cxnSp>
-      <p:sp>
-        <p:nvSpPr>
-          <p:cNvPr id="74" name="Rectangle 73">
-            <a:extLst>
-              <a:ext uri="{FF2B5EF4-FFF2-40B4-BE49-F238E27FC236}">
-                <a16:creationId xmlns:a16="http://schemas.microsoft.com/office/drawing/2014/main" id="{0405410D-16C9-7B49-BD6B-237821ED0C4B}"/>
-              </a:ext>
-            </a:extLst>
-          </p:cNvPr>
-          <p:cNvSpPr/>
-          <p:nvPr/>
-        </p:nvSpPr>
-        <p:spPr>
-          <a:xfrm>
-            <a:off x="4750758" y="6077754"/>
-            <a:ext cx="2744272" cy="634818"/>
-          </a:xfrm>
-          <a:prstGeom prst="rect">
-            <a:avLst/>
-          </a:prstGeom>
-          <a:solidFill>
-            <a:schemeClr val="bg2"/>
-          </a:solidFill>
-          <a:ln>
-            <a:solidFill>
-              <a:schemeClr val="accent1">
-                <a:lumMod val="75000"/>
-              </a:schemeClr>
-            </a:solidFill>
-          </a:ln>
-        </p:spPr>
-        <p:style>
-          <a:lnRef idx="2">
-            <a:schemeClr val="accent1">
-              <a:shade val="50000"/>
-            </a:schemeClr>
-          </a:lnRef>
-          <a:fillRef idx="1">
-            <a:schemeClr val="accent1"/>
-          </a:fillRef>
-          <a:effectRef idx="0">
-            <a:schemeClr val="accent1"/>
-          </a:effectRef>
-          <a:fontRef idx="minor">
-            <a:schemeClr val="lt1"/>
-          </a:fontRef>
-        </p:style>
-        <p:txBody>
-          <a:bodyPr rtlCol="0" anchor="ctr"/>
-          <a:lstStyle/>
-          <a:p>
-            <a:pPr algn="ctr"/>
-            <a:r>
-              <a:rPr lang="en-US" sz="1600" b="1" dirty="0">
-                <a:solidFill>
-                  <a:sysClr val="windowText" lastClr="000000"/>
-                </a:solidFill>
-              </a:rPr>
-              <a:t>Scanning</a:t>
-            </a:r>
-          </a:p>
-          <a:p>
-            <a:pPr algn="ctr"/>
-            <a:r>
-              <a:rPr lang="en-US" sz="1600" dirty="0">
-                <a:solidFill>
-                  <a:sysClr val="windowText" lastClr="000000"/>
-                </a:solidFill>
-              </a:rPr>
-              <a:t>Update </a:t>
-            </a:r>
-            <a:r>
-              <a:rPr lang="en-US" sz="1600" dirty="0" err="1">
-                <a:solidFill>
-                  <a:sysClr val="windowText" lastClr="000000"/>
-                </a:solidFill>
-              </a:rPr>
-              <a:t>db</a:t>
-            </a:r>
-            <a:r>
-              <a:rPr lang="en-US" sz="1600" dirty="0">
-                <a:solidFill>
-                  <a:sysClr val="windowText" lastClr="000000"/>
-                </a:solidFill>
-              </a:rPr>
-              <a:t> or keep offline?</a:t>
-            </a:r>
-          </a:p>
-        </p:txBody>
-      </p:sp>
-      <p:sp>
-        <p:nvSpPr>
-          <p:cNvPr id="75" name="Rectangle 74">
-            <a:extLst>
-              <a:ext uri="{FF2B5EF4-FFF2-40B4-BE49-F238E27FC236}">
-                <a16:creationId xmlns:a16="http://schemas.microsoft.com/office/drawing/2014/main" id="{FFFEEE22-EAAD-634D-A809-E325B577EC32}"/>
-              </a:ext>
-            </a:extLst>
-          </p:cNvPr>
-          <p:cNvSpPr/>
-          <p:nvPr/>
-        </p:nvSpPr>
-        <p:spPr>
-          <a:xfrm>
-            <a:off x="4750758" y="5238356"/>
-            <a:ext cx="2744272" cy="634818"/>
-          </a:xfrm>
-          <a:prstGeom prst="rect">
-            <a:avLst/>
-          </a:prstGeom>
-          <a:solidFill>
-            <a:schemeClr val="bg2"/>
-          </a:solidFill>
-          <a:ln>
-            <a:solidFill>
-              <a:schemeClr val="accent1">
-                <a:lumMod val="75000"/>
-              </a:schemeClr>
-            </a:solidFill>
-          </a:ln>
-        </p:spPr>
-        <p:style>
-          <a:lnRef idx="2">
-            <a:schemeClr val="accent1">
-              <a:shade val="50000"/>
-            </a:schemeClr>
-          </a:lnRef>
-          <a:fillRef idx="1">
-            <a:schemeClr val="accent1"/>
-          </a:fillRef>
-          <a:effectRef idx="0">
-            <a:schemeClr val="accent1"/>
-          </a:effectRef>
-          <a:fontRef idx="minor">
-            <a:schemeClr val="lt1"/>
-          </a:fontRef>
-        </p:style>
-        <p:txBody>
-          <a:bodyPr rtlCol="0" anchor="ctr"/>
-          <a:lstStyle/>
-          <a:p>
-            <a:pPr algn="ctr"/>
-            <a:r>
-              <a:rPr lang="en-US" sz="1600" b="1" dirty="0">
-                <a:solidFill>
-                  <a:sysClr val="windowText" lastClr="000000"/>
-                </a:solidFill>
-              </a:rPr>
-              <a:t>Prioritize for LCO follow-up</a:t>
-            </a:r>
-          </a:p>
-          <a:p>
-            <a:pPr algn="ctr"/>
-            <a:r>
-              <a:rPr lang="en-US" sz="1600" dirty="0">
-                <a:solidFill>
-                  <a:sysClr val="windowText" lastClr="000000"/>
-                </a:solidFill>
-              </a:rPr>
-              <a:t>Automatic triggering?</a:t>
-            </a:r>
-          </a:p>
-        </p:txBody>
-      </p:sp>
-      <p:cxnSp>
-        <p:nvCxnSpPr>
-          <p:cNvPr id="76" name="Straight Arrow Connector 75">
-            <a:extLst>
-              <a:ext uri="{FF2B5EF4-FFF2-40B4-BE49-F238E27FC236}">
-                <a16:creationId xmlns:a16="http://schemas.microsoft.com/office/drawing/2014/main" id="{8A0346CF-7720-D24E-A1C0-278D09131306}"/>
-              </a:ext>
-            </a:extLst>
-          </p:cNvPr>
-          <p:cNvCxnSpPr>
-            <a:cxnSpLocks/>
-          </p:cNvCxnSpPr>
-          <p:nvPr/>
-        </p:nvCxnSpPr>
-        <p:spPr>
-          <a:xfrm flipH="1">
-            <a:off x="7501570" y="5604681"/>
-            <a:ext cx="293563" cy="0"/>
-          </a:xfrm>
-          <a:prstGeom prst="straightConnector1">
-            <a:avLst/>
-          </a:prstGeom>
-          <a:ln>
-            <a:solidFill>
-              <a:schemeClr val="accent1">
-                <a:lumMod val="75000"/>
-              </a:schemeClr>
-            </a:solidFill>
-            <a:tailEnd type="triangle"/>
-          </a:ln>
-        </p:spPr>
-        <p:style>
-          <a:lnRef idx="1">
-            <a:schemeClr val="accent1"/>
-          </a:lnRef>
-          <a:fillRef idx="0">
-            <a:schemeClr val="accent1"/>
-          </a:fillRef>
-          <a:effectRef idx="0">
-            <a:schemeClr val="accent1"/>
-          </a:effectRef>
-          <a:fontRef idx="minor">
-            <a:schemeClr val="tx1"/>
-          </a:fontRef>
-        </p:style>
-      </p:cxnSp>
-      <p:cxnSp>
-        <p:nvCxnSpPr>
-          <p:cNvPr id="77" name="Straight Connector 76">
-            <a:extLst>
-              <a:ext uri="{FF2B5EF4-FFF2-40B4-BE49-F238E27FC236}">
-                <a16:creationId xmlns:a16="http://schemas.microsoft.com/office/drawing/2014/main" id="{FC884F47-2FFD-2B4E-A246-50815020A64F}"/>
-              </a:ext>
-            </a:extLst>
-          </p:cNvPr>
-          <p:cNvCxnSpPr>
-            <a:cxnSpLocks/>
-          </p:cNvCxnSpPr>
-          <p:nvPr/>
-        </p:nvCxnSpPr>
-        <p:spPr>
-          <a:xfrm>
-            <a:off x="7790370" y="4823351"/>
-            <a:ext cx="4763" cy="1571812"/>
-          </a:xfrm>
-          <a:prstGeom prst="line">
-            <a:avLst/>
-          </a:prstGeom>
-          <a:ln>
-            <a:solidFill>
-              <a:schemeClr val="accent1">
-                <a:lumMod val="75000"/>
-              </a:schemeClr>
-            </a:solidFill>
-          </a:ln>
-        </p:spPr>
-        <p:style>
-          <a:lnRef idx="1">
-            <a:schemeClr val="accent1"/>
-          </a:lnRef>
-          <a:fillRef idx="0">
-            <a:schemeClr val="accent1"/>
-          </a:fillRef>
-          <a:effectRef idx="0">
-            <a:schemeClr val="accent1"/>
-          </a:effectRef>
-          <a:fontRef idx="minor">
-            <a:schemeClr val="tx1"/>
-          </a:fontRef>
-        </p:style>
-      </p:cxnSp>
-      <p:cxnSp>
-        <p:nvCxnSpPr>
-          <p:cNvPr id="79" name="Straight Arrow Connector 78">
-            <a:extLst>
-              <a:ext uri="{FF2B5EF4-FFF2-40B4-BE49-F238E27FC236}">
-                <a16:creationId xmlns:a16="http://schemas.microsoft.com/office/drawing/2014/main" id="{BBB69018-C9E0-6D4B-B63E-62C2FE44B2C3}"/>
-              </a:ext>
-            </a:extLst>
-          </p:cNvPr>
-          <p:cNvCxnSpPr>
-            <a:cxnSpLocks/>
-          </p:cNvCxnSpPr>
-          <p:nvPr/>
-        </p:nvCxnSpPr>
-        <p:spPr>
-          <a:xfrm flipH="1">
-            <a:off x="7495030" y="6395163"/>
-            <a:ext cx="293563" cy="0"/>
-          </a:xfrm>
-          <a:prstGeom prst="straightConnector1">
-            <a:avLst/>
-          </a:prstGeom>
-          <a:ln>
-            <a:solidFill>
-              <a:schemeClr val="accent1">
-                <a:lumMod val="75000"/>
-              </a:schemeClr>
-            </a:solidFill>
-            <a:tailEnd type="triangle"/>
-          </a:ln>
-        </p:spPr>
-        <p:style>
-          <a:lnRef idx="1">
-            <a:schemeClr val="accent1"/>
-          </a:lnRef>
-          <a:fillRef idx="0">
-            <a:schemeClr val="accent1"/>
-          </a:fillRef>
-          <a:effectRef idx="0">
-            <a:schemeClr val="accent1"/>
-          </a:effectRef>
-          <a:fontRef idx="minor">
-            <a:schemeClr val="tx1"/>
-          </a:fontRef>
-        </p:style>
-      </p:cxnSp>
-      <p:sp>
-        <p:nvSpPr>
-          <p:cNvPr id="80" name="Rectangle 79">
-            <a:extLst>
-              <a:ext uri="{FF2B5EF4-FFF2-40B4-BE49-F238E27FC236}">
-                <a16:creationId xmlns:a16="http://schemas.microsoft.com/office/drawing/2014/main" id="{2553F50D-FB27-7F48-81F6-0102431AA654}"/>
-              </a:ext>
-            </a:extLst>
-          </p:cNvPr>
-          <p:cNvSpPr/>
-          <p:nvPr/>
-        </p:nvSpPr>
-        <p:spPr>
-          <a:xfrm>
-            <a:off x="2464676" y="5662842"/>
-            <a:ext cx="1499619" cy="634818"/>
-          </a:xfrm>
-          <a:prstGeom prst="rect">
-            <a:avLst/>
-          </a:prstGeom>
-          <a:solidFill>
-            <a:schemeClr val="bg2"/>
-          </a:solidFill>
-          <a:ln>
-            <a:solidFill>
-              <a:schemeClr val="accent1">
-                <a:lumMod val="75000"/>
-              </a:schemeClr>
-            </a:solidFill>
-          </a:ln>
-        </p:spPr>
-        <p:style>
-          <a:lnRef idx="2">
-            <a:schemeClr val="accent1">
-              <a:shade val="50000"/>
-            </a:schemeClr>
-          </a:lnRef>
-          <a:fillRef idx="1">
-            <a:schemeClr val="accent1"/>
-          </a:fillRef>
-          <a:effectRef idx="0">
-            <a:schemeClr val="accent1"/>
-          </a:effectRef>
-          <a:fontRef idx="minor">
-            <a:schemeClr val="lt1"/>
-          </a:fontRef>
-        </p:style>
-        <p:txBody>
-          <a:bodyPr rtlCol="0" anchor="ctr"/>
-          <a:lstStyle/>
-          <a:p>
-            <a:pPr algn="ctr"/>
-            <a:r>
-              <a:rPr lang="en-US" sz="1600" b="1" dirty="0">
-                <a:solidFill>
-                  <a:sysClr val="windowText" lastClr="000000"/>
-                </a:solidFill>
-              </a:rPr>
-              <a:t>Trigger LCO</a:t>
-            </a:r>
-          </a:p>
-          <a:p>
-            <a:pPr algn="ctr"/>
-            <a:r>
-              <a:rPr lang="en-US" sz="1600" b="1" dirty="0">
-                <a:solidFill>
-                  <a:sysClr val="windowText" lastClr="000000"/>
-                </a:solidFill>
-              </a:rPr>
-              <a:t>(and SEDM?)</a:t>
-            </a:r>
-          </a:p>
-        </p:txBody>
-      </p:sp>
-      <p:cxnSp>
-        <p:nvCxnSpPr>
-          <p:cNvPr id="81" name="Straight Connector 80">
-            <a:extLst>
-              <a:ext uri="{FF2B5EF4-FFF2-40B4-BE49-F238E27FC236}">
-                <a16:creationId xmlns:a16="http://schemas.microsoft.com/office/drawing/2014/main" id="{350A88DD-D7B7-6E49-A47B-8F9202BEA1BF}"/>
-              </a:ext>
-            </a:extLst>
-          </p:cNvPr>
-          <p:cNvCxnSpPr>
-            <a:cxnSpLocks/>
-            <a:stCxn id="75" idx="1"/>
-          </p:cNvCxnSpPr>
-          <p:nvPr/>
-        </p:nvCxnSpPr>
-        <p:spPr>
-          <a:xfrm flipH="1" flipV="1">
-            <a:off x="4264212" y="5555764"/>
-            <a:ext cx="486546" cy="1"/>
-          </a:xfrm>
-          <a:prstGeom prst="line">
-            <a:avLst/>
-          </a:prstGeom>
-          <a:ln>
-            <a:solidFill>
-              <a:schemeClr val="accent1">
-                <a:lumMod val="75000"/>
-              </a:schemeClr>
-            </a:solidFill>
-          </a:ln>
-        </p:spPr>
-        <p:style>
-          <a:lnRef idx="1">
-            <a:schemeClr val="accent1"/>
-          </a:lnRef>
-          <a:fillRef idx="0">
-            <a:schemeClr val="accent1"/>
-          </a:fillRef>
-          <a:effectRef idx="0">
-            <a:schemeClr val="accent1"/>
-          </a:effectRef>
-          <a:fontRef idx="minor">
-            <a:schemeClr val="tx1"/>
-          </a:fontRef>
-        </p:style>
-      </p:cxnSp>
-      <p:cxnSp>
-        <p:nvCxnSpPr>
-          <p:cNvPr id="85" name="Straight Connector 84">
-            <a:extLst>
-              <a:ext uri="{FF2B5EF4-FFF2-40B4-BE49-F238E27FC236}">
-                <a16:creationId xmlns:a16="http://schemas.microsoft.com/office/drawing/2014/main" id="{E4463BAE-289D-F248-A9C0-4EEDE4E9CF37}"/>
-              </a:ext>
-            </a:extLst>
-          </p:cNvPr>
-          <p:cNvCxnSpPr>
-            <a:cxnSpLocks/>
-          </p:cNvCxnSpPr>
-          <p:nvPr/>
-        </p:nvCxnSpPr>
-        <p:spPr>
-          <a:xfrm flipH="1" flipV="1">
-            <a:off x="4262435" y="6396126"/>
-            <a:ext cx="486546" cy="1"/>
-          </a:xfrm>
-          <a:prstGeom prst="line">
-            <a:avLst/>
-          </a:prstGeom>
-          <a:ln>
-            <a:solidFill>
-              <a:schemeClr val="accent1">
-                <a:lumMod val="75000"/>
-              </a:schemeClr>
-            </a:solidFill>
-          </a:ln>
-        </p:spPr>
-        <p:style>
-          <a:lnRef idx="1">
-            <a:schemeClr val="accent1"/>
-          </a:lnRef>
-          <a:fillRef idx="0">
-            <a:schemeClr val="accent1"/>
-          </a:fillRef>
-          <a:effectRef idx="0">
-            <a:schemeClr val="accent1"/>
-          </a:effectRef>
-          <a:fontRef idx="minor">
-            <a:schemeClr val="tx1"/>
-          </a:fontRef>
-        </p:style>
-      </p:cxnSp>
-      <p:cxnSp>
-        <p:nvCxnSpPr>
-          <p:cNvPr id="86" name="Straight Connector 85">
-            <a:extLst>
-              <a:ext uri="{FF2B5EF4-FFF2-40B4-BE49-F238E27FC236}">
-                <a16:creationId xmlns:a16="http://schemas.microsoft.com/office/drawing/2014/main" id="{590A8BD4-15CC-EE45-ADA2-616DAF22510F}"/>
-              </a:ext>
-            </a:extLst>
-          </p:cNvPr>
-          <p:cNvCxnSpPr>
-            <a:cxnSpLocks/>
-          </p:cNvCxnSpPr>
-          <p:nvPr/>
-        </p:nvCxnSpPr>
-        <p:spPr>
-          <a:xfrm>
-            <a:off x="4262435" y="5555764"/>
-            <a:ext cx="0" cy="839399"/>
-          </a:xfrm>
-          <a:prstGeom prst="line">
-            <a:avLst/>
-          </a:prstGeom>
-          <a:ln>
-            <a:solidFill>
-              <a:schemeClr val="accent1">
-                <a:lumMod val="75000"/>
-              </a:schemeClr>
-            </a:solidFill>
-          </a:ln>
-        </p:spPr>
-        <p:style>
-          <a:lnRef idx="1">
-            <a:schemeClr val="accent1"/>
-          </a:lnRef>
-          <a:fillRef idx="0">
-            <a:schemeClr val="accent1"/>
-          </a:fillRef>
-          <a:effectRef idx="0">
-            <a:schemeClr val="accent1"/>
-          </a:effectRef>
-          <a:fontRef idx="minor">
-            <a:schemeClr val="tx1"/>
-          </a:fontRef>
-        </p:style>
-      </p:cxnSp>
-      <p:cxnSp>
-        <p:nvCxnSpPr>
-          <p:cNvPr id="89" name="Straight Arrow Connector 88">
-            <a:extLst>
-              <a:ext uri="{FF2B5EF4-FFF2-40B4-BE49-F238E27FC236}">
-                <a16:creationId xmlns:a16="http://schemas.microsoft.com/office/drawing/2014/main" id="{04FE470A-D80F-3142-8FA1-7BA7DA8E82C4}"/>
-              </a:ext>
-            </a:extLst>
-          </p:cNvPr>
-          <p:cNvCxnSpPr>
-            <a:cxnSpLocks/>
-          </p:cNvCxnSpPr>
-          <p:nvPr/>
-        </p:nvCxnSpPr>
-        <p:spPr>
-          <a:xfrm flipH="1">
-            <a:off x="3968872" y="5975463"/>
-            <a:ext cx="293563" cy="0"/>
-          </a:xfrm>
-          <a:prstGeom prst="straightConnector1">
-            <a:avLst/>
-          </a:prstGeom>
-          <a:ln>
-            <a:solidFill>
-              <a:schemeClr val="accent1">
-                <a:lumMod val="75000"/>
-              </a:schemeClr>
-            </a:solidFill>
-            <a:tailEnd type="triangle"/>
-          </a:ln>
-        </p:spPr>
-        <p:style>
-          <a:lnRef idx="1">
-            <a:schemeClr val="accent1"/>
-          </a:lnRef>
-          <a:fillRef idx="0">
-            <a:schemeClr val="accent1"/>
-          </a:fillRef>
-          <a:effectRef idx="0">
-            <a:schemeClr val="accent1"/>
-          </a:effectRef>
-          <a:fontRef idx="minor">
-            <a:schemeClr val="tx1"/>
-          </a:fontRef>
-        </p:style>
-      </p:cxnSp>
-      <p:pic>
-        <p:nvPicPr>
-          <p:cNvPr id="91" name="Graphic 90" descr="Telescope">
-            <a:extLst>
-              <a:ext uri="{FF2B5EF4-FFF2-40B4-BE49-F238E27FC236}">
-                <a16:creationId xmlns:a16="http://schemas.microsoft.com/office/drawing/2014/main" id="{2874B837-4FA6-A54A-AC74-908AF485DFD9}"/>
-              </a:ext>
-            </a:extLst>
-          </p:cNvPr>
-          <p:cNvPicPr>
-            <a:picLocks noChangeAspect="1"/>
-          </p:cNvPicPr>
-          <p:nvPr/>
-        </p:nvPicPr>
-        <p:blipFill>
-          <a:blip r:embed="rId2">
-            <a:extLst>
-              <a:ext uri="{96DAC541-7B7A-43D3-8B79-37D633B846F1}">
-                <asvg:svgBlip xmlns:asvg="http://schemas.microsoft.com/office/drawing/2016/SVG/main" r:embed="rId3"/>
-              </a:ext>
-            </a:extLst>
-          </a:blip>
-          <a:stretch>
-            <a:fillRect/>
-          </a:stretch>
-        </p:blipFill>
-        <p:spPr>
-          <a:xfrm flipH="1">
-            <a:off x="1625700" y="5604681"/>
-            <a:ext cx="691497" cy="790482"/>
-          </a:xfrm>
-          <a:prstGeom prst="rect">
-            <a:avLst/>
-          </a:prstGeom>
-        </p:spPr>
-      </p:pic>
     </p:spTree>
     <p:extLst>
       <p:ext uri="{BB962C8B-B14F-4D97-AF65-F5344CB8AC3E}">
